--- a/Papers/啮齿类功能网络及扰动.pptx
+++ b/Papers/啮齿类功能网络及扰动.pptx
@@ -5615,7 +5615,7 @@
         <p:spPr>
           <a:xfrm>
             <a:off x="3944383" y="3771721"/>
-            <a:ext cx="3852950" cy="3170099"/>
+            <a:ext cx="3852950" cy="1323439"/>
           </a:xfrm>
           <a:prstGeom prst="rect">
             <a:avLst/>
@@ -5698,70 +5698,7 @@
                 <a:ea typeface="Meiryo" panose="020B0604030504040204" pitchFamily="34" charset="-128"/>
                 <a:cs typeface="Meiryo" panose="020B0604030504040204" pitchFamily="34" charset="-128"/>
               </a:rPr>
-              <a:t>treatment</a:t>
-            </a:r>
-          </a:p>
-          <a:p>
-            <a:pPr marL="342900" indent="-342900">
-              <a:lnSpc>
-                <a:spcPct val="200000"/>
-              </a:lnSpc>
-              <a:buFont typeface="Arial" panose="020B0604020202020204" pitchFamily="34" charset="0"/>
-              <a:buChar char="•"/>
-            </a:pPr>
-            <a:r>
-              <a:rPr lang="en-US" altLang="zh-CN" sz="2000" dirty="0" smtClean="0">
-                <a:latin typeface="Meiryo" panose="020B0604030504040204" pitchFamily="34" charset="-128"/>
-                <a:ea typeface="Meiryo" panose="020B0604030504040204" pitchFamily="34" charset="-128"/>
-                <a:cs typeface="Meiryo" panose="020B0604030504040204" pitchFamily="34" charset="-128"/>
-              </a:rPr>
-              <a:t> </a:t>
-            </a:r>
-            <a:r>
-              <a:rPr lang="en-US" altLang="zh-CN" sz="2000" dirty="0">
-                <a:latin typeface="Meiryo" panose="020B0604030504040204" pitchFamily="34" charset="-128"/>
-                <a:ea typeface="Meiryo" panose="020B0604030504040204" pitchFamily="34" charset="-128"/>
-                <a:cs typeface="Meiryo" panose="020B0604030504040204" pitchFamily="34" charset="-128"/>
-              </a:rPr>
-              <a:t/>
-            </a:r>
-            <a:br>
-              <a:rPr lang="en-US" altLang="zh-CN" sz="2000" dirty="0">
-                <a:latin typeface="Meiryo" panose="020B0604030504040204" pitchFamily="34" charset="-128"/>
-                <a:ea typeface="Meiryo" panose="020B0604030504040204" pitchFamily="34" charset="-128"/>
-                <a:cs typeface="Meiryo" panose="020B0604030504040204" pitchFamily="34" charset="-128"/>
-              </a:rPr>
-            </a:br>
-            <a:r>
-              <a:rPr lang="en-US" altLang="zh-CN" sz="2000" dirty="0">
-                <a:latin typeface="Meiryo" panose="020B0604030504040204" pitchFamily="34" charset="-128"/>
-                <a:ea typeface="Meiryo" panose="020B0604030504040204" pitchFamily="34" charset="-128"/>
-                <a:cs typeface="Meiryo" panose="020B0604030504040204" pitchFamily="34" charset="-128"/>
-              </a:rPr>
-              <a:t> </a:t>
-            </a:r>
-            <a:r>
-              <a:rPr lang="en-US" altLang="zh-CN" sz="2000" dirty="0">
-                <a:latin typeface="Meiryo" panose="020B0604030504040204" pitchFamily="34" charset="-128"/>
-                <a:ea typeface="Meiryo" panose="020B0604030504040204" pitchFamily="34" charset="-128"/>
-                <a:cs typeface="Meiryo" panose="020B0604030504040204" pitchFamily="34" charset="-128"/>
-              </a:rPr>
-              <a:t/>
-            </a:r>
-            <a:br>
-              <a:rPr lang="en-US" altLang="zh-CN" sz="2000" dirty="0">
-                <a:latin typeface="Meiryo" panose="020B0604030504040204" pitchFamily="34" charset="-128"/>
-                <a:ea typeface="Meiryo" panose="020B0604030504040204" pitchFamily="34" charset="-128"/>
-                <a:cs typeface="Meiryo" panose="020B0604030504040204" pitchFamily="34" charset="-128"/>
-              </a:rPr>
-            </a:br>
-            <a:r>
-              <a:rPr lang="en-US" altLang="zh-CN" sz="2000" dirty="0">
-                <a:latin typeface="Meiryo" panose="020B0604030504040204" pitchFamily="34" charset="-128"/>
-                <a:ea typeface="Meiryo" panose="020B0604030504040204" pitchFamily="34" charset="-128"/>
-                <a:cs typeface="Meiryo" panose="020B0604030504040204" pitchFamily="34" charset="-128"/>
-              </a:rPr>
-              <a:t> </a:t>
+              <a:t>treatment </a:t>
             </a:r>
             <a:endParaRPr lang="en-US" altLang="zh-CN" sz="2000" dirty="0">
               <a:latin typeface="Meiryo" panose="020B0604030504040204" pitchFamily="34" charset="-128"/>
@@ -6243,7 +6180,7 @@
         <p:spPr>
           <a:xfrm>
             <a:off x="3944383" y="3771721"/>
-            <a:ext cx="3852950" cy="3170099"/>
+            <a:ext cx="3852950" cy="1862048"/>
           </a:xfrm>
           <a:prstGeom prst="rect">
             <a:avLst/>
@@ -6287,64 +6224,6 @@
               </a:rPr>
               <a:t>FC</a:t>
             </a:r>
-          </a:p>
-          <a:p>
-            <a:pPr marL="342900" indent="-342900">
-              <a:lnSpc>
-                <a:spcPct val="200000"/>
-              </a:lnSpc>
-              <a:buFont typeface="Arial" panose="020B0604020202020204" pitchFamily="34" charset="0"/>
-              <a:buChar char="•"/>
-            </a:pPr>
-            <a:r>
-              <a:rPr lang="en-US" altLang="zh-CN" sz="2000" dirty="0">
-                <a:latin typeface="Meiryo" panose="020B0604030504040204" pitchFamily="34" charset="-128"/>
-                <a:ea typeface="Meiryo" panose="020B0604030504040204" pitchFamily="34" charset="-128"/>
-                <a:cs typeface="Meiryo" panose="020B0604030504040204" pitchFamily="34" charset="-128"/>
-              </a:rPr>
-              <a:t>E</a:t>
-            </a:r>
-            <a:r>
-              <a:rPr lang="en-US" altLang="zh-CN" sz="2000" dirty="0" smtClean="0">
-                <a:latin typeface="Meiryo" panose="020B0604030504040204" pitchFamily="34" charset="-128"/>
-                <a:ea typeface="Meiryo" panose="020B0604030504040204" pitchFamily="34" charset="-128"/>
-                <a:cs typeface="Meiryo" panose="020B0604030504040204" pitchFamily="34" charset="-128"/>
-              </a:rPr>
-              <a:t>fficacy </a:t>
-            </a:r>
-            <a:r>
-              <a:rPr lang="en-US" altLang="zh-CN" sz="2000" dirty="0">
-                <a:latin typeface="Meiryo" panose="020B0604030504040204" pitchFamily="34" charset="-128"/>
-                <a:ea typeface="Meiryo" panose="020B0604030504040204" pitchFamily="34" charset="-128"/>
-                <a:cs typeface="Meiryo" panose="020B0604030504040204" pitchFamily="34" charset="-128"/>
-              </a:rPr>
-              <a:t>of drug </a:t>
-            </a:r>
-            <a:r>
-              <a:rPr lang="en-US" altLang="zh-CN" sz="2000" dirty="0" smtClean="0">
-                <a:latin typeface="Meiryo" panose="020B0604030504040204" pitchFamily="34" charset="-128"/>
-                <a:ea typeface="Meiryo" panose="020B0604030504040204" pitchFamily="34" charset="-128"/>
-                <a:cs typeface="Meiryo" panose="020B0604030504040204" pitchFamily="34" charset="-128"/>
-              </a:rPr>
-              <a:t>treatment</a:t>
-            </a:r>
-          </a:p>
-          <a:p>
-            <a:pPr marL="342900" indent="-342900">
-              <a:lnSpc>
-                <a:spcPct val="200000"/>
-              </a:lnSpc>
-              <a:buFont typeface="Arial" panose="020B0604020202020204" pitchFamily="34" charset="0"/>
-              <a:buChar char="•"/>
-            </a:pPr>
-            <a:r>
-              <a:rPr lang="en-US" altLang="zh-CN" sz="2000" dirty="0" smtClean="0">
-                <a:latin typeface="Meiryo" panose="020B0604030504040204" pitchFamily="34" charset="-128"/>
-                <a:ea typeface="Meiryo" panose="020B0604030504040204" pitchFamily="34" charset="-128"/>
-                <a:cs typeface="Meiryo" panose="020B0604030504040204" pitchFamily="34" charset="-128"/>
-              </a:rPr>
-              <a:t> </a:t>
-            </a:r>
             <a:r>
               <a:rPr lang="en-US" altLang="zh-CN" sz="2000" dirty="0">
                 <a:latin typeface="Meiryo" panose="020B0604030504040204" pitchFamily="34" charset="-128"/>
@@ -6408,7 +6287,7 @@
         <p:spPr>
           <a:xfrm>
             <a:off x="495752" y="3751991"/>
-            <a:ext cx="3168287" cy="1938992"/>
+            <a:ext cx="3168287" cy="630942"/>
           </a:xfrm>
           <a:prstGeom prst="rect">
             <a:avLst/>
@@ -6437,45 +6316,6 @@
               <a:t>phMRI</a:t>
             </a:r>
             <a:endParaRPr lang="en-US" altLang="zh-CN" sz="2000" dirty="0" smtClean="0">
-              <a:latin typeface="Meiryo" panose="020B0604030504040204" pitchFamily="34" charset="-128"/>
-              <a:ea typeface="Meiryo" panose="020B0604030504040204" pitchFamily="34" charset="-128"/>
-              <a:cs typeface="Meiryo" panose="020B0604030504040204" pitchFamily="34" charset="-128"/>
-            </a:endParaRPr>
-          </a:p>
-          <a:p>
-            <a:pPr marL="342900" lvl="1" indent="-342900">
-              <a:lnSpc>
-                <a:spcPct val="200000"/>
-              </a:lnSpc>
-              <a:buFont typeface="Arial" panose="020B0604020202020204" pitchFamily="34" charset="0"/>
-              <a:buChar char="•"/>
-            </a:pPr>
-            <a:r>
-              <a:rPr lang="en-US" altLang="zh-CN" sz="2000" dirty="0" smtClean="0">
-                <a:latin typeface="Meiryo" panose="020B0604030504040204" pitchFamily="34" charset="-128"/>
-                <a:ea typeface="Meiryo" panose="020B0604030504040204" pitchFamily="34" charset="-128"/>
-                <a:cs typeface="Meiryo" panose="020B0604030504040204" pitchFamily="34" charset="-128"/>
-              </a:rPr>
-              <a:t>Neural activation</a:t>
-            </a:r>
-          </a:p>
-          <a:p>
-            <a:pPr marL="342900" lvl="1" indent="-342900">
-              <a:lnSpc>
-                <a:spcPct val="200000"/>
-              </a:lnSpc>
-              <a:buFont typeface="Arial" panose="020B0604020202020204" pitchFamily="34" charset="0"/>
-              <a:buChar char="•"/>
-            </a:pPr>
-            <a:r>
-              <a:rPr lang="en-US" altLang="zh-CN" sz="2000" dirty="0" smtClean="0">
-                <a:latin typeface="Meiryo" panose="020B0604030504040204" pitchFamily="34" charset="-128"/>
-                <a:ea typeface="Meiryo" panose="020B0604030504040204" pitchFamily="34" charset="-128"/>
-                <a:cs typeface="Meiryo" panose="020B0604030504040204" pitchFamily="34" charset="-128"/>
-              </a:rPr>
-              <a:t>Pharmacodynamics</a:t>
-            </a:r>
-            <a:endParaRPr lang="en-US" altLang="zh-CN" sz="2000" dirty="0">
               <a:latin typeface="Meiryo" panose="020B0604030504040204" pitchFamily="34" charset="-128"/>
               <a:ea typeface="Meiryo" panose="020B0604030504040204" pitchFamily="34" charset="-128"/>
               <a:cs typeface="Meiryo" panose="020B0604030504040204" pitchFamily="34" charset="-128"/>
@@ -6529,7 +6369,7 @@
         <p:spPr>
           <a:xfrm>
             <a:off x="7968142" y="3751991"/>
-            <a:ext cx="4324753" cy="1938992"/>
+            <a:ext cx="4324753" cy="630942"/>
           </a:xfrm>
           <a:prstGeom prst="rect">
             <a:avLst/>
@@ -6589,52 +6429,6 @@
               </a:rPr>
               <a:t>FC</a:t>
             </a:r>
-          </a:p>
-          <a:p>
-            <a:pPr marL="342900" indent="-342900">
-              <a:lnSpc>
-                <a:spcPct val="200000"/>
-              </a:lnSpc>
-              <a:buFont typeface="Arial" panose="020B0604020202020204" pitchFamily="34" charset="0"/>
-              <a:buChar char="•"/>
-            </a:pPr>
-            <a:r>
-              <a:rPr lang="en-US" altLang="zh-CN" sz="2000" dirty="0">
-                <a:latin typeface="Meiryo" panose="020B0604030504040204" pitchFamily="34" charset="-128"/>
-                <a:ea typeface="Meiryo" panose="020B0604030504040204" pitchFamily="34" charset="-128"/>
-                <a:cs typeface="Meiryo" panose="020B0604030504040204" pitchFamily="34" charset="-128"/>
-              </a:rPr>
-              <a:t>Drugs </a:t>
-            </a:r>
-            <a:r>
-              <a:rPr lang="en-US" altLang="zh-CN" sz="2000" dirty="0" smtClean="0">
-                <a:latin typeface="Meiryo" panose="020B0604030504040204" pitchFamily="34" charset="-128"/>
-                <a:ea typeface="Meiryo" panose="020B0604030504040204" pitchFamily="34" charset="-128"/>
-                <a:cs typeface="Meiryo" panose="020B0604030504040204" pitchFamily="34" charset="-128"/>
-              </a:rPr>
-              <a:t>that target </a:t>
-            </a:r>
-            <a:r>
-              <a:rPr lang="en-US" altLang="zh-CN" sz="2000" dirty="0">
-                <a:latin typeface="Meiryo" panose="020B0604030504040204" pitchFamily="34" charset="-128"/>
-                <a:ea typeface="Meiryo" panose="020B0604030504040204" pitchFamily="34" charset="-128"/>
-                <a:cs typeface="Meiryo" panose="020B0604030504040204" pitchFamily="34" charset="-128"/>
-              </a:rPr>
-              <a:t>specific </a:t>
-            </a:r>
-            <a:r>
-              <a:rPr lang="en-US" altLang="zh-CN" sz="2000" dirty="0" smtClean="0">
-                <a:latin typeface="Meiryo" panose="020B0604030504040204" pitchFamily="34" charset="-128"/>
-                <a:ea typeface="Meiryo" panose="020B0604030504040204" pitchFamily="34" charset="-128"/>
-                <a:cs typeface="Meiryo" panose="020B0604030504040204" pitchFamily="34" charset="-128"/>
-              </a:rPr>
-              <a:t>receptors</a:t>
-            </a:r>
-            <a:endParaRPr lang="en-US" altLang="zh-CN" sz="2000" dirty="0" smtClean="0">
-              <a:latin typeface="Meiryo" panose="020B0604030504040204" pitchFamily="34" charset="-128"/>
-              <a:ea typeface="Meiryo" panose="020B0604030504040204" pitchFamily="34" charset="-128"/>
-              <a:cs typeface="Meiryo" panose="020B0604030504040204" pitchFamily="34" charset="-128"/>
-            </a:endParaRPr>
           </a:p>
         </p:txBody>
       </p:sp>

--- a/Papers/啮齿类功能网络及扰动.pptx
+++ b/Papers/啮齿类功能网络及扰动.pptx
@@ -5,7 +5,7 @@
     <p:sldMasterId id="2147483648" r:id="rId1"/>
   </p:sldMasterIdLst>
   <p:notesMasterIdLst>
-    <p:notesMasterId r:id="rId22"/>
+    <p:notesMasterId r:id="rId23"/>
   </p:notesMasterIdLst>
   <p:sldIdLst>
     <p:sldId id="257" r:id="rId2"/>
@@ -22,12 +22,13 @@
     <p:sldId id="382" r:id="rId13"/>
     <p:sldId id="383" r:id="rId14"/>
     <p:sldId id="384" r:id="rId15"/>
-    <p:sldId id="372" r:id="rId16"/>
-    <p:sldId id="370" r:id="rId17"/>
-    <p:sldId id="371" r:id="rId18"/>
-    <p:sldId id="342" r:id="rId19"/>
-    <p:sldId id="346" r:id="rId20"/>
-    <p:sldId id="303" r:id="rId21"/>
+    <p:sldId id="385" r:id="rId16"/>
+    <p:sldId id="386" r:id="rId17"/>
+    <p:sldId id="387" r:id="rId18"/>
+    <p:sldId id="388" r:id="rId19"/>
+    <p:sldId id="389" r:id="rId20"/>
+    <p:sldId id="390" r:id="rId21"/>
+    <p:sldId id="303" r:id="rId22"/>
   </p:sldIdLst>
   <p:sldSz cx="12192000" cy="6858000"/>
   <p:notesSz cx="6858000" cy="9144000"/>
@@ -128,7 +129,7 @@
   </p:defaultTextStyle>
   <p:extLst>
     <p:ext uri="{EFAFB233-063F-42B5-8137-9DF3F51BA10A}">
-      <p15:sldGuideLst xmlns="" xmlns:p15="http://schemas.microsoft.com/office/powerpoint/2012/main">
+      <p15:sldGuideLst xmlns:p15="http://schemas.microsoft.com/office/powerpoint/2012/main" xmlns="">
         <p15:guide id="1" orient="horz" pos="2160">
           <p15:clr>
             <a:srgbClr val="A4A3A4"/>
@@ -227,7 +228,7 @@
           <a:p>
             <a:fld id="{ED08DCF7-5CAD-4434-B858-7D84B7651FD7}" type="datetimeFigureOut">
               <a:rPr lang="zh-CN" altLang="en-US" smtClean="0"/>
-              <a:t>2018/1/2</a:t>
+              <a:t>2018/1/3</a:t>
             </a:fld>
             <a:endParaRPr lang="zh-CN" altLang="en-US"/>
           </a:p>
@@ -623,7 +624,54 @@
           <a:bodyPr/>
           <a:lstStyle/>
           <a:p>
-            <a:endParaRPr lang="zh-CN" altLang="en-US" dirty="0"/>
+            <a:pPr marL="0" marR="0" indent="0" algn="l" defTabSz="914400" rtl="0" eaLnBrk="1" fontAlgn="auto" latinLnBrk="0" hangingPunct="1">
+              <a:lnSpc>
+                <a:spcPct val="100000"/>
+              </a:lnSpc>
+              <a:spcBef>
+                <a:spcPts val="0"/>
+              </a:spcBef>
+              <a:spcAft>
+                <a:spcPts val="0"/>
+              </a:spcAft>
+              <a:buClrTx/>
+              <a:buSzTx/>
+              <a:buFontTx/>
+              <a:buNone/>
+              <a:tabLst/>
+              <a:defRPr/>
+            </a:pPr>
+            <a:r>
+              <a:rPr lang="en-US" altLang="zh-CN" sz="1200" b="0" i="0" kern="1200" dirty="0" smtClean="0">
+                <a:solidFill>
+                  <a:schemeClr val="tx1"/>
+                </a:solidFill>
+                <a:effectLst/>
+                <a:latin typeface="+mn-lt"/>
+                <a:ea typeface="+mn-ea"/>
+                <a:cs typeface="+mn-cs"/>
+              </a:rPr>
+              <a:t>To determine: functional role of a specific pathway or cell type in behavior</a:t>
+            </a:r>
+            <a:r>
+              <a:rPr lang="en-US" altLang="zh-CN" dirty="0" smtClean="0"/>
+              <a:t/>
+            </a:r>
+            <a:br>
+              <a:rPr lang="en-US" altLang="zh-CN" dirty="0" smtClean="0"/>
+            </a:br>
+            <a:r>
+              <a:rPr lang="en-US" altLang="zh-CN" dirty="0" smtClean="0"/>
+              <a:t/>
+            </a:r>
+            <a:br>
+              <a:rPr lang="en-US" altLang="zh-CN" dirty="0" smtClean="0"/>
+            </a:br>
+            <a:endParaRPr lang="en-US" altLang="zh-CN" sz="1200" dirty="0" smtClean="0">
+              <a:latin typeface="Meiryo" panose="020B0604030504040204" pitchFamily="34" charset="-128"/>
+              <a:ea typeface="Meiryo" panose="020B0604030504040204" pitchFamily="34" charset="-128"/>
+              <a:cs typeface="Meiryo" panose="020B0604030504040204" pitchFamily="34" charset="-128"/>
+            </a:endParaRPr>
           </a:p>
         </p:txBody>
       </p:sp>
@@ -653,7 +701,7 @@
     </p:spTree>
     <p:extLst>
       <p:ext uri="{BB962C8B-B14F-4D97-AF65-F5344CB8AC3E}">
-        <p14:creationId xmlns:p14="http://schemas.microsoft.com/office/powerpoint/2010/main" val="3776015239"/>
+        <p14:creationId xmlns:p14="http://schemas.microsoft.com/office/powerpoint/2010/main" val="3950054587"/>
       </p:ext>
     </p:extLst>
   </p:cSld>
@@ -707,7 +755,42 @@
           <a:bodyPr/>
           <a:lstStyle/>
           <a:p>
-            <a:endParaRPr lang="zh-CN" altLang="en-US" dirty="0"/>
+            <a:pPr marL="0" marR="0" indent="0" algn="l" defTabSz="914400" rtl="0" eaLnBrk="1" fontAlgn="auto" latinLnBrk="0" hangingPunct="1">
+              <a:lnSpc>
+                <a:spcPct val="100000"/>
+              </a:lnSpc>
+              <a:spcBef>
+                <a:spcPts val="0"/>
+              </a:spcBef>
+              <a:spcAft>
+                <a:spcPts val="0"/>
+              </a:spcAft>
+              <a:buClrTx/>
+              <a:buSzTx/>
+              <a:buFontTx/>
+              <a:buNone/>
+              <a:tabLst/>
+              <a:defRPr/>
+            </a:pPr>
+            <a:r>
+              <a:rPr lang="en-US" altLang="zh-CN" dirty="0" smtClean="0"/>
+              <a:t/>
+            </a:r>
+            <a:br>
+              <a:rPr lang="en-US" altLang="zh-CN" dirty="0" smtClean="0"/>
+            </a:br>
+            <a:r>
+              <a:rPr lang="en-US" altLang="zh-CN" dirty="0" smtClean="0"/>
+              <a:t/>
+            </a:r>
+            <a:br>
+              <a:rPr lang="en-US" altLang="zh-CN" dirty="0" smtClean="0"/>
+            </a:br>
+            <a:endParaRPr lang="en-US" altLang="zh-CN" sz="1200" dirty="0" smtClean="0">
+              <a:latin typeface="Meiryo" panose="020B0604030504040204" pitchFamily="34" charset="-128"/>
+              <a:ea typeface="Meiryo" panose="020B0604030504040204" pitchFamily="34" charset="-128"/>
+              <a:cs typeface="Meiryo" panose="020B0604030504040204" pitchFamily="34" charset="-128"/>
+            </a:endParaRPr>
           </a:p>
         </p:txBody>
       </p:sp>
@@ -737,7 +820,7 @@
     </p:spTree>
     <p:extLst>
       <p:ext uri="{BB962C8B-B14F-4D97-AF65-F5344CB8AC3E}">
-        <p14:creationId xmlns:p14="http://schemas.microsoft.com/office/powerpoint/2010/main" val="1727418403"/>
+        <p14:creationId xmlns:p14="http://schemas.microsoft.com/office/powerpoint/2010/main" val="3950054587"/>
       </p:ext>
     </p:extLst>
   </p:cSld>
@@ -791,7 +874,76 @@
           <a:bodyPr/>
           <a:lstStyle/>
           <a:p>
-            <a:endParaRPr lang="zh-CN" altLang="en-US" dirty="0"/>
+            <a:pPr marL="342900" lvl="1" indent="-342900">
+              <a:lnSpc>
+                <a:spcPct val="200000"/>
+              </a:lnSpc>
+              <a:buFont typeface="Arial" panose="020B0604020202020204" pitchFamily="34" charset="0"/>
+              <a:buChar char="•"/>
+            </a:pPr>
+            <a:r>
+              <a:rPr lang="en-US" altLang="zh-CN" sz="2000" dirty="0" smtClean="0">
+                <a:latin typeface="Meiryo" panose="020B0604030504040204" pitchFamily="34" charset="-128"/>
+                <a:ea typeface="Meiryo" panose="020B0604030504040204" pitchFamily="34" charset="-128"/>
+                <a:cs typeface="Meiryo" panose="020B0604030504040204" pitchFamily="34" charset="-128"/>
+              </a:rPr>
+              <a:t>Gene </a:t>
+            </a:r>
+            <a:r>
+              <a:rPr lang="en-US" altLang="zh-CN" sz="2000" dirty="0" err="1" smtClean="0">
+                <a:latin typeface="Meiryo" panose="020B0604030504040204" pitchFamily="34" charset="-128"/>
+                <a:ea typeface="Meiryo" panose="020B0604030504040204" pitchFamily="34" charset="-128"/>
+                <a:cs typeface="Meiryo" panose="020B0604030504040204" pitchFamily="34" charset="-128"/>
+              </a:rPr>
+              <a:t>variaions</a:t>
+            </a:r>
+            <a:endParaRPr lang="en-US" altLang="zh-CN" sz="2000" dirty="0" smtClean="0">
+              <a:latin typeface="Meiryo" panose="020B0604030504040204" pitchFamily="34" charset="-128"/>
+              <a:ea typeface="Meiryo" panose="020B0604030504040204" pitchFamily="34" charset="-128"/>
+              <a:cs typeface="Meiryo" panose="020B0604030504040204" pitchFamily="34" charset="-128"/>
+            </a:endParaRPr>
+          </a:p>
+          <a:p>
+            <a:pPr marL="342900" lvl="1" indent="-342900">
+              <a:lnSpc>
+                <a:spcPct val="200000"/>
+              </a:lnSpc>
+              <a:buFont typeface="Arial" panose="020B0604020202020204" pitchFamily="34" charset="0"/>
+              <a:buChar char="•"/>
+            </a:pPr>
+            <a:r>
+              <a:rPr lang="en-US" altLang="zh-CN" sz="2000" dirty="0" smtClean="0">
+                <a:latin typeface="Meiryo" panose="020B0604030504040204" pitchFamily="34" charset="-128"/>
+                <a:ea typeface="Meiryo" panose="020B0604030504040204" pitchFamily="34" charset="-128"/>
+              </a:rPr>
+              <a:t>Brain structure and function</a:t>
+            </a:r>
+            <a:r>
+              <a:rPr lang="en-US" altLang="zh-CN" sz="2000" dirty="0" smtClean="0"/>
+              <a:t/>
+            </a:r>
+            <a:br>
+              <a:rPr lang="en-US" altLang="zh-CN" sz="2000" dirty="0" smtClean="0"/>
+            </a:br>
+            <a:r>
+              <a:rPr lang="en-US" altLang="zh-CN" dirty="0" smtClean="0"/>
+              <a:t/>
+            </a:r>
+            <a:br>
+              <a:rPr lang="en-US" altLang="zh-CN" dirty="0" smtClean="0"/>
+            </a:br>
+            <a:r>
+              <a:rPr lang="en-US" altLang="zh-CN" dirty="0" smtClean="0"/>
+              <a:t/>
+            </a:r>
+            <a:br>
+              <a:rPr lang="en-US" altLang="zh-CN" dirty="0" smtClean="0"/>
+            </a:br>
+            <a:endParaRPr lang="en-US" altLang="zh-CN" sz="1200" dirty="0" smtClean="0">
+              <a:latin typeface="Meiryo" panose="020B0604030504040204" pitchFamily="34" charset="-128"/>
+              <a:ea typeface="Meiryo" panose="020B0604030504040204" pitchFamily="34" charset="-128"/>
+              <a:cs typeface="Meiryo" panose="020B0604030504040204" pitchFamily="34" charset="-128"/>
+            </a:endParaRPr>
           </a:p>
         </p:txBody>
       </p:sp>
@@ -812,7 +964,7 @@
           <a:p>
             <a:fld id="{DD202784-B46A-4EF4-B218-4316F9133D14}" type="slidenum">
               <a:rPr lang="zh-CN" altLang="en-US" smtClean="0"/>
-              <a:t>18</a:t>
+              <a:t>17</a:t>
             </a:fld>
             <a:endParaRPr lang="zh-CN" altLang="en-US"/>
           </a:p>
@@ -821,7 +973,7 @@
     </p:spTree>
     <p:extLst>
       <p:ext uri="{BB962C8B-B14F-4D97-AF65-F5344CB8AC3E}">
-        <p14:creationId xmlns:p14="http://schemas.microsoft.com/office/powerpoint/2010/main" val="2578937360"/>
+        <p14:creationId xmlns:p14="http://schemas.microsoft.com/office/powerpoint/2010/main" val="3950054587"/>
       </p:ext>
     </p:extLst>
   </p:cSld>
@@ -875,41 +1027,39 @@
           <a:bodyPr/>
           <a:lstStyle/>
           <a:p>
-            <a:r>
-              <a:rPr lang="en-US" altLang="zh-CN" dirty="0" err="1" smtClean="0"/>
-              <a:t>Previos</a:t>
-            </a:r>
+            <a:pPr marL="0" lvl="1" indent="0">
+              <a:lnSpc>
+                <a:spcPct val="200000"/>
+              </a:lnSpc>
+              <a:buFont typeface="Arial" panose="020B0604020202020204" pitchFamily="34" charset="0"/>
+              <a:buNone/>
+            </a:pPr>
+            <a:r>
+              <a:rPr lang="en-US" altLang="zh-CN" sz="2000" dirty="0" smtClean="0"/>
+              <a:t/>
+            </a:r>
+            <a:br>
+              <a:rPr lang="en-US" altLang="zh-CN" sz="2000" dirty="0" smtClean="0"/>
+            </a:br>
             <a:r>
               <a:rPr lang="en-US" altLang="zh-CN" dirty="0" smtClean="0"/>
-              <a:t> study</a:t>
-            </a:r>
-          </a:p>
-          <a:p>
-            <a:r>
+              <a:t/>
+            </a:r>
+            <a:br>
               <a:rPr lang="en-US" altLang="zh-CN" dirty="0" smtClean="0"/>
-              <a:t>Signal spreading from hippocampus</a:t>
-            </a:r>
-          </a:p>
-          <a:p>
+            </a:br>
             <a:r>
               <a:rPr lang="en-US" altLang="zh-CN" dirty="0" smtClean="0"/>
-              <a:t>The</a:t>
-            </a:r>
-            <a:r>
-              <a:rPr lang="en-US" altLang="zh-CN" baseline="0" dirty="0" smtClean="0"/>
-              <a:t> use of anesthesia</a:t>
-            </a:r>
-          </a:p>
-          <a:p>
-            <a:r>
-              <a:rPr lang="en-US" altLang="zh-CN" baseline="0" dirty="0" err="1" smtClean="0"/>
-              <a:t>Distortion,low</a:t>
-            </a:r>
-            <a:r>
-              <a:rPr lang="en-US" altLang="zh-CN" baseline="0" dirty="0" smtClean="0"/>
-              <a:t> signal-to-noise ratio</a:t>
-            </a:r>
-            <a:endParaRPr lang="zh-CN" altLang="en-US" dirty="0"/>
+              <a:t/>
+            </a:r>
+            <a:br>
+              <a:rPr lang="en-US" altLang="zh-CN" dirty="0" smtClean="0"/>
+            </a:br>
+            <a:endParaRPr lang="en-US" altLang="zh-CN" sz="1200" dirty="0" smtClean="0">
+              <a:latin typeface="Meiryo" panose="020B0604030504040204" pitchFamily="34" charset="-128"/>
+              <a:ea typeface="Meiryo" panose="020B0604030504040204" pitchFamily="34" charset="-128"/>
+              <a:cs typeface="Meiryo" panose="020B0604030504040204" pitchFamily="34" charset="-128"/>
+            </a:endParaRPr>
           </a:p>
         </p:txBody>
       </p:sp>
@@ -930,6 +1080,122 @@
           <a:p>
             <a:fld id="{DD202784-B46A-4EF4-B218-4316F9133D14}" type="slidenum">
               <a:rPr lang="zh-CN" altLang="en-US" smtClean="0"/>
+              <a:t>18</a:t>
+            </a:fld>
+            <a:endParaRPr lang="zh-CN" altLang="en-US"/>
+          </a:p>
+        </p:txBody>
+      </p:sp>
+    </p:spTree>
+    <p:extLst>
+      <p:ext uri="{BB962C8B-B14F-4D97-AF65-F5344CB8AC3E}">
+        <p14:creationId xmlns:p14="http://schemas.microsoft.com/office/powerpoint/2010/main" val="3950054587"/>
+      </p:ext>
+    </p:extLst>
+  </p:cSld>
+  <p:clrMapOvr>
+    <a:masterClrMapping/>
+  </p:clrMapOvr>
+</p:notes>
+</file>
+
+<file path=ppt/notesSlides/notesSlide14.xml><?xml version="1.0" encoding="utf-8"?>
+<p:notes xmlns:a="http://schemas.openxmlformats.org/drawingml/2006/main" xmlns:r="http://schemas.openxmlformats.org/officeDocument/2006/relationships" xmlns:p="http://schemas.openxmlformats.org/presentationml/2006/main">
+  <p:cSld>
+    <p:spTree>
+      <p:nvGrpSpPr>
+        <p:cNvPr id="1" name=""/>
+        <p:cNvGrpSpPr/>
+        <p:nvPr/>
+      </p:nvGrpSpPr>
+      <p:grpSpPr>
+        <a:xfrm>
+          <a:off x="0" y="0"/>
+          <a:ext cx="0" cy="0"/>
+          <a:chOff x="0" y="0"/>
+          <a:chExt cx="0" cy="0"/>
+        </a:xfrm>
+      </p:grpSpPr>
+      <p:sp>
+        <p:nvSpPr>
+          <p:cNvPr id="2" name="幻灯片图像占位符 1"/>
+          <p:cNvSpPr>
+            <a:spLocks noGrp="1" noRot="1" noChangeAspect="1"/>
+          </p:cNvSpPr>
+          <p:nvPr>
+            <p:ph type="sldImg"/>
+          </p:nvPr>
+        </p:nvSpPr>
+        <p:spPr/>
+      </p:sp>
+      <p:sp>
+        <p:nvSpPr>
+          <p:cNvPr id="3" name="备注占位符 2"/>
+          <p:cNvSpPr>
+            <a:spLocks noGrp="1"/>
+          </p:cNvSpPr>
+          <p:nvPr>
+            <p:ph type="body" idx="1"/>
+          </p:nvPr>
+        </p:nvSpPr>
+        <p:spPr/>
+        <p:txBody>
+          <a:bodyPr/>
+          <a:lstStyle/>
+          <a:p>
+            <a:pPr marL="0" lvl="1" indent="0">
+              <a:lnSpc>
+                <a:spcPct val="200000"/>
+              </a:lnSpc>
+              <a:buFont typeface="Arial" panose="020B0604020202020204" pitchFamily="34" charset="0"/>
+              <a:buNone/>
+            </a:pPr>
+            <a:r>
+              <a:rPr lang="en-US" altLang="zh-CN" sz="2000" dirty="0" smtClean="0"/>
+              <a:t/>
+            </a:r>
+            <a:br>
+              <a:rPr lang="en-US" altLang="zh-CN" sz="2000" dirty="0" smtClean="0"/>
+            </a:br>
+            <a:r>
+              <a:rPr lang="en-US" altLang="zh-CN" dirty="0" smtClean="0"/>
+              <a:t/>
+            </a:r>
+            <a:br>
+              <a:rPr lang="en-US" altLang="zh-CN" dirty="0" smtClean="0"/>
+            </a:br>
+            <a:r>
+              <a:rPr lang="en-US" altLang="zh-CN" dirty="0" smtClean="0"/>
+              <a:t/>
+            </a:r>
+            <a:br>
+              <a:rPr lang="en-US" altLang="zh-CN" dirty="0" smtClean="0"/>
+            </a:br>
+            <a:endParaRPr lang="en-US" altLang="zh-CN" sz="1200" dirty="0" smtClean="0">
+              <a:latin typeface="Meiryo" panose="020B0604030504040204" pitchFamily="34" charset="-128"/>
+              <a:ea typeface="Meiryo" panose="020B0604030504040204" pitchFamily="34" charset="-128"/>
+              <a:cs typeface="Meiryo" panose="020B0604030504040204" pitchFamily="34" charset="-128"/>
+            </a:endParaRPr>
+          </a:p>
+        </p:txBody>
+      </p:sp>
+      <p:sp>
+        <p:nvSpPr>
+          <p:cNvPr id="4" name="灯片编号占位符 3"/>
+          <p:cNvSpPr>
+            <a:spLocks noGrp="1"/>
+          </p:cNvSpPr>
+          <p:nvPr>
+            <p:ph type="sldNum" sz="quarter" idx="10"/>
+          </p:nvPr>
+        </p:nvSpPr>
+        <p:spPr/>
+        <p:txBody>
+          <a:bodyPr/>
+          <a:lstStyle/>
+          <a:p>
+            <a:fld id="{DD202784-B46A-4EF4-B218-4316F9133D14}" type="slidenum">
+              <a:rPr lang="zh-CN" altLang="en-US" smtClean="0"/>
               <a:t>19</a:t>
             </a:fld>
             <a:endParaRPr lang="zh-CN" altLang="en-US"/>
@@ -939,7 +1205,123 @@
     </p:spTree>
     <p:extLst>
       <p:ext uri="{BB962C8B-B14F-4D97-AF65-F5344CB8AC3E}">
-        <p14:creationId xmlns:p14="http://schemas.microsoft.com/office/powerpoint/2010/main" val="1230820275"/>
+        <p14:creationId xmlns:p14="http://schemas.microsoft.com/office/powerpoint/2010/main" val="3950054587"/>
+      </p:ext>
+    </p:extLst>
+  </p:cSld>
+  <p:clrMapOvr>
+    <a:masterClrMapping/>
+  </p:clrMapOvr>
+</p:notes>
+</file>
+
+<file path=ppt/notesSlides/notesSlide15.xml><?xml version="1.0" encoding="utf-8"?>
+<p:notes xmlns:a="http://schemas.openxmlformats.org/drawingml/2006/main" xmlns:r="http://schemas.openxmlformats.org/officeDocument/2006/relationships" xmlns:p="http://schemas.openxmlformats.org/presentationml/2006/main">
+  <p:cSld>
+    <p:spTree>
+      <p:nvGrpSpPr>
+        <p:cNvPr id="1" name=""/>
+        <p:cNvGrpSpPr/>
+        <p:nvPr/>
+      </p:nvGrpSpPr>
+      <p:grpSpPr>
+        <a:xfrm>
+          <a:off x="0" y="0"/>
+          <a:ext cx="0" cy="0"/>
+          <a:chOff x="0" y="0"/>
+          <a:chExt cx="0" cy="0"/>
+        </a:xfrm>
+      </p:grpSpPr>
+      <p:sp>
+        <p:nvSpPr>
+          <p:cNvPr id="2" name="幻灯片图像占位符 1"/>
+          <p:cNvSpPr>
+            <a:spLocks noGrp="1" noRot="1" noChangeAspect="1"/>
+          </p:cNvSpPr>
+          <p:nvPr>
+            <p:ph type="sldImg"/>
+          </p:nvPr>
+        </p:nvSpPr>
+        <p:spPr/>
+      </p:sp>
+      <p:sp>
+        <p:nvSpPr>
+          <p:cNvPr id="3" name="备注占位符 2"/>
+          <p:cNvSpPr>
+            <a:spLocks noGrp="1"/>
+          </p:cNvSpPr>
+          <p:nvPr>
+            <p:ph type="body" idx="1"/>
+          </p:nvPr>
+        </p:nvSpPr>
+        <p:spPr/>
+        <p:txBody>
+          <a:bodyPr/>
+          <a:lstStyle/>
+          <a:p>
+            <a:pPr marL="0" lvl="1" indent="0">
+              <a:lnSpc>
+                <a:spcPct val="200000"/>
+              </a:lnSpc>
+              <a:buFont typeface="Arial" panose="020B0604020202020204" pitchFamily="34" charset="0"/>
+              <a:buNone/>
+            </a:pPr>
+            <a:r>
+              <a:rPr lang="en-US" altLang="zh-CN" sz="2000" dirty="0" smtClean="0"/>
+              <a:t/>
+            </a:r>
+            <a:br>
+              <a:rPr lang="en-US" altLang="zh-CN" sz="2000" dirty="0" smtClean="0"/>
+            </a:br>
+            <a:r>
+              <a:rPr lang="en-US" altLang="zh-CN" dirty="0" smtClean="0"/>
+              <a:t/>
+            </a:r>
+            <a:br>
+              <a:rPr lang="en-US" altLang="zh-CN" dirty="0" smtClean="0"/>
+            </a:br>
+            <a:r>
+              <a:rPr lang="en-US" altLang="zh-CN" dirty="0" smtClean="0"/>
+              <a:t/>
+            </a:r>
+            <a:br>
+              <a:rPr lang="en-US" altLang="zh-CN" dirty="0" smtClean="0"/>
+            </a:br>
+            <a:endParaRPr lang="en-US" altLang="zh-CN" sz="1200" dirty="0" smtClean="0">
+              <a:latin typeface="Meiryo" panose="020B0604030504040204" pitchFamily="34" charset="-128"/>
+              <a:ea typeface="Meiryo" panose="020B0604030504040204" pitchFamily="34" charset="-128"/>
+              <a:cs typeface="Meiryo" panose="020B0604030504040204" pitchFamily="34" charset="-128"/>
+            </a:endParaRPr>
+          </a:p>
+        </p:txBody>
+      </p:sp>
+      <p:sp>
+        <p:nvSpPr>
+          <p:cNvPr id="4" name="灯片编号占位符 3"/>
+          <p:cNvSpPr>
+            <a:spLocks noGrp="1"/>
+          </p:cNvSpPr>
+          <p:nvPr>
+            <p:ph type="sldNum" sz="quarter" idx="10"/>
+          </p:nvPr>
+        </p:nvSpPr>
+        <p:spPr/>
+        <p:txBody>
+          <a:bodyPr/>
+          <a:lstStyle/>
+          <a:p>
+            <a:fld id="{DD202784-B46A-4EF4-B218-4316F9133D14}" type="slidenum">
+              <a:rPr lang="zh-CN" altLang="en-US" smtClean="0"/>
+              <a:t>20</a:t>
+            </a:fld>
+            <a:endParaRPr lang="zh-CN" altLang="en-US"/>
+          </a:p>
+        </p:txBody>
+      </p:sp>
+    </p:spTree>
+    <p:extLst>
+      <p:ext uri="{BB962C8B-B14F-4D97-AF65-F5344CB8AC3E}">
+        <p14:creationId xmlns:p14="http://schemas.microsoft.com/office/powerpoint/2010/main" val="3950054587"/>
       </p:ext>
     </p:extLst>
   </p:cSld>
@@ -2042,7 +2424,7 @@
           <a:p>
             <a:fld id="{D7D8C689-48A4-48E7-8DC1-52CF9C1A4E1F}" type="datetimeFigureOut">
               <a:rPr lang="zh-CN" altLang="en-US" smtClean="0"/>
-              <a:t>2018/1/2</a:t>
+              <a:t>2018/1/3</a:t>
             </a:fld>
             <a:endParaRPr lang="zh-CN" altLang="en-US"/>
           </a:p>
@@ -2210,7 +2592,7 @@
           <a:p>
             <a:fld id="{D7D8C689-48A4-48E7-8DC1-52CF9C1A4E1F}" type="datetimeFigureOut">
               <a:rPr lang="zh-CN" altLang="en-US" smtClean="0"/>
-              <a:t>2018/1/2</a:t>
+              <a:t>2018/1/3</a:t>
             </a:fld>
             <a:endParaRPr lang="zh-CN" altLang="en-US"/>
           </a:p>
@@ -2388,7 +2770,7 @@
           <a:p>
             <a:fld id="{D7D8C689-48A4-48E7-8DC1-52CF9C1A4E1F}" type="datetimeFigureOut">
               <a:rPr lang="zh-CN" altLang="en-US" smtClean="0"/>
-              <a:t>2018/1/2</a:t>
+              <a:t>2018/1/3</a:t>
             </a:fld>
             <a:endParaRPr lang="zh-CN" altLang="en-US"/>
           </a:p>
@@ -2556,7 +2938,7 @@
           <a:p>
             <a:fld id="{D7D8C689-48A4-48E7-8DC1-52CF9C1A4E1F}" type="datetimeFigureOut">
               <a:rPr lang="zh-CN" altLang="en-US" smtClean="0"/>
-              <a:t>2018/1/2</a:t>
+              <a:t>2018/1/3</a:t>
             </a:fld>
             <a:endParaRPr lang="zh-CN" altLang="en-US"/>
           </a:p>
@@ -2801,7 +3183,7 @@
           <a:p>
             <a:fld id="{D7D8C689-48A4-48E7-8DC1-52CF9C1A4E1F}" type="datetimeFigureOut">
               <a:rPr lang="zh-CN" altLang="en-US" smtClean="0"/>
-              <a:t>2018/1/2</a:t>
+              <a:t>2018/1/3</a:t>
             </a:fld>
             <a:endParaRPr lang="zh-CN" altLang="en-US"/>
           </a:p>
@@ -3030,7 +3412,7 @@
           <a:p>
             <a:fld id="{D7D8C689-48A4-48E7-8DC1-52CF9C1A4E1F}" type="datetimeFigureOut">
               <a:rPr lang="zh-CN" altLang="en-US" smtClean="0"/>
-              <a:t>2018/1/2</a:t>
+              <a:t>2018/1/3</a:t>
             </a:fld>
             <a:endParaRPr lang="zh-CN" altLang="en-US"/>
           </a:p>
@@ -3394,7 +3776,7 @@
           <a:p>
             <a:fld id="{D7D8C689-48A4-48E7-8DC1-52CF9C1A4E1F}" type="datetimeFigureOut">
               <a:rPr lang="zh-CN" altLang="en-US" smtClean="0"/>
-              <a:t>2018/1/2</a:t>
+              <a:t>2018/1/3</a:t>
             </a:fld>
             <a:endParaRPr lang="zh-CN" altLang="en-US"/>
           </a:p>
@@ -3511,7 +3893,7 @@
           <a:p>
             <a:fld id="{D7D8C689-48A4-48E7-8DC1-52CF9C1A4E1F}" type="datetimeFigureOut">
               <a:rPr lang="zh-CN" altLang="en-US" smtClean="0"/>
-              <a:t>2018/1/2</a:t>
+              <a:t>2018/1/3</a:t>
             </a:fld>
             <a:endParaRPr lang="zh-CN" altLang="en-US"/>
           </a:p>
@@ -3606,7 +3988,7 @@
           <a:p>
             <a:fld id="{D7D8C689-48A4-48E7-8DC1-52CF9C1A4E1F}" type="datetimeFigureOut">
               <a:rPr lang="zh-CN" altLang="en-US" smtClean="0"/>
-              <a:t>2018/1/2</a:t>
+              <a:t>2018/1/3</a:t>
             </a:fld>
             <a:endParaRPr lang="zh-CN" altLang="en-US"/>
           </a:p>
@@ -3881,7 +4263,7 @@
           <a:p>
             <a:fld id="{D7D8C689-48A4-48E7-8DC1-52CF9C1A4E1F}" type="datetimeFigureOut">
               <a:rPr lang="zh-CN" altLang="en-US" smtClean="0"/>
-              <a:t>2018/1/2</a:t>
+              <a:t>2018/1/3</a:t>
             </a:fld>
             <a:endParaRPr lang="zh-CN" altLang="en-US"/>
           </a:p>
@@ -4133,7 +4515,7 @@
           <a:p>
             <a:fld id="{D7D8C689-48A4-48E7-8DC1-52CF9C1A4E1F}" type="datetimeFigureOut">
               <a:rPr lang="zh-CN" altLang="en-US" smtClean="0"/>
-              <a:t>2018/1/2</a:t>
+              <a:t>2018/1/3</a:t>
             </a:fld>
             <a:endParaRPr lang="zh-CN" altLang="en-US"/>
           </a:p>
@@ -4344,7 +4726,7 @@
           <a:p>
             <a:fld id="{D7D8C689-48A4-48E7-8DC1-52CF9C1A4E1F}" type="datetimeFigureOut">
               <a:rPr lang="zh-CN" altLang="en-US" smtClean="0"/>
-              <a:t>2018/1/2</a:t>
+              <a:t>2018/1/3</a:t>
             </a:fld>
             <a:endParaRPr lang="zh-CN" altLang="en-US"/>
           </a:p>
@@ -5864,31 +6246,7 @@
                 <a:ea typeface="Meiryo" panose="020B0604030504040204" pitchFamily="34" charset="-128"/>
                 <a:cs typeface="Meiryo" panose="020B0604030504040204" pitchFamily="34" charset="-128"/>
               </a:rPr>
-              <a:t>Ne</a:t>
-            </a:r>
-            <a:r>
-              <a:rPr lang="en-US" altLang="zh-CN" sz="2000" dirty="0">
-                <a:latin typeface="Meiryo" panose="020B0604030504040204" pitchFamily="34" charset="-128"/>
-                <a:ea typeface="Meiryo" panose="020B0604030504040204" pitchFamily="34" charset="-128"/>
-                <a:cs typeface="Meiryo" panose="020B0604030504040204" pitchFamily="34" charset="-128"/>
-              </a:rPr>
-              <a:t>ura</a:t>
-            </a:r>
-            <a:r>
-              <a:rPr lang="en-US" altLang="zh-CN" sz="2000" dirty="0">
-                <a:latin typeface="Meiryo" panose="020B0604030504040204" pitchFamily="34" charset="-128"/>
-                <a:ea typeface="Meiryo" panose="020B0604030504040204" pitchFamily="34" charset="-128"/>
-                <a:cs typeface="Meiryo" panose="020B0604030504040204" pitchFamily="34" charset="-128"/>
-              </a:rPr>
-              <a:t>l correlate </a:t>
-            </a:r>
-            <a:r>
-              <a:rPr lang="en-US" altLang="zh-CN" sz="2000" dirty="0">
-                <a:latin typeface="Meiryo" panose="020B0604030504040204" pitchFamily="34" charset="-128"/>
-                <a:ea typeface="Meiryo" panose="020B0604030504040204" pitchFamily="34" charset="-128"/>
-                <a:cs typeface="Meiryo" panose="020B0604030504040204" pitchFamily="34" charset="-128"/>
-              </a:rPr>
-              <a:t>of </a:t>
+              <a:t>Neural correlate of </a:t>
             </a:r>
             <a:r>
               <a:rPr lang="en-US" altLang="zh-CN" sz="2000" dirty="0" smtClean="0">
@@ -5939,11 +6297,6 @@
               </a:rPr>
               <a:t>receptors</a:t>
             </a:r>
-            <a:endParaRPr lang="en-US" altLang="zh-CN" sz="2000" dirty="0" smtClean="0">
-              <a:latin typeface="Meiryo" panose="020B0604030504040204" pitchFamily="34" charset="-128"/>
-              <a:ea typeface="Meiryo" panose="020B0604030504040204" pitchFamily="34" charset="-128"/>
-              <a:cs typeface="Meiryo" panose="020B0604030504040204" pitchFamily="34" charset="-128"/>
-            </a:endParaRPr>
           </a:p>
         </p:txBody>
       </p:sp>
@@ -6180,7 +6533,7 @@
         <p:spPr>
           <a:xfrm>
             <a:off x="3944383" y="3771721"/>
-            <a:ext cx="3852950" cy="1862048"/>
+            <a:ext cx="3852950" cy="2554545"/>
           </a:xfrm>
           <a:prstGeom prst="rect">
             <a:avLst/>
@@ -6206,7 +6559,41 @@
                 <a:ea typeface="Meiryo" panose="020B0604030504040204" pitchFamily="34" charset="-128"/>
                 <a:cs typeface="Meiryo" panose="020B0604030504040204" pitchFamily="34" charset="-128"/>
               </a:rPr>
-              <a:t>A change </a:t>
+              <a:t>Morris water maze</a:t>
+            </a:r>
+          </a:p>
+          <a:p>
+            <a:pPr marL="342900" indent="-342900">
+              <a:lnSpc>
+                <a:spcPct val="200000"/>
+              </a:lnSpc>
+              <a:buFont typeface="Arial" panose="020B0604020202020204" pitchFamily="34" charset="0"/>
+              <a:buChar char="•"/>
+            </a:pPr>
+            <a:r>
+              <a:rPr lang="en-US" altLang="zh-CN" sz="2000" dirty="0" smtClean="0">
+                <a:latin typeface="Meiryo" panose="020B0604030504040204" pitchFamily="34" charset="-128"/>
+                <a:ea typeface="Meiryo" panose="020B0604030504040204" pitchFamily="34" charset="-128"/>
+                <a:cs typeface="Meiryo" panose="020B0604030504040204" pitchFamily="34" charset="-128"/>
+              </a:rPr>
+              <a:t>Duration dependent, reorganized</a:t>
+            </a:r>
+          </a:p>
+          <a:p>
+            <a:pPr marL="342900" indent="-342900">
+              <a:lnSpc>
+                <a:spcPct val="200000"/>
+              </a:lnSpc>
+              <a:buFont typeface="Arial" panose="020B0604020202020204" pitchFamily="34" charset="0"/>
+              <a:buChar char="•"/>
+            </a:pPr>
+            <a:r>
+              <a:rPr lang="en-US" altLang="zh-CN" sz="2000" dirty="0" smtClean="0">
+                <a:latin typeface="Meiryo" panose="020B0604030504040204" pitchFamily="34" charset="-128"/>
+                <a:ea typeface="Meiryo" panose="020B0604030504040204" pitchFamily="34" charset="-128"/>
+                <a:cs typeface="Meiryo" panose="020B0604030504040204" pitchFamily="34" charset="-128"/>
+              </a:rPr>
+              <a:t>Neural </a:t>
             </a:r>
             <a:r>
               <a:rPr lang="en-US" altLang="zh-CN" sz="2000" dirty="0">
@@ -6214,61 +6601,7 @@
                 <a:ea typeface="Meiryo" panose="020B0604030504040204" pitchFamily="34" charset="-128"/>
                 <a:cs typeface="Meiryo" panose="020B0604030504040204" pitchFamily="34" charset="-128"/>
               </a:rPr>
-              <a:t>in </a:t>
-            </a:r>
-            <a:r>
-              <a:rPr lang="en-US" altLang="zh-CN" sz="2000" dirty="0" smtClean="0">
-                <a:latin typeface="Meiryo" panose="020B0604030504040204" pitchFamily="34" charset="-128"/>
-                <a:ea typeface="Meiryo" panose="020B0604030504040204" pitchFamily="34" charset="-128"/>
-                <a:cs typeface="Meiryo" panose="020B0604030504040204" pitchFamily="34" charset="-128"/>
-              </a:rPr>
-              <a:t>FC</a:t>
-            </a:r>
-            <a:r>
-              <a:rPr lang="en-US" altLang="zh-CN" sz="2000" dirty="0">
-                <a:latin typeface="Meiryo" panose="020B0604030504040204" pitchFamily="34" charset="-128"/>
-                <a:ea typeface="Meiryo" panose="020B0604030504040204" pitchFamily="34" charset="-128"/>
-                <a:cs typeface="Meiryo" panose="020B0604030504040204" pitchFamily="34" charset="-128"/>
-              </a:rPr>
-              <a:t/>
-            </a:r>
-            <a:br>
-              <a:rPr lang="en-US" altLang="zh-CN" sz="2000" dirty="0">
-                <a:latin typeface="Meiryo" panose="020B0604030504040204" pitchFamily="34" charset="-128"/>
-                <a:ea typeface="Meiryo" panose="020B0604030504040204" pitchFamily="34" charset="-128"/>
-                <a:cs typeface="Meiryo" panose="020B0604030504040204" pitchFamily="34" charset="-128"/>
-              </a:rPr>
-            </a:br>
-            <a:r>
-              <a:rPr lang="en-US" altLang="zh-CN" sz="2000" dirty="0">
-                <a:latin typeface="Meiryo" panose="020B0604030504040204" pitchFamily="34" charset="-128"/>
-                <a:ea typeface="Meiryo" panose="020B0604030504040204" pitchFamily="34" charset="-128"/>
-                <a:cs typeface="Meiryo" panose="020B0604030504040204" pitchFamily="34" charset="-128"/>
-              </a:rPr>
-              <a:t> </a:t>
-            </a:r>
-            <a:r>
-              <a:rPr lang="en-US" altLang="zh-CN" sz="2000" dirty="0">
-                <a:latin typeface="Meiryo" panose="020B0604030504040204" pitchFamily="34" charset="-128"/>
-                <a:ea typeface="Meiryo" panose="020B0604030504040204" pitchFamily="34" charset="-128"/>
-                <a:cs typeface="Meiryo" panose="020B0604030504040204" pitchFamily="34" charset="-128"/>
-              </a:rPr>
-              <a:t/>
-            </a:r>
-            <a:br>
-              <a:rPr lang="en-US" altLang="zh-CN" sz="2000" dirty="0">
-                <a:latin typeface="Meiryo" panose="020B0604030504040204" pitchFamily="34" charset="-128"/>
-                <a:ea typeface="Meiryo" panose="020B0604030504040204" pitchFamily="34" charset="-128"/>
-                <a:cs typeface="Meiryo" panose="020B0604030504040204" pitchFamily="34" charset="-128"/>
-              </a:rPr>
-            </a:br>
-            <a:r>
-              <a:rPr lang="en-US" altLang="zh-CN" sz="2000" dirty="0">
-                <a:latin typeface="Meiryo" panose="020B0604030504040204" pitchFamily="34" charset="-128"/>
-                <a:ea typeface="Meiryo" panose="020B0604030504040204" pitchFamily="34" charset="-128"/>
-                <a:cs typeface="Meiryo" panose="020B0604030504040204" pitchFamily="34" charset="-128"/>
-              </a:rPr>
-              <a:t> </a:t>
+              <a:t>oscillations  </a:t>
             </a:r>
             <a:endParaRPr lang="en-US" altLang="zh-CN" sz="2000" dirty="0">
               <a:latin typeface="Meiryo" panose="020B0604030504040204" pitchFamily="34" charset="-128"/>
@@ -6287,7 +6620,7 @@
         <p:spPr>
           <a:xfrm>
             <a:off x="495752" y="3751991"/>
-            <a:ext cx="3168287" cy="630942"/>
+            <a:ext cx="3168287" cy="1938992"/>
           </a:xfrm>
           <a:prstGeom prst="rect">
             <a:avLst/>
@@ -6308,12 +6641,29 @@
               <a:buChar char="•"/>
             </a:pPr>
             <a:r>
-              <a:rPr lang="en-US" altLang="zh-CN" sz="2000" dirty="0" err="1" smtClean="0">
+              <a:rPr lang="en-US" altLang="zh-CN" sz="2000" dirty="0" smtClean="0">
                 <a:latin typeface="Meiryo" panose="020B0604030504040204" pitchFamily="34" charset="-128"/>
                 <a:ea typeface="Meiryo" panose="020B0604030504040204" pitchFamily="34" charset="-128"/>
                 <a:cs typeface="Meiryo" panose="020B0604030504040204" pitchFamily="34" charset="-128"/>
               </a:rPr>
-              <a:t>phMRI</a:t>
+              <a:t>Behavior/Learning change FC</a:t>
+            </a:r>
+          </a:p>
+          <a:p>
+            <a:pPr marL="342900" lvl="1" indent="-342900">
+              <a:lnSpc>
+                <a:spcPct val="200000"/>
+              </a:lnSpc>
+              <a:buFont typeface="Arial" panose="020B0604020202020204" pitchFamily="34" charset="0"/>
+              <a:buChar char="•"/>
+            </a:pPr>
+            <a:r>
+              <a:rPr lang="en-US" altLang="zh-CN" sz="2000" dirty="0" smtClean="0">
+                <a:latin typeface="Meiryo" panose="020B0604030504040204" pitchFamily="34" charset="-128"/>
+                <a:ea typeface="Meiryo" panose="020B0604030504040204" pitchFamily="34" charset="-128"/>
+                <a:cs typeface="Meiryo" panose="020B0604030504040204" pitchFamily="34" charset="-128"/>
+              </a:rPr>
+              <a:t>Passive &amp; active</a:t>
             </a:r>
             <a:endParaRPr lang="en-US" altLang="zh-CN" sz="2000" dirty="0" smtClean="0">
               <a:latin typeface="Meiryo" panose="020B0604030504040204" pitchFamily="34" charset="-128"/>
@@ -6390,45 +6740,18 @@
               <a:buChar char="•"/>
             </a:pPr>
             <a:r>
-              <a:rPr lang="en-US" altLang="zh-CN" sz="2000" dirty="0">
-                <a:latin typeface="Meiryo" panose="020B0604030504040204" pitchFamily="34" charset="-128"/>
-                <a:ea typeface="Meiryo" panose="020B0604030504040204" pitchFamily="34" charset="-128"/>
-                <a:cs typeface="Meiryo" panose="020B0604030504040204" pitchFamily="34" charset="-128"/>
-              </a:rPr>
-              <a:t>Ne</a:t>
-            </a:r>
-            <a:r>
-              <a:rPr lang="en-US" altLang="zh-CN" sz="2000" dirty="0">
-                <a:latin typeface="Meiryo" panose="020B0604030504040204" pitchFamily="34" charset="-128"/>
-                <a:ea typeface="Meiryo" panose="020B0604030504040204" pitchFamily="34" charset="-128"/>
-                <a:cs typeface="Meiryo" panose="020B0604030504040204" pitchFamily="34" charset="-128"/>
-              </a:rPr>
-              <a:t>ura</a:t>
-            </a:r>
-            <a:r>
-              <a:rPr lang="en-US" altLang="zh-CN" sz="2000" dirty="0">
-                <a:latin typeface="Meiryo" panose="020B0604030504040204" pitchFamily="34" charset="-128"/>
-                <a:ea typeface="Meiryo" panose="020B0604030504040204" pitchFamily="34" charset="-128"/>
-                <a:cs typeface="Meiryo" panose="020B0604030504040204" pitchFamily="34" charset="-128"/>
-              </a:rPr>
-              <a:t>l correlate </a:t>
-            </a:r>
-            <a:r>
-              <a:rPr lang="en-US" altLang="zh-CN" sz="2000" dirty="0">
-                <a:latin typeface="Meiryo" panose="020B0604030504040204" pitchFamily="34" charset="-128"/>
-                <a:ea typeface="Meiryo" panose="020B0604030504040204" pitchFamily="34" charset="-128"/>
-                <a:cs typeface="Meiryo" panose="020B0604030504040204" pitchFamily="34" charset="-128"/>
-              </a:rPr>
-              <a:t>of </a:t>
-            </a:r>
-            <a:r>
               <a:rPr lang="en-US" altLang="zh-CN" sz="2000" dirty="0" smtClean="0">
                 <a:latin typeface="Meiryo" panose="020B0604030504040204" pitchFamily="34" charset="-128"/>
                 <a:ea typeface="Meiryo" panose="020B0604030504040204" pitchFamily="34" charset="-128"/>
                 <a:cs typeface="Meiryo" panose="020B0604030504040204" pitchFamily="34" charset="-128"/>
               </a:rPr>
-              <a:t>FC</a:t>
-            </a:r>
+              <a:t>Fear </a:t>
+            </a:r>
+            <a:endParaRPr lang="en-US" altLang="zh-CN" sz="2000" dirty="0" smtClean="0">
+              <a:latin typeface="Meiryo" panose="020B0604030504040204" pitchFamily="34" charset="-128"/>
+              <a:ea typeface="Meiryo" panose="020B0604030504040204" pitchFamily="34" charset="-128"/>
+              <a:cs typeface="Meiryo" panose="020B0604030504040204" pitchFamily="34" charset="-128"/>
+            </a:endParaRPr>
           </a:p>
         </p:txBody>
       </p:sp>
@@ -6469,23 +6792,52 @@
           <a:chExt cx="0" cy="0"/>
         </a:xfrm>
       </p:grpSpPr>
-      <p:sp>
-        <p:nvSpPr>
-          <p:cNvPr id="5" name="矩形 4"/>
+      <p:pic>
+        <p:nvPicPr>
+          <p:cNvPr id="2" name="图片 1"/>
+          <p:cNvPicPr>
+            <a:picLocks noChangeAspect="1"/>
+          </p:cNvPicPr>
+          <p:nvPr/>
+        </p:nvPicPr>
+        <p:blipFill rotWithShape="1">
+          <a:blip r:embed="rId3" cstate="print">
+            <a:extLst>
+              <a:ext uri="{28A0092B-C50C-407E-A947-70E740481C1C}">
+                <a14:useLocalDpi xmlns:a14="http://schemas.microsoft.com/office/drawing/2010/main" val="0"/>
+              </a:ext>
+            </a:extLst>
+          </a:blip>
+          <a:srcRect t="19936" b="38073"/>
+          <a:stretch/>
+        </p:blipFill>
+        <p:spPr>
+          <a:xfrm>
+            <a:off x="0" y="-1"/>
+            <a:ext cx="12192000" cy="3390901"/>
+          </a:xfrm>
+          <a:prstGeom prst="rect">
+            <a:avLst/>
+          </a:prstGeom>
+        </p:spPr>
+      </p:pic>
+      <p:sp>
+        <p:nvSpPr>
+          <p:cNvPr id="8" name="矩形 7"/>
           <p:cNvSpPr/>
           <p:nvPr/>
         </p:nvSpPr>
         <p:spPr>
           <a:xfrm>
-            <a:off x="6005399" y="3447534"/>
-            <a:ext cx="6172200" cy="3410465"/>
+            <a:off x="0" y="0"/>
+            <a:ext cx="12192000" cy="3390900"/>
           </a:xfrm>
           <a:prstGeom prst="rect">
             <a:avLst/>
           </a:prstGeom>
           <a:solidFill>
-            <a:schemeClr val="bg1">
-              <a:lumMod val="95000"/>
+            <a:schemeClr val="tx1">
+              <a:alpha val="64000"/>
             </a:schemeClr>
           </a:solidFill>
           <a:ln>
@@ -6519,69 +6871,122 @@
       </p:sp>
       <p:sp>
         <p:nvSpPr>
-          <p:cNvPr id="29" name="矩形 28"/>
-          <p:cNvSpPr/>
+          <p:cNvPr id="4" name="文本框 3"/>
+          <p:cNvSpPr txBox="1"/>
           <p:nvPr/>
         </p:nvSpPr>
         <p:spPr>
           <a:xfrm>
-            <a:off x="12346" y="1"/>
-            <a:ext cx="6006821" cy="3447534"/>
+            <a:off x="1342332" y="716916"/>
+            <a:ext cx="10591221" cy="1938992"/>
           </a:xfrm>
           <a:prstGeom prst="rect">
             <a:avLst/>
           </a:prstGeom>
-          <a:solidFill>
-            <a:schemeClr val="bg1">
-              <a:lumMod val="95000"/>
-            </a:schemeClr>
-          </a:solidFill>
+          <a:noFill/>
+        </p:spPr>
+        <p:txBody>
+          <a:bodyPr wrap="square" rtlCol="0">
+            <a:spAutoFit/>
+          </a:bodyPr>
+          <a:lstStyle/>
+          <a:p>
+            <a:pPr algn="r"/>
+            <a:r>
+              <a:rPr lang="en-US" altLang="zh-CN" sz="6000" b="1" dirty="0" smtClean="0">
+                <a:solidFill>
+                  <a:srgbClr val="00ABB4"/>
+                </a:solidFill>
+                <a:latin typeface="微软雅黑" panose="020B0503020204020204" pitchFamily="34" charset="-122"/>
+                <a:ea typeface="微软雅黑" panose="020B0503020204020204" pitchFamily="34" charset="-122"/>
+              </a:rPr>
+              <a:t>Manipulation </a:t>
+            </a:r>
+            <a:r>
+              <a:rPr lang="en-US" altLang="zh-CN" sz="6000" b="1" dirty="0">
+                <a:solidFill>
+                  <a:srgbClr val="00ABB4"/>
+                </a:solidFill>
+                <a:latin typeface="微软雅黑" panose="020B0503020204020204" pitchFamily="34" charset="-122"/>
+                <a:ea typeface="微软雅黑" panose="020B0503020204020204" pitchFamily="34" charset="-122"/>
+              </a:rPr>
+              <a:t>of networks by brain </a:t>
+            </a:r>
+            <a:r>
+              <a:rPr lang="en-US" altLang="zh-CN" sz="6000" b="1" dirty="0" smtClean="0">
+                <a:solidFill>
+                  <a:srgbClr val="00ABB4"/>
+                </a:solidFill>
+                <a:latin typeface="微软雅黑" panose="020B0503020204020204" pitchFamily="34" charset="-122"/>
+                <a:ea typeface="微软雅黑" panose="020B0503020204020204" pitchFamily="34" charset="-122"/>
+              </a:rPr>
+              <a:t>stimulation</a:t>
+            </a:r>
+            <a:endParaRPr lang="zh-CN" altLang="en-US" sz="4400" b="1" dirty="0">
+              <a:solidFill>
+                <a:srgbClr val="00ABB4"/>
+              </a:solidFill>
+              <a:latin typeface="微软雅黑" panose="020B0503020204020204" pitchFamily="34" charset="-122"/>
+              <a:ea typeface="微软雅黑" panose="020B0503020204020204" pitchFamily="34" charset="-122"/>
+            </a:endParaRPr>
+          </a:p>
+        </p:txBody>
+      </p:sp>
+      <p:cxnSp>
+        <p:nvCxnSpPr>
+          <p:cNvPr id="18" name="直接连接符 17"/>
+          <p:cNvCxnSpPr/>
+          <p:nvPr/>
+        </p:nvCxnSpPr>
+        <p:spPr>
+          <a:xfrm>
+            <a:off x="3794758" y="3824441"/>
+            <a:ext cx="0" cy="2464837"/>
+          </a:xfrm>
+          <a:prstGeom prst="line">
+            <a:avLst/>
+          </a:prstGeom>
           <a:ln>
-            <a:noFill/>
+            <a:solidFill>
+              <a:schemeClr val="bg1">
+                <a:lumMod val="50000"/>
+              </a:schemeClr>
+            </a:solidFill>
           </a:ln>
         </p:spPr>
         <p:style>
-          <a:lnRef idx="2">
-            <a:schemeClr val="accent1">
-              <a:shade val="50000"/>
-            </a:schemeClr>
+          <a:lnRef idx="1">
+            <a:schemeClr val="accent1"/>
           </a:lnRef>
-          <a:fillRef idx="1">
+          <a:fillRef idx="0">
             <a:schemeClr val="accent1"/>
           </a:fillRef>
           <a:effectRef idx="0">
             <a:schemeClr val="accent1"/>
           </a:effectRef>
           <a:fontRef idx="minor">
-            <a:schemeClr val="lt1"/>
+            <a:schemeClr val="tx1"/>
           </a:fontRef>
         </p:style>
-        <p:txBody>
-          <a:bodyPr rtlCol="0" anchor="ctr"/>
-          <a:lstStyle/>
-          <a:p>
-            <a:pPr algn="ctr"/>
-            <a:endParaRPr lang="zh-CN" altLang="en-US"/>
-          </a:p>
-        </p:txBody>
-      </p:sp>
-      <p:sp>
-        <p:nvSpPr>
-          <p:cNvPr id="31" name="Rectangle 96"/>
-          <p:cNvSpPr/>
+      </p:cxnSp>
+      <p:sp>
+        <p:nvSpPr>
+          <p:cNvPr id="19" name="文本框 18"/>
+          <p:cNvSpPr txBox="1"/>
           <p:nvPr/>
         </p:nvSpPr>
         <p:spPr>
           <a:xfrm>
-            <a:off x="1278939" y="1228922"/>
-            <a:ext cx="9452919" cy="3046988"/>
+            <a:off x="3944383" y="3771721"/>
+            <a:ext cx="3852950" cy="1938992"/>
           </a:xfrm>
           <a:prstGeom prst="rect">
             <a:avLst/>
           </a:prstGeom>
-        </p:spPr>
-        <p:txBody>
-          <a:bodyPr wrap="square">
+          <a:noFill/>
+        </p:spPr>
+        <p:txBody>
+          <a:bodyPr wrap="square" rtlCol="0">
             <a:spAutoFit/>
           </a:bodyPr>
           <a:lstStyle/>
@@ -6594,15 +6999,16 @@
               <a:buChar char="•"/>
             </a:pPr>
             <a:r>
-              <a:rPr lang="en-US" sz="2400" b="1" dirty="0" smtClean="0">
-                <a:ea typeface="Roboto Cn" pitchFamily="2" charset="0"/>
-                <a:cs typeface="Arial" panose="020B0604020202020204" pitchFamily="34" charset="0"/>
-              </a:rPr>
-              <a:t>Passive avoidance test for each group twice respectively on</a:t>
-            </a:r>
-          </a:p>
-          <a:p>
-            <a:pPr marL="800100" lvl="1" indent="-342900">
+              <a:rPr lang="en-US" altLang="zh-CN" sz="2000" dirty="0" smtClean="0">
+                <a:latin typeface="Meiryo" panose="020B0604030504040204" pitchFamily="34" charset="-128"/>
+                <a:ea typeface="Meiryo" panose="020B0604030504040204" pitchFamily="34" charset="-128"/>
+                <a:cs typeface="Meiryo" panose="020B0604030504040204" pitchFamily="34" charset="-128"/>
+              </a:rPr>
+              <a:t>Low frequency</a:t>
+            </a:r>
+          </a:p>
+          <a:p>
+            <a:pPr marL="342900" indent="-342900">
               <a:lnSpc>
                 <a:spcPct val="200000"/>
               </a:lnSpc>
@@ -6610,15 +7016,16 @@
               <a:buChar char="•"/>
             </a:pPr>
             <a:r>
-              <a:rPr lang="en-US" sz="2400" b="1" dirty="0" smtClean="0">
-                <a:ea typeface="Roboto Cn" pitchFamily="2" charset="0"/>
-                <a:cs typeface="Arial" panose="020B0604020202020204" pitchFamily="34" charset="0"/>
-              </a:rPr>
-              <a:t>Training day</a:t>
-            </a:r>
-          </a:p>
-          <a:p>
-            <a:pPr marL="800100" lvl="1" indent="-342900">
+              <a:rPr lang="en-US" altLang="zh-CN" sz="2000" dirty="0" smtClean="0">
+                <a:latin typeface="Meiryo" panose="020B0604030504040204" pitchFamily="34" charset="-128"/>
+                <a:ea typeface="Meiryo" panose="020B0604030504040204" pitchFamily="34" charset="-128"/>
+                <a:cs typeface="Meiryo" panose="020B0604030504040204" pitchFamily="34" charset="-128"/>
+              </a:rPr>
+              <a:t>Sensory gain</a:t>
+            </a:r>
+          </a:p>
+          <a:p>
+            <a:pPr marL="342900" indent="-342900">
               <a:lnSpc>
                 <a:spcPct val="200000"/>
               </a:lnSpc>
@@ -6626,22 +7033,256 @@
               <a:buChar char="•"/>
             </a:pPr>
             <a:r>
-              <a:rPr lang="en-US" sz="2400" b="1" dirty="0" smtClean="0">
-                <a:ea typeface="Roboto Cn" pitchFamily="2" charset="0"/>
-                <a:cs typeface="Arial" panose="020B0604020202020204" pitchFamily="34" charset="0"/>
-              </a:rPr>
-              <a:t>Testing day (test 55 min after first </a:t>
-            </a:r>
-            <a:r>
-              <a:rPr lang="en-US" sz="2400" b="1" dirty="0" smtClean="0">
-                <a:ea typeface="Roboto Cn" pitchFamily="2" charset="0"/>
-                <a:cs typeface="Arial" panose="020B0604020202020204" pitchFamily="34" charset="0"/>
-              </a:rPr>
-              <a:t>injection)</a:t>
-            </a:r>
-            <a:endParaRPr lang="en-US" sz="2400" b="1" dirty="0" smtClean="0">
-              <a:ea typeface="Roboto Cn" pitchFamily="2" charset="0"/>
-              <a:cs typeface="Arial" panose="020B0604020202020204" pitchFamily="34" charset="0"/>
+              <a:rPr lang="en-US" altLang="zh-CN" sz="2000" dirty="0" smtClean="0">
+                <a:latin typeface="Meiryo" panose="020B0604030504040204" pitchFamily="34" charset="-128"/>
+                <a:ea typeface="Meiryo" panose="020B0604030504040204" pitchFamily="34" charset="-128"/>
+                <a:cs typeface="Meiryo" panose="020B0604030504040204" pitchFamily="34" charset="-128"/>
+              </a:rPr>
+              <a:t>FC</a:t>
+            </a:r>
+            <a:endParaRPr lang="en-US" altLang="zh-CN" sz="2000" dirty="0">
+              <a:latin typeface="Meiryo" panose="020B0604030504040204" pitchFamily="34" charset="-128"/>
+              <a:ea typeface="Meiryo" panose="020B0604030504040204" pitchFamily="34" charset="-128"/>
+              <a:cs typeface="Meiryo" panose="020B0604030504040204" pitchFamily="34" charset="-128"/>
+            </a:endParaRPr>
+          </a:p>
+        </p:txBody>
+      </p:sp>
+      <p:sp>
+        <p:nvSpPr>
+          <p:cNvPr id="17" name="文本框 16"/>
+          <p:cNvSpPr txBox="1"/>
+          <p:nvPr/>
+        </p:nvSpPr>
+        <p:spPr>
+          <a:xfrm>
+            <a:off x="495752" y="3751991"/>
+            <a:ext cx="3168287" cy="2554545"/>
+          </a:xfrm>
+          <a:prstGeom prst="rect">
+            <a:avLst/>
+          </a:prstGeom>
+          <a:noFill/>
+        </p:spPr>
+        <p:txBody>
+          <a:bodyPr wrap="square" rtlCol="0">
+            <a:spAutoFit/>
+          </a:bodyPr>
+          <a:lstStyle/>
+          <a:p>
+            <a:pPr marL="342900" lvl="1" indent="-342900">
+              <a:lnSpc>
+                <a:spcPct val="200000"/>
+              </a:lnSpc>
+              <a:buFont typeface="Arial" panose="020B0604020202020204" pitchFamily="34" charset="0"/>
+              <a:buChar char="•"/>
+            </a:pPr>
+            <a:r>
+              <a:rPr lang="en-US" altLang="zh-CN" sz="2000" dirty="0" smtClean="0">
+                <a:latin typeface="Meiryo" panose="020B0604030504040204" pitchFamily="34" charset="-128"/>
+                <a:ea typeface="Meiryo" panose="020B0604030504040204" pitchFamily="34" charset="-128"/>
+                <a:cs typeface="Meiryo" panose="020B0604030504040204" pitchFamily="34" charset="-128"/>
+              </a:rPr>
+              <a:t>Brain stimulation</a:t>
+            </a:r>
+          </a:p>
+          <a:p>
+            <a:pPr marL="342900" lvl="1" indent="-342900">
+              <a:lnSpc>
+                <a:spcPct val="200000"/>
+              </a:lnSpc>
+              <a:buFont typeface="Arial" panose="020B0604020202020204" pitchFamily="34" charset="0"/>
+              <a:buChar char="•"/>
+            </a:pPr>
+            <a:r>
+              <a:rPr lang="en-US" altLang="zh-CN" sz="2000" dirty="0" smtClean="0">
+                <a:latin typeface="Meiryo" panose="020B0604030504040204" pitchFamily="34" charset="-128"/>
+                <a:ea typeface="Meiryo" panose="020B0604030504040204" pitchFamily="34" charset="-128"/>
+                <a:cs typeface="Meiryo" panose="020B0604030504040204" pitchFamily="34" charset="-128"/>
+              </a:rPr>
+              <a:t>High frequency</a:t>
+            </a:r>
+          </a:p>
+          <a:p>
+            <a:pPr marL="342900" lvl="1" indent="-342900">
+              <a:lnSpc>
+                <a:spcPct val="200000"/>
+              </a:lnSpc>
+              <a:buFont typeface="Arial" panose="020B0604020202020204" pitchFamily="34" charset="0"/>
+              <a:buChar char="•"/>
+            </a:pPr>
+            <a:r>
+              <a:rPr lang="en-US" altLang="zh-CN" sz="2000" dirty="0" smtClean="0">
+                <a:latin typeface="Meiryo" panose="020B0604030504040204" pitchFamily="34" charset="-128"/>
+                <a:ea typeface="Meiryo" panose="020B0604030504040204" pitchFamily="34" charset="-128"/>
+                <a:cs typeface="Meiryo" panose="020B0604030504040204" pitchFamily="34" charset="-128"/>
+              </a:rPr>
+              <a:t>RSNs</a:t>
+            </a:r>
+          </a:p>
+          <a:p>
+            <a:pPr marL="342900" lvl="1" indent="-342900">
+              <a:lnSpc>
+                <a:spcPct val="200000"/>
+              </a:lnSpc>
+              <a:buFont typeface="Arial" panose="020B0604020202020204" pitchFamily="34" charset="0"/>
+              <a:buChar char="•"/>
+            </a:pPr>
+            <a:r>
+              <a:rPr lang="en-US" altLang="zh-CN" sz="2000" dirty="0" smtClean="0">
+                <a:latin typeface="Meiryo" panose="020B0604030504040204" pitchFamily="34" charset="-128"/>
+                <a:ea typeface="Meiryo" panose="020B0604030504040204" pitchFamily="34" charset="-128"/>
+                <a:cs typeface="Meiryo" panose="020B0604030504040204" pitchFamily="34" charset="-128"/>
+              </a:rPr>
+              <a:t>Shape RSN activity</a:t>
+            </a:r>
+            <a:endParaRPr lang="en-US" altLang="zh-CN" sz="2000" dirty="0" smtClean="0">
+              <a:latin typeface="Meiryo" panose="020B0604030504040204" pitchFamily="34" charset="-128"/>
+              <a:ea typeface="Meiryo" panose="020B0604030504040204" pitchFamily="34" charset="-128"/>
+              <a:cs typeface="Meiryo" panose="020B0604030504040204" pitchFamily="34" charset="-128"/>
+            </a:endParaRPr>
+          </a:p>
+        </p:txBody>
+      </p:sp>
+      <p:cxnSp>
+        <p:nvCxnSpPr>
+          <p:cNvPr id="22" name="直接连接符 21"/>
+          <p:cNvCxnSpPr/>
+          <p:nvPr/>
+        </p:nvCxnSpPr>
+        <p:spPr>
+          <a:xfrm>
+            <a:off x="7949009" y="3820584"/>
+            <a:ext cx="0" cy="2464837"/>
+          </a:xfrm>
+          <a:prstGeom prst="line">
+            <a:avLst/>
+          </a:prstGeom>
+          <a:ln>
+            <a:solidFill>
+              <a:schemeClr val="bg1">
+                <a:lumMod val="50000"/>
+              </a:schemeClr>
+            </a:solidFill>
+          </a:ln>
+        </p:spPr>
+        <p:style>
+          <a:lnRef idx="1">
+            <a:schemeClr val="accent1"/>
+          </a:lnRef>
+          <a:fillRef idx="0">
+            <a:schemeClr val="accent1"/>
+          </a:fillRef>
+          <a:effectRef idx="0">
+            <a:schemeClr val="accent1"/>
+          </a:effectRef>
+          <a:fontRef idx="minor">
+            <a:schemeClr val="tx1"/>
+          </a:fontRef>
+        </p:style>
+      </p:cxnSp>
+      <p:sp>
+        <p:nvSpPr>
+          <p:cNvPr id="23" name="文本框 22"/>
+          <p:cNvSpPr txBox="1"/>
+          <p:nvPr/>
+        </p:nvSpPr>
+        <p:spPr>
+          <a:xfrm>
+            <a:off x="7968142" y="3751991"/>
+            <a:ext cx="4324753" cy="1862048"/>
+          </a:xfrm>
+          <a:prstGeom prst="rect">
+            <a:avLst/>
+          </a:prstGeom>
+          <a:noFill/>
+        </p:spPr>
+        <p:txBody>
+          <a:bodyPr wrap="square" rtlCol="0">
+            <a:spAutoFit/>
+          </a:bodyPr>
+          <a:lstStyle/>
+          <a:p>
+            <a:pPr marL="342900" indent="-342900">
+              <a:lnSpc>
+                <a:spcPct val="200000"/>
+              </a:lnSpc>
+              <a:buFont typeface="Arial" panose="020B0604020202020204" pitchFamily="34" charset="0"/>
+              <a:buChar char="•"/>
+            </a:pPr>
+            <a:r>
+              <a:rPr lang="en-US" altLang="zh-CN" sz="2000" dirty="0" err="1">
+                <a:latin typeface="Meiryo" panose="020B0604030504040204" pitchFamily="34" charset="-128"/>
+                <a:ea typeface="Meiryo" panose="020B0604030504040204" pitchFamily="34" charset="-128"/>
+                <a:cs typeface="Meiryo" panose="020B0604030504040204" pitchFamily="34" charset="-128"/>
+              </a:rPr>
+              <a:t>O</a:t>
+            </a:r>
+            <a:r>
+              <a:rPr lang="en-US" altLang="zh-CN" sz="2000" dirty="0" err="1" smtClean="0">
+                <a:latin typeface="Meiryo" panose="020B0604030504040204" pitchFamily="34" charset="-128"/>
+                <a:ea typeface="Meiryo" panose="020B0604030504040204" pitchFamily="34" charset="-128"/>
+                <a:cs typeface="Meiryo" panose="020B0604030504040204" pitchFamily="34" charset="-128"/>
+              </a:rPr>
+              <a:t>ptogenetics</a:t>
+            </a:r>
+            <a:r>
+              <a:rPr lang="en-US" altLang="zh-CN" sz="2000" dirty="0" smtClean="0">
+                <a:latin typeface="Meiryo" panose="020B0604030504040204" pitchFamily="34" charset="-128"/>
+                <a:ea typeface="Meiryo" panose="020B0604030504040204" pitchFamily="34" charset="-128"/>
+                <a:cs typeface="Meiryo" panose="020B0604030504040204" pitchFamily="34" charset="-128"/>
+              </a:rPr>
+              <a:t> </a:t>
+            </a:r>
+            <a:endParaRPr lang="en-US" altLang="zh-CN" sz="2000" dirty="0">
+              <a:latin typeface="Meiryo" panose="020B0604030504040204" pitchFamily="34" charset="-128"/>
+              <a:ea typeface="Meiryo" panose="020B0604030504040204" pitchFamily="34" charset="-128"/>
+              <a:cs typeface="Meiryo" panose="020B0604030504040204" pitchFamily="34" charset="-128"/>
+            </a:endParaRPr>
+          </a:p>
+          <a:p>
+            <a:pPr marL="342900" indent="-342900">
+              <a:lnSpc>
+                <a:spcPct val="200000"/>
+              </a:lnSpc>
+              <a:buFont typeface="Arial" panose="020B0604020202020204" pitchFamily="34" charset="0"/>
+              <a:buChar char="•"/>
+            </a:pPr>
+            <a:r>
+              <a:rPr lang="en-US" altLang="zh-CN" sz="2000" dirty="0" err="1" smtClean="0">
+                <a:latin typeface="Meiryo" panose="020B0604030504040204" pitchFamily="34" charset="-128"/>
+                <a:ea typeface="Meiryo" panose="020B0604030504040204" pitchFamily="34" charset="-128"/>
+                <a:cs typeface="Meiryo" panose="020B0604030504040204" pitchFamily="34" charset="-128"/>
+              </a:rPr>
+              <a:t>Chemogenetics</a:t>
+            </a:r>
+            <a:r>
+              <a:rPr lang="en-US" altLang="zh-CN" sz="2000" dirty="0" smtClean="0">
+                <a:latin typeface="Meiryo" panose="020B0604030504040204" pitchFamily="34" charset="-128"/>
+                <a:ea typeface="Meiryo" panose="020B0604030504040204" pitchFamily="34" charset="-128"/>
+                <a:cs typeface="Meiryo" panose="020B0604030504040204" pitchFamily="34" charset="-128"/>
+              </a:rPr>
+              <a:t> </a:t>
+            </a:r>
+            <a:r>
+              <a:rPr lang="en-US" altLang="zh-CN" sz="2000" dirty="0">
+                <a:latin typeface="Meiryo" panose="020B0604030504040204" pitchFamily="34" charset="-128"/>
+                <a:ea typeface="Meiryo" panose="020B0604030504040204" pitchFamily="34" charset="-128"/>
+                <a:cs typeface="Meiryo" panose="020B0604030504040204" pitchFamily="34" charset="-128"/>
+              </a:rPr>
+              <a:t/>
+            </a:r>
+            <a:br>
+              <a:rPr lang="en-US" altLang="zh-CN" sz="2000" dirty="0">
+                <a:latin typeface="Meiryo" panose="020B0604030504040204" pitchFamily="34" charset="-128"/>
+                <a:ea typeface="Meiryo" panose="020B0604030504040204" pitchFamily="34" charset="-128"/>
+                <a:cs typeface="Meiryo" panose="020B0604030504040204" pitchFamily="34" charset="-128"/>
+              </a:rPr>
+            </a:br>
+            <a:endParaRPr lang="en-US" altLang="zh-CN" sz="2000" dirty="0">
+              <a:latin typeface="Meiryo" panose="020B0604030504040204" pitchFamily="34" charset="-128"/>
+              <a:ea typeface="Meiryo" panose="020B0604030504040204" pitchFamily="34" charset="-128"/>
+              <a:cs typeface="Meiryo" panose="020B0604030504040204" pitchFamily="34" charset="-128"/>
             </a:endParaRPr>
           </a:p>
         </p:txBody>
@@ -6649,7 +7290,7 @@
     </p:spTree>
     <p:extLst>
       <p:ext uri="{BB962C8B-B14F-4D97-AF65-F5344CB8AC3E}">
-        <p14:creationId xmlns:p14="http://schemas.microsoft.com/office/powerpoint/2010/main" val="3964132226"/>
+        <p14:creationId xmlns:p14="http://schemas.microsoft.com/office/powerpoint/2010/main" val="1857328793"/>
       </p:ext>
     </p:extLst>
   </p:cSld>
@@ -6683,23 +7324,52 @@
           <a:chExt cx="0" cy="0"/>
         </a:xfrm>
       </p:grpSpPr>
-      <p:sp>
-        <p:nvSpPr>
-          <p:cNvPr id="29" name="矩形 28"/>
+      <p:pic>
+        <p:nvPicPr>
+          <p:cNvPr id="2" name="图片 1"/>
+          <p:cNvPicPr>
+            <a:picLocks noChangeAspect="1"/>
+          </p:cNvPicPr>
+          <p:nvPr/>
+        </p:nvPicPr>
+        <p:blipFill rotWithShape="1">
+          <a:blip r:embed="rId3" cstate="print">
+            <a:extLst>
+              <a:ext uri="{28A0092B-C50C-407E-A947-70E740481C1C}">
+                <a14:useLocalDpi xmlns:a14="http://schemas.microsoft.com/office/drawing/2010/main" val="0"/>
+              </a:ext>
+            </a:extLst>
+          </a:blip>
+          <a:srcRect t="19936" b="38073"/>
+          <a:stretch/>
+        </p:blipFill>
+        <p:spPr>
+          <a:xfrm>
+            <a:off x="0" y="-1"/>
+            <a:ext cx="12192000" cy="3390901"/>
+          </a:xfrm>
+          <a:prstGeom prst="rect">
+            <a:avLst/>
+          </a:prstGeom>
+        </p:spPr>
+      </p:pic>
+      <p:sp>
+        <p:nvSpPr>
+          <p:cNvPr id="8" name="矩形 7"/>
           <p:cNvSpPr/>
           <p:nvPr/>
         </p:nvSpPr>
         <p:spPr>
           <a:xfrm>
-            <a:off x="-1504" y="0"/>
-            <a:ext cx="6260123" cy="6858000"/>
+            <a:off x="0" y="0"/>
+            <a:ext cx="12192000" cy="3390900"/>
           </a:xfrm>
           <a:prstGeom prst="rect">
             <a:avLst/>
           </a:prstGeom>
           <a:solidFill>
-            <a:schemeClr val="bg1">
-              <a:lumMod val="95000"/>
+            <a:schemeClr val="tx1">
+              <a:alpha val="64000"/>
             </a:schemeClr>
           </a:solidFill>
           <a:ln>
@@ -6733,52 +7403,76 @@
       </p:sp>
       <p:sp>
         <p:nvSpPr>
-          <p:cNvPr id="31" name="Rectangle 96"/>
-          <p:cNvSpPr/>
+          <p:cNvPr id="4" name="文本框 3"/>
+          <p:cNvSpPr txBox="1"/>
           <p:nvPr/>
         </p:nvSpPr>
         <p:spPr>
           <a:xfrm>
-            <a:off x="1064685" y="1255967"/>
-            <a:ext cx="2117509" cy="1144031"/>
+            <a:off x="1342332" y="323377"/>
+            <a:ext cx="10591221" cy="3785652"/>
           </a:xfrm>
           <a:prstGeom prst="rect">
             <a:avLst/>
           </a:prstGeom>
-        </p:spPr>
-        <p:txBody>
-          <a:bodyPr wrap="square">
+          <a:noFill/>
+        </p:spPr>
+        <p:txBody>
+          <a:bodyPr wrap="square" rtlCol="0">
             <a:spAutoFit/>
           </a:bodyPr>
           <a:lstStyle/>
           <a:p>
-            <a:pPr algn="r">
-              <a:lnSpc>
-                <a:spcPct val="150000"/>
-              </a:lnSpc>
-            </a:pPr>
-            <a:r>
-              <a:rPr lang="en-US" altLang="zh-CN" sz="2400" b="1" kern="800" dirty="0" smtClean="0">
-                <a:cs typeface="Arial" panose="020B0604020202020204" pitchFamily="34" charset="0"/>
-              </a:rPr>
-              <a:t>Brightly lit compartment</a:t>
-            </a:r>
-            <a:endParaRPr lang="en-US" altLang="zh-CN" sz="2400" b="1" dirty="0" smtClean="0">
-              <a:cs typeface="Arial" panose="020B0604020202020204" pitchFamily="34" charset="0"/>
+            <a:pPr algn="r"/>
+            <a:r>
+              <a:rPr lang="en-US" altLang="zh-CN" sz="6000" b="1" dirty="0" smtClean="0">
+                <a:solidFill>
+                  <a:srgbClr val="00ABB4"/>
+                </a:solidFill>
+                <a:latin typeface="微软雅黑" panose="020B0503020204020204" pitchFamily="34" charset="-122"/>
+                <a:ea typeface="微软雅黑" panose="020B0503020204020204" pitchFamily="34" charset="-122"/>
+              </a:rPr>
+              <a:t>Structural connectivity affect </a:t>
+            </a:r>
+            <a:r>
+              <a:rPr lang="en-US" altLang="zh-CN" sz="6000" b="1" dirty="0">
+                <a:solidFill>
+                  <a:srgbClr val="00ABB4"/>
+                </a:solidFill>
+                <a:latin typeface="微软雅黑" panose="020B0503020204020204" pitchFamily="34" charset="-122"/>
+                <a:ea typeface="微软雅黑" panose="020B0503020204020204" pitchFamily="34" charset="-122"/>
+              </a:rPr>
+              <a:t>network organization </a:t>
+            </a:r>
+            <a:br>
+              <a:rPr lang="en-US" altLang="zh-CN" sz="6000" b="1" dirty="0">
+                <a:solidFill>
+                  <a:srgbClr val="00ABB4"/>
+                </a:solidFill>
+                <a:latin typeface="微软雅黑" panose="020B0503020204020204" pitchFamily="34" charset="-122"/>
+                <a:ea typeface="微软雅黑" panose="020B0503020204020204" pitchFamily="34" charset="-122"/>
+              </a:rPr>
+            </a:br>
+            <a:endParaRPr lang="zh-CN" altLang="en-US" sz="6000" b="1" dirty="0">
+              <a:solidFill>
+                <a:srgbClr val="00ABB4"/>
+              </a:solidFill>
+              <a:latin typeface="微软雅黑" panose="020B0503020204020204" pitchFamily="34" charset="-122"/>
+              <a:ea typeface="微软雅黑" panose="020B0503020204020204" pitchFamily="34" charset="-122"/>
             </a:endParaRPr>
           </a:p>
         </p:txBody>
       </p:sp>
       <p:cxnSp>
         <p:nvCxnSpPr>
-          <p:cNvPr id="5" name="直接连接符 4"/>
+          <p:cNvPr id="18" name="直接连接符 17"/>
           <p:cNvCxnSpPr/>
           <p:nvPr/>
         </p:nvCxnSpPr>
         <p:spPr>
           <a:xfrm>
-            <a:off x="662538" y="1018210"/>
-            <a:ext cx="8797346" cy="0"/>
+            <a:off x="3522769" y="3824441"/>
+            <a:ext cx="0" cy="2464837"/>
           </a:xfrm>
           <a:prstGeom prst="line">
             <a:avLst/>
@@ -6786,7 +7480,7 @@
           <a:ln>
             <a:solidFill>
               <a:schemeClr val="bg1">
-                <a:lumMod val="85000"/>
+                <a:lumMod val="50000"/>
               </a:schemeClr>
             </a:solidFill>
           </a:ln>
@@ -6806,10 +7500,387 @@
           </a:fontRef>
         </p:style>
       </p:cxnSp>
+      <p:sp>
+        <p:nvSpPr>
+          <p:cNvPr id="19" name="文本框 18"/>
+          <p:cNvSpPr txBox="1"/>
+          <p:nvPr/>
+        </p:nvSpPr>
+        <p:spPr>
+          <a:xfrm>
+            <a:off x="3522769" y="3771721"/>
+            <a:ext cx="4173383" cy="2554545"/>
+          </a:xfrm>
+          <a:prstGeom prst="rect">
+            <a:avLst/>
+          </a:prstGeom>
+          <a:noFill/>
+        </p:spPr>
+        <p:txBody>
+          <a:bodyPr wrap="square" rtlCol="0">
+            <a:spAutoFit/>
+          </a:bodyPr>
+          <a:lstStyle/>
+          <a:p>
+            <a:pPr marL="342900" indent="-342900">
+              <a:lnSpc>
+                <a:spcPct val="200000"/>
+              </a:lnSpc>
+              <a:buFont typeface="Arial" panose="020B0604020202020204" pitchFamily="34" charset="0"/>
+              <a:buChar char="•"/>
+            </a:pPr>
+            <a:r>
+              <a:rPr lang="en-US" altLang="zh-CN" sz="2000" dirty="0" smtClean="0">
+                <a:latin typeface="Meiryo" panose="020B0604030504040204" pitchFamily="34" charset="-128"/>
+                <a:ea typeface="Meiryo" panose="020B0604030504040204" pitchFamily="34" charset="-128"/>
+                <a:cs typeface="Meiryo" panose="020B0604030504040204" pitchFamily="34" charset="-128"/>
+              </a:rPr>
+              <a:t>Unidirectional monosynaptic </a:t>
+            </a:r>
+          </a:p>
+          <a:p>
+            <a:pPr marL="342900" indent="-342900">
+              <a:lnSpc>
+                <a:spcPct val="200000"/>
+              </a:lnSpc>
+              <a:buFont typeface="Arial" panose="020B0604020202020204" pitchFamily="34" charset="0"/>
+              <a:buChar char="•"/>
+            </a:pPr>
+            <a:r>
+              <a:rPr lang="en-US" altLang="zh-CN" sz="2000" dirty="0">
+                <a:latin typeface="Meiryo" panose="020B0604030504040204" pitchFamily="34" charset="-128"/>
+                <a:ea typeface="Meiryo" panose="020B0604030504040204" pitchFamily="34" charset="-128"/>
+                <a:cs typeface="Meiryo" panose="020B0604030504040204" pitchFamily="34" charset="-128"/>
+              </a:rPr>
+              <a:t>B</a:t>
+            </a:r>
+            <a:r>
+              <a:rPr lang="en-US" altLang="zh-CN" sz="2000" dirty="0" smtClean="0">
+                <a:latin typeface="Meiryo" panose="020B0604030504040204" pitchFamily="34" charset="-128"/>
+                <a:ea typeface="Meiryo" panose="020B0604030504040204" pitchFamily="34" charset="-128"/>
+                <a:cs typeface="Meiryo" panose="020B0604030504040204" pitchFamily="34" charset="-128"/>
+              </a:rPr>
+              <a:t>idirectional </a:t>
+            </a:r>
+            <a:r>
+              <a:rPr lang="en-US" altLang="zh-CN" sz="2000" dirty="0">
+                <a:latin typeface="Meiryo" panose="020B0604030504040204" pitchFamily="34" charset="-128"/>
+                <a:ea typeface="Meiryo" panose="020B0604030504040204" pitchFamily="34" charset="-128"/>
+                <a:cs typeface="Meiryo" panose="020B0604030504040204" pitchFamily="34" charset="-128"/>
+              </a:rPr>
+              <a:t>and/or polysynaptic projections </a:t>
+            </a:r>
+            <a:br>
+              <a:rPr lang="en-US" altLang="zh-CN" sz="2000" dirty="0">
+                <a:latin typeface="Meiryo" panose="020B0604030504040204" pitchFamily="34" charset="-128"/>
+                <a:ea typeface="Meiryo" panose="020B0604030504040204" pitchFamily="34" charset="-128"/>
+                <a:cs typeface="Meiryo" panose="020B0604030504040204" pitchFamily="34" charset="-128"/>
+              </a:rPr>
+            </a:br>
+            <a:endParaRPr lang="en-US" altLang="zh-CN" sz="2000" dirty="0">
+              <a:latin typeface="Meiryo" panose="020B0604030504040204" pitchFamily="34" charset="-128"/>
+              <a:ea typeface="Meiryo" panose="020B0604030504040204" pitchFamily="34" charset="-128"/>
+              <a:cs typeface="Meiryo" panose="020B0604030504040204" pitchFamily="34" charset="-128"/>
+            </a:endParaRPr>
+          </a:p>
+        </p:txBody>
+      </p:sp>
+      <p:sp>
+        <p:nvSpPr>
+          <p:cNvPr id="17" name="文本框 16"/>
+          <p:cNvSpPr txBox="1"/>
+          <p:nvPr/>
+        </p:nvSpPr>
+        <p:spPr>
+          <a:xfrm>
+            <a:off x="223763" y="3751991"/>
+            <a:ext cx="3168287" cy="3785652"/>
+          </a:xfrm>
+          <a:prstGeom prst="rect">
+            <a:avLst/>
+          </a:prstGeom>
+          <a:noFill/>
+        </p:spPr>
+        <p:txBody>
+          <a:bodyPr wrap="square" rtlCol="0">
+            <a:spAutoFit/>
+          </a:bodyPr>
+          <a:lstStyle/>
+          <a:p>
+            <a:pPr marL="342900" lvl="1" indent="-342900">
+              <a:lnSpc>
+                <a:spcPct val="200000"/>
+              </a:lnSpc>
+              <a:buFont typeface="Arial" panose="020B0604020202020204" pitchFamily="34" charset="0"/>
+              <a:buChar char="•"/>
+            </a:pPr>
+            <a:r>
+              <a:rPr lang="en-US" altLang="zh-CN" sz="2000" dirty="0">
+                <a:latin typeface="Meiryo" panose="020B0604030504040204" pitchFamily="34" charset="-128"/>
+                <a:ea typeface="Meiryo" panose="020B0604030504040204" pitchFamily="34" charset="-128"/>
+                <a:cs typeface="Meiryo" panose="020B0604030504040204" pitchFamily="34" charset="-128"/>
+              </a:rPr>
+              <a:t>A</a:t>
+            </a:r>
+            <a:r>
+              <a:rPr lang="en-US" altLang="zh-CN" sz="2000" dirty="0" smtClean="0">
+                <a:latin typeface="Meiryo" panose="020B0604030504040204" pitchFamily="34" charset="-128"/>
+                <a:ea typeface="Meiryo" panose="020B0604030504040204" pitchFamily="34" charset="-128"/>
+                <a:cs typeface="Meiryo" panose="020B0604030504040204" pitchFamily="34" charset="-128"/>
+              </a:rPr>
+              <a:t>xonal connectivity</a:t>
+            </a:r>
+          </a:p>
+          <a:p>
+            <a:pPr marL="342900" lvl="1" indent="-342900">
+              <a:lnSpc>
+                <a:spcPct val="200000"/>
+              </a:lnSpc>
+              <a:buFont typeface="Arial" panose="020B0604020202020204" pitchFamily="34" charset="0"/>
+              <a:buChar char="•"/>
+            </a:pPr>
+            <a:r>
+              <a:rPr lang="en-US" altLang="zh-CN" sz="2000" dirty="0">
+                <a:latin typeface="Meiryo" panose="020B0604030504040204" pitchFamily="34" charset="-128"/>
+                <a:ea typeface="Meiryo" panose="020B0604030504040204" pitchFamily="34" charset="-128"/>
+                <a:cs typeface="Meiryo" panose="020B0604030504040204" pitchFamily="34" charset="-128"/>
+              </a:rPr>
+              <a:t>C</a:t>
+            </a:r>
+            <a:r>
+              <a:rPr lang="en-US" altLang="zh-CN" sz="2000" dirty="0" smtClean="0">
+                <a:latin typeface="Meiryo" panose="020B0604030504040204" pitchFamily="34" charset="-128"/>
+                <a:ea typeface="Meiryo" panose="020B0604030504040204" pitchFamily="34" charset="-128"/>
+                <a:cs typeface="Meiryo" panose="020B0604030504040204" pitchFamily="34" charset="-128"/>
+              </a:rPr>
+              <a:t>orrespondence </a:t>
+            </a:r>
+            <a:r>
+              <a:rPr lang="en-US" altLang="zh-CN" sz="2000" dirty="0">
+                <a:latin typeface="Meiryo" panose="020B0604030504040204" pitchFamily="34" charset="-128"/>
+                <a:ea typeface="Meiryo" panose="020B0604030504040204" pitchFamily="34" charset="-128"/>
+                <a:cs typeface="Meiryo" panose="020B0604030504040204" pitchFamily="34" charset="-128"/>
+              </a:rPr>
+              <a:t>between regions </a:t>
+            </a:r>
+            <a:r>
+              <a:rPr lang="en-US" altLang="zh-CN" sz="2000" dirty="0"/>
+              <a:t/>
+            </a:r>
+            <a:br>
+              <a:rPr lang="en-US" altLang="zh-CN" sz="2000" dirty="0"/>
+            </a:br>
+            <a:r>
+              <a:rPr lang="en-US" altLang="zh-CN" sz="2000" dirty="0" smtClean="0">
+                <a:latin typeface="Meiryo" panose="020B0604030504040204" pitchFamily="34" charset="-128"/>
+                <a:ea typeface="Meiryo" panose="020B0604030504040204" pitchFamily="34" charset="-128"/>
+                <a:cs typeface="Meiryo" panose="020B0604030504040204" pitchFamily="34" charset="-128"/>
+              </a:rPr>
+              <a:t> </a:t>
+            </a:r>
+            <a:r>
+              <a:rPr lang="en-US" altLang="zh-CN" sz="2000" dirty="0"/>
+              <a:t/>
+            </a:r>
+            <a:br>
+              <a:rPr lang="en-US" altLang="zh-CN" sz="2000" dirty="0"/>
+            </a:br>
+            <a:r>
+              <a:rPr lang="en-US" altLang="zh-CN" sz="2000" dirty="0"/>
+              <a:t/>
+            </a:r>
+            <a:br>
+              <a:rPr lang="en-US" altLang="zh-CN" sz="2000" dirty="0"/>
+            </a:br>
+            <a:endParaRPr lang="en-US" altLang="zh-CN" sz="2000" dirty="0" smtClean="0">
+              <a:latin typeface="Meiryo" panose="020B0604030504040204" pitchFamily="34" charset="-128"/>
+              <a:ea typeface="Meiryo" panose="020B0604030504040204" pitchFamily="34" charset="-128"/>
+              <a:cs typeface="Meiryo" panose="020B0604030504040204" pitchFamily="34" charset="-128"/>
+            </a:endParaRPr>
+          </a:p>
+        </p:txBody>
+      </p:sp>
+      <p:cxnSp>
+        <p:nvCxnSpPr>
+          <p:cNvPr id="22" name="直接连接符 21"/>
+          <p:cNvCxnSpPr/>
+          <p:nvPr/>
+        </p:nvCxnSpPr>
+        <p:spPr>
+          <a:xfrm>
+            <a:off x="7677020" y="3820584"/>
+            <a:ext cx="0" cy="2464837"/>
+          </a:xfrm>
+          <a:prstGeom prst="line">
+            <a:avLst/>
+          </a:prstGeom>
+          <a:ln>
+            <a:solidFill>
+              <a:schemeClr val="bg1">
+                <a:lumMod val="50000"/>
+              </a:schemeClr>
+            </a:solidFill>
+          </a:ln>
+        </p:spPr>
+        <p:style>
+          <a:lnRef idx="1">
+            <a:schemeClr val="accent1"/>
+          </a:lnRef>
+          <a:fillRef idx="0">
+            <a:schemeClr val="accent1"/>
+          </a:fillRef>
+          <a:effectRef idx="0">
+            <a:schemeClr val="accent1"/>
+          </a:effectRef>
+          <a:fontRef idx="minor">
+            <a:schemeClr val="tx1"/>
+          </a:fontRef>
+        </p:style>
+      </p:cxnSp>
+      <p:sp>
+        <p:nvSpPr>
+          <p:cNvPr id="23" name="文本框 22"/>
+          <p:cNvSpPr txBox="1"/>
+          <p:nvPr/>
+        </p:nvSpPr>
+        <p:spPr>
+          <a:xfrm>
+            <a:off x="7696153" y="3751991"/>
+            <a:ext cx="4324753" cy="2554545"/>
+          </a:xfrm>
+          <a:prstGeom prst="rect">
+            <a:avLst/>
+          </a:prstGeom>
+          <a:noFill/>
+        </p:spPr>
+        <p:txBody>
+          <a:bodyPr wrap="square" rtlCol="0">
+            <a:spAutoFit/>
+          </a:bodyPr>
+          <a:lstStyle/>
+          <a:p>
+            <a:pPr marL="342900" indent="-342900">
+              <a:lnSpc>
+                <a:spcPct val="200000"/>
+              </a:lnSpc>
+              <a:buFont typeface="Arial" panose="020B0604020202020204" pitchFamily="34" charset="0"/>
+              <a:buChar char="•"/>
+            </a:pPr>
+            <a:r>
+              <a:rPr lang="en-US" altLang="zh-CN" sz="2000" dirty="0" smtClean="0">
+                <a:latin typeface="Meiryo" panose="020B0604030504040204" pitchFamily="34" charset="-128"/>
+                <a:ea typeface="Meiryo" panose="020B0604030504040204" pitchFamily="34" charset="-128"/>
+                <a:cs typeface="Meiryo" panose="020B0604030504040204" pitchFamily="34" charset="-128"/>
+              </a:rPr>
+              <a:t>Cortical </a:t>
+            </a:r>
+            <a:r>
+              <a:rPr lang="en-US" altLang="zh-CN" sz="2000" dirty="0">
+                <a:latin typeface="Meiryo" panose="020B0604030504040204" pitchFamily="34" charset="-128"/>
+                <a:ea typeface="Meiryo" panose="020B0604030504040204" pitchFamily="34" charset="-128"/>
+                <a:cs typeface="Meiryo" panose="020B0604030504040204" pitchFamily="34" charset="-128"/>
+              </a:rPr>
+              <a:t>FC </a:t>
+            </a:r>
+            <a:r>
+              <a:rPr lang="en-US" altLang="zh-CN" sz="2000" dirty="0" smtClean="0">
+                <a:latin typeface="Meiryo" panose="020B0604030504040204" pitchFamily="34" charset="-128"/>
+                <a:ea typeface="Meiryo" panose="020B0604030504040204" pitchFamily="34" charset="-128"/>
+                <a:cs typeface="Meiryo" panose="020B0604030504040204" pitchFamily="34" charset="-128"/>
+              </a:rPr>
+              <a:t>:</a:t>
+            </a:r>
+          </a:p>
+          <a:p>
+            <a:pPr>
+              <a:lnSpc>
+                <a:spcPct val="200000"/>
+              </a:lnSpc>
+            </a:pPr>
+            <a:r>
+              <a:rPr lang="en-US" altLang="zh-CN" sz="2000" dirty="0">
+                <a:latin typeface="Meiryo" panose="020B0604030504040204" pitchFamily="34" charset="-128"/>
+                <a:ea typeface="Meiryo" panose="020B0604030504040204" pitchFamily="34" charset="-128"/>
+                <a:cs typeface="Meiryo" panose="020B0604030504040204" pitchFamily="34" charset="-128"/>
+              </a:rPr>
+              <a:t>	</a:t>
+            </a:r>
+            <a:r>
+              <a:rPr lang="en-US" altLang="zh-CN" sz="2000" dirty="0" smtClean="0">
+                <a:latin typeface="Meiryo" panose="020B0604030504040204" pitchFamily="34" charset="-128"/>
+                <a:ea typeface="Meiryo" panose="020B0604030504040204" pitchFamily="34" charset="-128"/>
+                <a:cs typeface="Meiryo" panose="020B0604030504040204" pitchFamily="34" charset="-128"/>
+              </a:rPr>
+              <a:t>monosynaptic projections </a:t>
+            </a:r>
+          </a:p>
+          <a:p>
+            <a:pPr marL="342900" indent="-342900">
+              <a:lnSpc>
+                <a:spcPct val="200000"/>
+              </a:lnSpc>
+              <a:buFont typeface="Arial" pitchFamily="34" charset="0"/>
+              <a:buChar char="•"/>
+            </a:pPr>
+            <a:r>
+              <a:rPr lang="en-US" altLang="zh-CN" sz="2000" dirty="0" smtClean="0">
+                <a:latin typeface="Meiryo" panose="020B0604030504040204" pitchFamily="34" charset="-128"/>
+                <a:ea typeface="Meiryo" panose="020B0604030504040204" pitchFamily="34" charset="-128"/>
+                <a:cs typeface="Meiryo" panose="020B0604030504040204" pitchFamily="34" charset="-128"/>
+              </a:rPr>
+              <a:t>Subcortical </a:t>
+            </a:r>
+            <a:r>
+              <a:rPr lang="en-US" altLang="zh-CN" sz="2000" dirty="0">
+                <a:latin typeface="Meiryo" panose="020B0604030504040204" pitchFamily="34" charset="-128"/>
+                <a:ea typeface="Meiryo" panose="020B0604030504040204" pitchFamily="34" charset="-128"/>
+                <a:cs typeface="Meiryo" panose="020B0604030504040204" pitchFamily="34" charset="-128"/>
+              </a:rPr>
+              <a:t>FC </a:t>
+            </a:r>
+            <a:r>
+              <a:rPr lang="en-US" altLang="zh-CN" sz="2000" dirty="0" smtClean="0">
+                <a:latin typeface="Meiryo" panose="020B0604030504040204" pitchFamily="34" charset="-128"/>
+                <a:ea typeface="Meiryo" panose="020B0604030504040204" pitchFamily="34" charset="-128"/>
+                <a:cs typeface="Meiryo" panose="020B0604030504040204" pitchFamily="34" charset="-128"/>
+              </a:rPr>
+              <a:t>:</a:t>
+            </a:r>
+          </a:p>
+          <a:p>
+            <a:pPr>
+              <a:lnSpc>
+                <a:spcPct val="200000"/>
+              </a:lnSpc>
+            </a:pPr>
+            <a:r>
+              <a:rPr lang="en-US" altLang="zh-CN" sz="2000" dirty="0">
+                <a:latin typeface="Meiryo" panose="020B0604030504040204" pitchFamily="34" charset="-128"/>
+                <a:ea typeface="Meiryo" panose="020B0604030504040204" pitchFamily="34" charset="-128"/>
+                <a:cs typeface="Meiryo" panose="020B0604030504040204" pitchFamily="34" charset="-128"/>
+              </a:rPr>
+              <a:t>	</a:t>
+            </a:r>
+            <a:r>
+              <a:rPr lang="en-US" altLang="zh-CN" sz="2000" dirty="0" smtClean="0">
+                <a:latin typeface="Meiryo" panose="020B0604030504040204" pitchFamily="34" charset="-128"/>
+                <a:ea typeface="Meiryo" panose="020B0604030504040204" pitchFamily="34" charset="-128"/>
+                <a:cs typeface="Meiryo" panose="020B0604030504040204" pitchFamily="34" charset="-128"/>
+              </a:rPr>
+              <a:t>polysynaptic projections</a:t>
+            </a:r>
+            <a:endParaRPr lang="en-US" altLang="zh-CN" sz="2000" dirty="0">
+              <a:latin typeface="Meiryo" panose="020B0604030504040204" pitchFamily="34" charset="-128"/>
+              <a:ea typeface="Meiryo" panose="020B0604030504040204" pitchFamily="34" charset="-128"/>
+              <a:cs typeface="Meiryo" panose="020B0604030504040204" pitchFamily="34" charset="-128"/>
+            </a:endParaRPr>
+          </a:p>
+        </p:txBody>
+      </p:sp>
     </p:spTree>
     <p:extLst>
       <p:ext uri="{BB962C8B-B14F-4D97-AF65-F5344CB8AC3E}">
-        <p14:creationId xmlns:p14="http://schemas.microsoft.com/office/powerpoint/2010/main" val="1358480526"/>
+        <p14:creationId xmlns:p14="http://schemas.microsoft.com/office/powerpoint/2010/main" val="373767320"/>
       </p:ext>
     </p:extLst>
   </p:cSld>
@@ -6843,23 +7914,52 @@
           <a:chExt cx="0" cy="0"/>
         </a:xfrm>
       </p:grpSpPr>
-      <p:sp>
-        <p:nvSpPr>
-          <p:cNvPr id="29" name="矩形 28"/>
+      <p:pic>
+        <p:nvPicPr>
+          <p:cNvPr id="2" name="图片 1"/>
+          <p:cNvPicPr>
+            <a:picLocks noChangeAspect="1"/>
+          </p:cNvPicPr>
+          <p:nvPr/>
+        </p:nvPicPr>
+        <p:blipFill rotWithShape="1">
+          <a:blip r:embed="rId3" cstate="print">
+            <a:extLst>
+              <a:ext uri="{28A0092B-C50C-407E-A947-70E740481C1C}">
+                <a14:useLocalDpi xmlns:a14="http://schemas.microsoft.com/office/drawing/2010/main" val="0"/>
+              </a:ext>
+            </a:extLst>
+          </a:blip>
+          <a:srcRect t="19936" b="38073"/>
+          <a:stretch/>
+        </p:blipFill>
+        <p:spPr>
+          <a:xfrm>
+            <a:off x="0" y="-1"/>
+            <a:ext cx="12192000" cy="3390901"/>
+          </a:xfrm>
+          <a:prstGeom prst="rect">
+            <a:avLst/>
+          </a:prstGeom>
+        </p:spPr>
+      </p:pic>
+      <p:sp>
+        <p:nvSpPr>
+          <p:cNvPr id="8" name="矩形 7"/>
           <p:cNvSpPr/>
           <p:nvPr/>
         </p:nvSpPr>
         <p:spPr>
           <a:xfrm>
-            <a:off x="-1" y="-20383"/>
-            <a:ext cx="6260123" cy="6858000"/>
+            <a:off x="0" y="0"/>
+            <a:ext cx="12192000" cy="3390900"/>
           </a:xfrm>
           <a:prstGeom prst="rect">
             <a:avLst/>
           </a:prstGeom>
           <a:solidFill>
-            <a:schemeClr val="bg1">
-              <a:lumMod val="95000"/>
+            <a:schemeClr val="tx1">
+              <a:alpha val="64000"/>
             </a:schemeClr>
           </a:solidFill>
           <a:ln>
@@ -6893,14 +7993,114 @@
       </p:sp>
       <p:sp>
         <p:nvSpPr>
-          <p:cNvPr id="28" name="文本框 27"/>
+          <p:cNvPr id="4" name="文本框 3"/>
           <p:cNvSpPr txBox="1"/>
           <p:nvPr/>
         </p:nvSpPr>
         <p:spPr>
           <a:xfrm>
-            <a:off x="6714534" y="1064376"/>
-            <a:ext cx="4824171" cy="4524315"/>
+            <a:off x="1278672" y="725954"/>
+            <a:ext cx="10591221" cy="1938992"/>
+          </a:xfrm>
+          <a:prstGeom prst="rect">
+            <a:avLst/>
+          </a:prstGeom>
+          <a:noFill/>
+        </p:spPr>
+        <p:txBody>
+          <a:bodyPr wrap="square" rtlCol="0">
+            <a:spAutoFit/>
+          </a:bodyPr>
+          <a:lstStyle/>
+          <a:p>
+            <a:pPr algn="r"/>
+            <a:r>
+              <a:rPr lang="en-US" altLang="zh-CN" sz="6000" b="1" dirty="0" smtClean="0">
+                <a:solidFill>
+                  <a:srgbClr val="00ABB4"/>
+                </a:solidFill>
+                <a:latin typeface="微软雅黑" panose="020B0503020204020204" pitchFamily="34" charset="-122"/>
+                <a:ea typeface="微软雅黑" panose="020B0503020204020204" pitchFamily="34" charset="-122"/>
+              </a:rPr>
+              <a:t>Genetic </a:t>
+            </a:r>
+            <a:r>
+              <a:rPr lang="en-US" altLang="zh-CN" sz="6000" b="1" dirty="0">
+                <a:solidFill>
+                  <a:srgbClr val="00ABB4"/>
+                </a:solidFill>
+                <a:latin typeface="微软雅黑" panose="020B0503020204020204" pitchFamily="34" charset="-122"/>
+                <a:ea typeface="微软雅黑" panose="020B0503020204020204" pitchFamily="34" charset="-122"/>
+              </a:rPr>
+              <a:t>and strain effects on network </a:t>
+            </a:r>
+            <a:r>
+              <a:rPr lang="en-US" altLang="zh-CN" sz="6000" b="1" dirty="0" smtClean="0">
+                <a:solidFill>
+                  <a:srgbClr val="00ABB4"/>
+                </a:solidFill>
+                <a:latin typeface="微软雅黑" panose="020B0503020204020204" pitchFamily="34" charset="-122"/>
+                <a:ea typeface="微软雅黑" panose="020B0503020204020204" pitchFamily="34" charset="-122"/>
+              </a:rPr>
+              <a:t>changes</a:t>
+            </a:r>
+            <a:endParaRPr lang="zh-CN" altLang="en-US" sz="6000" b="1" dirty="0">
+              <a:solidFill>
+                <a:srgbClr val="00ABB4"/>
+              </a:solidFill>
+              <a:latin typeface="微软雅黑" panose="020B0503020204020204" pitchFamily="34" charset="-122"/>
+              <a:ea typeface="微软雅黑" panose="020B0503020204020204" pitchFamily="34" charset="-122"/>
+            </a:endParaRPr>
+          </a:p>
+        </p:txBody>
+      </p:sp>
+      <p:cxnSp>
+        <p:nvCxnSpPr>
+          <p:cNvPr id="18" name="直接连接符 17"/>
+          <p:cNvCxnSpPr/>
+          <p:nvPr/>
+        </p:nvCxnSpPr>
+        <p:spPr>
+          <a:xfrm>
+            <a:off x="4066747" y="3824441"/>
+            <a:ext cx="0" cy="2464837"/>
+          </a:xfrm>
+          <a:prstGeom prst="line">
+            <a:avLst/>
+          </a:prstGeom>
+          <a:ln>
+            <a:solidFill>
+              <a:schemeClr val="bg1">
+                <a:lumMod val="50000"/>
+              </a:schemeClr>
+            </a:solidFill>
+          </a:ln>
+        </p:spPr>
+        <p:style>
+          <a:lnRef idx="1">
+            <a:schemeClr val="accent1"/>
+          </a:lnRef>
+          <a:fillRef idx="0">
+            <a:schemeClr val="accent1"/>
+          </a:fillRef>
+          <a:effectRef idx="0">
+            <a:schemeClr val="accent1"/>
+          </a:effectRef>
+          <a:fontRef idx="minor">
+            <a:schemeClr val="tx1"/>
+          </a:fontRef>
+        </p:style>
+      </p:cxnSp>
+      <p:sp>
+        <p:nvSpPr>
+          <p:cNvPr id="19" name="文本框 18"/>
+          <p:cNvSpPr txBox="1"/>
+          <p:nvPr/>
+        </p:nvSpPr>
+        <p:spPr>
+          <a:xfrm>
+            <a:off x="4047615" y="3771721"/>
+            <a:ext cx="4173383" cy="2554545"/>
           </a:xfrm>
           <a:prstGeom prst="rect">
             <a:avLst/>
@@ -6921,15 +8121,16 @@
               <a:buChar char="•"/>
             </a:pPr>
             <a:r>
-              <a:rPr lang="en-US" altLang="zh-CN" sz="2400" b="1" dirty="0" smtClean="0">
-                <a:ea typeface="Roboto Cn" pitchFamily="2" charset="0"/>
-                <a:cs typeface="Arial" panose="020B0604020202020204" pitchFamily="34" charset="0"/>
-              </a:rPr>
-              <a:t>Design 2:</a:t>
-            </a:r>
-          </a:p>
-          <a:p>
-            <a:pPr marL="800100" lvl="1" indent="-342900">
+              <a:rPr lang="en-US" altLang="zh-CN" sz="2000" dirty="0" smtClean="0">
+                <a:latin typeface="Meiryo" panose="020B0604030504040204" pitchFamily="34" charset="-128"/>
+                <a:ea typeface="Meiryo" panose="020B0604030504040204" pitchFamily="34" charset="-128"/>
+                <a:cs typeface="Meiryo" panose="020B0604030504040204" pitchFamily="34" charset="-128"/>
+              </a:rPr>
+              <a:t>Specific gene</a:t>
+            </a:r>
+          </a:p>
+          <a:p>
+            <a:pPr marL="342900" indent="-342900">
               <a:lnSpc>
                 <a:spcPct val="200000"/>
               </a:lnSpc>
@@ -6937,22 +8138,24 @@
               <a:buChar char="•"/>
             </a:pPr>
             <a:r>
-              <a:rPr lang="en-US" altLang="zh-CN" sz="2400" b="1" dirty="0">
-                <a:ea typeface="Roboto Cn" pitchFamily="2" charset="0"/>
-                <a:cs typeface="Arial" panose="020B0604020202020204" pitchFamily="34" charset="0"/>
-              </a:rPr>
-              <a:t>Three </a:t>
-            </a:r>
-            <a:r>
-              <a:rPr lang="en-US" altLang="zh-CN" sz="2400" b="1" dirty="0" smtClean="0">
-                <a:ea typeface="Roboto Cn" pitchFamily="2" charset="0"/>
-                <a:cs typeface="Arial" panose="020B0604020202020204" pitchFamily="34" charset="0"/>
-              </a:rPr>
-              <a:t>groups:</a:t>
-            </a:r>
-          </a:p>
-          <a:p>
-            <a:pPr marL="1257300" lvl="2" indent="-342900">
+              <a:rPr lang="en-US" altLang="zh-CN" sz="2000" dirty="0" err="1" smtClean="0">
+                <a:latin typeface="Meiryo" panose="020B0604030504040204" pitchFamily="34" charset="-128"/>
+                <a:ea typeface="Meiryo" panose="020B0604030504040204" pitchFamily="34" charset="-128"/>
+                <a:cs typeface="Meiryo" panose="020B0604030504040204" pitchFamily="34" charset="-128"/>
+              </a:rPr>
+              <a:t>Connectome</a:t>
+            </a:r>
+            <a:r>
+              <a:rPr lang="en-US" altLang="zh-CN" sz="2000" dirty="0" smtClean="0">
+                <a:latin typeface="Meiryo" panose="020B0604030504040204" pitchFamily="34" charset="-128"/>
+                <a:ea typeface="Meiryo" panose="020B0604030504040204" pitchFamily="34" charset="-128"/>
+                <a:cs typeface="Meiryo" panose="020B0604030504040204" pitchFamily="34" charset="-128"/>
+              </a:rPr>
+              <a:t> </a:t>
+            </a:r>
+          </a:p>
+          <a:p>
+            <a:pPr marL="342900" indent="-342900">
               <a:lnSpc>
                 <a:spcPct val="200000"/>
               </a:lnSpc>
@@ -6960,15 +8163,59 @@
               <a:buChar char="•"/>
             </a:pPr>
             <a:r>
-              <a:rPr lang="en-US" altLang="zh-CN" sz="2400" b="1" dirty="0" smtClean="0">
-                <a:ea typeface="Roboto Cn" pitchFamily="2" charset="0"/>
-                <a:cs typeface="Arial" panose="020B0604020202020204" pitchFamily="34" charset="0"/>
-              </a:rPr>
-              <a:t>Saline</a:t>
-            </a:r>
-          </a:p>
-          <a:p>
-            <a:pPr marL="1257300" lvl="2" indent="-342900">
+              <a:rPr lang="en-US" altLang="zh-CN" sz="2000" dirty="0" smtClean="0">
+                <a:latin typeface="Meiryo" panose="020B0604030504040204" pitchFamily="34" charset="-128"/>
+                <a:ea typeface="Meiryo" panose="020B0604030504040204" pitchFamily="34" charset="-128"/>
+                <a:cs typeface="Meiryo" panose="020B0604030504040204" pitchFamily="34" charset="-128"/>
+              </a:rPr>
+              <a:t>Knock in/out</a:t>
+            </a:r>
+            <a:r>
+              <a:rPr lang="en-US" altLang="zh-CN" sz="2000" dirty="0">
+                <a:latin typeface="Meiryo" panose="020B0604030504040204" pitchFamily="34" charset="-128"/>
+                <a:ea typeface="Meiryo" panose="020B0604030504040204" pitchFamily="34" charset="-128"/>
+                <a:cs typeface="Meiryo" panose="020B0604030504040204" pitchFamily="34" charset="-128"/>
+              </a:rPr>
+              <a:t/>
+            </a:r>
+            <a:br>
+              <a:rPr lang="en-US" altLang="zh-CN" sz="2000" dirty="0">
+                <a:latin typeface="Meiryo" panose="020B0604030504040204" pitchFamily="34" charset="-128"/>
+                <a:ea typeface="Meiryo" panose="020B0604030504040204" pitchFamily="34" charset="-128"/>
+                <a:cs typeface="Meiryo" panose="020B0604030504040204" pitchFamily="34" charset="-128"/>
+              </a:rPr>
+            </a:br>
+            <a:endParaRPr lang="en-US" altLang="zh-CN" sz="2000" dirty="0">
+              <a:latin typeface="Meiryo" panose="020B0604030504040204" pitchFamily="34" charset="-128"/>
+              <a:ea typeface="Meiryo" panose="020B0604030504040204" pitchFamily="34" charset="-128"/>
+              <a:cs typeface="Meiryo" panose="020B0604030504040204" pitchFamily="34" charset="-128"/>
+            </a:endParaRPr>
+          </a:p>
+        </p:txBody>
+      </p:sp>
+      <p:sp>
+        <p:nvSpPr>
+          <p:cNvPr id="17" name="文本框 16"/>
+          <p:cNvSpPr txBox="1"/>
+          <p:nvPr/>
+        </p:nvSpPr>
+        <p:spPr>
+          <a:xfrm>
+            <a:off x="767741" y="3751991"/>
+            <a:ext cx="3279874" cy="2554545"/>
+          </a:xfrm>
+          <a:prstGeom prst="rect">
+            <a:avLst/>
+          </a:prstGeom>
+          <a:noFill/>
+        </p:spPr>
+        <p:txBody>
+          <a:bodyPr wrap="square" rtlCol="0">
+            <a:spAutoFit/>
+          </a:bodyPr>
+          <a:lstStyle/>
+          <a:p>
+            <a:pPr marL="342900" lvl="1" indent="-342900">
               <a:lnSpc>
                 <a:spcPct val="200000"/>
               </a:lnSpc>
@@ -6976,15 +8223,16 @@
               <a:buChar char="•"/>
             </a:pPr>
             <a:r>
-              <a:rPr lang="en-US" altLang="zh-CN" sz="2400" b="1" dirty="0" smtClean="0">
-                <a:ea typeface="Roboto Cn" pitchFamily="2" charset="0"/>
-                <a:cs typeface="Arial" panose="020B0604020202020204" pitchFamily="34" charset="0"/>
-              </a:rPr>
-              <a:t>Scopolamine</a:t>
-            </a:r>
-          </a:p>
-          <a:p>
-            <a:pPr marL="1257300" lvl="2" indent="-342900">
+              <a:rPr lang="en-US" altLang="zh-CN" sz="2000" dirty="0" smtClean="0">
+                <a:latin typeface="Meiryo" panose="020B0604030504040204" pitchFamily="34" charset="-128"/>
+                <a:ea typeface="Meiryo" panose="020B0604030504040204" pitchFamily="34" charset="-128"/>
+                <a:cs typeface="Meiryo" panose="020B0604030504040204" pitchFamily="34" charset="-128"/>
+              </a:rPr>
+              <a:t>Gene expression</a:t>
+            </a:r>
+          </a:p>
+          <a:p>
+            <a:pPr marL="342900" lvl="1" indent="-342900">
               <a:lnSpc>
                 <a:spcPct val="200000"/>
               </a:lnSpc>
@@ -6992,19 +8240,16 @@
               <a:buChar char="•"/>
             </a:pPr>
             <a:r>
-              <a:rPr lang="en-US" altLang="zh-CN" sz="2400" b="1" dirty="0" err="1" smtClean="0">
-                <a:ea typeface="Roboto Cn" pitchFamily="2" charset="0"/>
-                <a:cs typeface="Arial" panose="020B0604020202020204" pitchFamily="34" charset="0"/>
-              </a:rPr>
-              <a:t>Milameline</a:t>
-            </a:r>
-            <a:endParaRPr lang="en-US" altLang="zh-CN" sz="2400" b="1" dirty="0" smtClean="0">
-              <a:ea typeface="Roboto Cn" pitchFamily="2" charset="0"/>
-              <a:cs typeface="Arial" panose="020B0604020202020204" pitchFamily="34" charset="0"/>
-            </a:endParaRPr>
-          </a:p>
-          <a:p>
-            <a:pPr marL="800100" lvl="1" indent="-342900">
+              <a:rPr lang="en-US" altLang="zh-CN" sz="2000" dirty="0" smtClean="0">
+                <a:latin typeface="Meiryo" panose="020B0604030504040204" pitchFamily="34" charset="-128"/>
+                <a:ea typeface="Meiryo" panose="020B0604030504040204" pitchFamily="34" charset="-128"/>
+                <a:cs typeface="Meiryo" panose="020B0604030504040204" pitchFamily="34" charset="-128"/>
+              </a:rPr>
+              <a:t>Highly coupled</a:t>
+            </a:r>
+          </a:p>
+          <a:p>
+            <a:pPr marL="342900" lvl="1" indent="-342900">
               <a:lnSpc>
                 <a:spcPct val="200000"/>
               </a:lnSpc>
@@ -7012,41 +8257,81 @@
               <a:buChar char="•"/>
             </a:pPr>
             <a:r>
-              <a:rPr lang="en-US" altLang="zh-CN" sz="2400" b="1" dirty="0" smtClean="0">
-                <a:ea typeface="Roboto Cn" pitchFamily="2" charset="0"/>
-                <a:cs typeface="Arial" panose="020B0604020202020204" pitchFamily="34" charset="0"/>
-              </a:rPr>
-              <a:t>N = 8/group</a:t>
-            </a:r>
-            <a:endParaRPr lang="en-US" altLang="zh-CN" sz="2400" b="1" dirty="0">
-              <a:ea typeface="Roboto Cn" pitchFamily="2" charset="0"/>
-              <a:cs typeface="Arial" panose="020B0604020202020204" pitchFamily="34" charset="0"/>
+              <a:rPr lang="en-US" altLang="zh-CN" sz="2000" dirty="0" smtClean="0">
+                <a:latin typeface="Meiryo" panose="020B0604030504040204" pitchFamily="34" charset="-128"/>
+                <a:ea typeface="Meiryo" panose="020B0604030504040204" pitchFamily="34" charset="-128"/>
+                <a:cs typeface="Meiryo" panose="020B0604030504040204" pitchFamily="34" charset="-128"/>
+              </a:rPr>
+              <a:t>Molecular &amp; energetic demand</a:t>
+            </a:r>
+            <a:endParaRPr lang="en-US" altLang="zh-CN" sz="2000" dirty="0" smtClean="0">
+              <a:latin typeface="Meiryo" panose="020B0604030504040204" pitchFamily="34" charset="-128"/>
+              <a:ea typeface="Meiryo" panose="020B0604030504040204" pitchFamily="34" charset="-128"/>
+              <a:cs typeface="Meiryo" panose="020B0604030504040204" pitchFamily="34" charset="-128"/>
             </a:endParaRPr>
           </a:p>
         </p:txBody>
       </p:sp>
-      <p:sp>
-        <p:nvSpPr>
-          <p:cNvPr id="31" name="Rectangle 96"/>
-          <p:cNvSpPr/>
+      <p:cxnSp>
+        <p:nvCxnSpPr>
+          <p:cNvPr id="22" name="直接连接符 21"/>
+          <p:cNvCxnSpPr/>
           <p:nvPr/>
-        </p:nvSpPr>
-        <p:spPr>
-          <a:xfrm>
-            <a:off x="454411" y="852221"/>
-            <a:ext cx="5934288" cy="5262979"/>
+        </p:nvCxnSpPr>
+        <p:spPr>
+          <a:xfrm>
+            <a:off x="8220998" y="3820584"/>
+            <a:ext cx="0" cy="2464837"/>
+          </a:xfrm>
+          <a:prstGeom prst="line">
+            <a:avLst/>
+          </a:prstGeom>
+          <a:ln>
+            <a:solidFill>
+              <a:schemeClr val="bg1">
+                <a:lumMod val="50000"/>
+              </a:schemeClr>
+            </a:solidFill>
+          </a:ln>
+        </p:spPr>
+        <p:style>
+          <a:lnRef idx="1">
+            <a:schemeClr val="accent1"/>
+          </a:lnRef>
+          <a:fillRef idx="0">
+            <a:schemeClr val="accent1"/>
+          </a:fillRef>
+          <a:effectRef idx="0">
+            <a:schemeClr val="accent1"/>
+          </a:effectRef>
+          <a:fontRef idx="minor">
+            <a:schemeClr val="tx1"/>
+          </a:fontRef>
+        </p:style>
+      </p:cxnSp>
+      <p:sp>
+        <p:nvSpPr>
+          <p:cNvPr id="23" name="文本框 22"/>
+          <p:cNvSpPr txBox="1"/>
+          <p:nvPr/>
+        </p:nvSpPr>
+        <p:spPr>
+          <a:xfrm>
+            <a:off x="8240131" y="3751991"/>
+            <a:ext cx="4324753" cy="630942"/>
           </a:xfrm>
           <a:prstGeom prst="rect">
             <a:avLst/>
           </a:prstGeom>
-        </p:spPr>
-        <p:txBody>
-          <a:bodyPr wrap="square">
+          <a:noFill/>
+        </p:spPr>
+        <p:txBody>
+          <a:bodyPr wrap="square" rtlCol="0">
             <a:spAutoFit/>
           </a:bodyPr>
           <a:lstStyle/>
           <a:p>
-            <a:pPr marL="285750" indent="-285750">
+            <a:pPr marL="342900" indent="-342900">
               <a:lnSpc>
                 <a:spcPct val="200000"/>
               </a:lnSpc>
@@ -7054,199 +8339,12 @@
               <a:buChar char="•"/>
             </a:pPr>
             <a:r>
-              <a:rPr lang="en-US" sz="2400" b="1" dirty="0" smtClean="0">
-                <a:ea typeface="Roboto Cn" pitchFamily="2" charset="0"/>
-                <a:cs typeface="Arial" panose="020B0604020202020204" pitchFamily="34" charset="0"/>
-              </a:rPr>
-              <a:t>Design 1:</a:t>
-            </a:r>
-          </a:p>
-          <a:p>
-            <a:pPr marL="742950" lvl="1" indent="-285750">
-              <a:lnSpc>
-                <a:spcPct val="200000"/>
-              </a:lnSpc>
-              <a:buFont typeface="Arial" panose="020B0604020202020204" pitchFamily="34" charset="0"/>
-              <a:buChar char="•"/>
-            </a:pPr>
-            <a:r>
-              <a:rPr lang="en-US" sz="2400" b="1" dirty="0" smtClean="0">
-                <a:ea typeface="Roboto Cn" pitchFamily="2" charset="0"/>
-                <a:cs typeface="Arial" panose="020B0604020202020204" pitchFamily="34" charset="0"/>
-              </a:rPr>
-              <a:t>N = 12/group</a:t>
-            </a:r>
-          </a:p>
-          <a:p>
-            <a:pPr marL="742950" lvl="1" indent="-285750">
-              <a:lnSpc>
-                <a:spcPct val="200000"/>
-              </a:lnSpc>
-              <a:buFont typeface="Arial" panose="020B0604020202020204" pitchFamily="34" charset="0"/>
-              <a:buChar char="•"/>
-            </a:pPr>
-            <a:r>
-              <a:rPr lang="en-US" sz="2400" b="1" dirty="0" smtClean="0">
-                <a:ea typeface="Roboto Cn" pitchFamily="2" charset="0"/>
-                <a:cs typeface="Arial" panose="020B0604020202020204" pitchFamily="34" charset="0"/>
-              </a:rPr>
-              <a:t>Baseline : 15 min post-injection</a:t>
-            </a:r>
-          </a:p>
-          <a:p>
-            <a:pPr marL="742950" lvl="1" indent="-285750">
-              <a:lnSpc>
-                <a:spcPct val="200000"/>
-              </a:lnSpc>
-              <a:buFont typeface="Arial" panose="020B0604020202020204" pitchFamily="34" charset="0"/>
-              <a:buChar char="•"/>
-            </a:pPr>
-            <a:r>
-              <a:rPr lang="en-US" sz="2400" b="1" dirty="0" smtClean="0">
-                <a:ea typeface="Roboto Cn" pitchFamily="2" charset="0"/>
-                <a:cs typeface="Arial" panose="020B0604020202020204" pitchFamily="34" charset="0"/>
-              </a:rPr>
-              <a:t>Scopolamine administered</a:t>
-            </a:r>
-          </a:p>
-          <a:p>
-            <a:pPr marL="742950" lvl="1" indent="-285750">
-              <a:lnSpc>
-                <a:spcPct val="200000"/>
-              </a:lnSpc>
-              <a:buFont typeface="Arial" panose="020B0604020202020204" pitchFamily="34" charset="0"/>
-              <a:buChar char="•"/>
-            </a:pPr>
-            <a:r>
-              <a:rPr lang="en-US" sz="2400" b="1" dirty="0" smtClean="0">
-                <a:ea typeface="Roboto Cn" pitchFamily="2" charset="0"/>
-                <a:cs typeface="Arial" panose="020B0604020202020204" pitchFamily="34" charset="0"/>
-              </a:rPr>
-              <a:t>25 min later: </a:t>
-            </a:r>
-            <a:r>
-              <a:rPr lang="en-US" altLang="zh-CN" sz="2400" b="1" dirty="0" err="1">
-                <a:ea typeface="Roboto Cn" pitchFamily="2" charset="0"/>
-                <a:cs typeface="Arial" panose="020B0604020202020204" pitchFamily="34" charset="0"/>
-              </a:rPr>
-              <a:t>Ph</a:t>
-            </a:r>
-            <a:r>
-              <a:rPr lang="en-US" altLang="zh-CN" sz="2400" b="1" dirty="0">
-                <a:ea typeface="Roboto Cn" pitchFamily="2" charset="0"/>
-                <a:cs typeface="Arial" panose="020B0604020202020204" pitchFamily="34" charset="0"/>
-              </a:rPr>
-              <a:t> </a:t>
-            </a:r>
-            <a:r>
-              <a:rPr lang="en-US" altLang="zh-CN" sz="2400" b="1" dirty="0" err="1">
-                <a:ea typeface="Roboto Cn" pitchFamily="2" charset="0"/>
-                <a:cs typeface="Arial" panose="020B0604020202020204" pitchFamily="34" charset="0"/>
-              </a:rPr>
-              <a:t>rsfMRI</a:t>
-            </a:r>
-            <a:endParaRPr lang="en-US" sz="2400" b="1" dirty="0" smtClean="0">
-              <a:ea typeface="Roboto Cn" pitchFamily="2" charset="0"/>
-              <a:cs typeface="Arial" panose="020B0604020202020204" pitchFamily="34" charset="0"/>
-            </a:endParaRPr>
-          </a:p>
-          <a:p>
-            <a:pPr marL="742950" lvl="1" indent="-285750">
-              <a:lnSpc>
-                <a:spcPct val="200000"/>
-              </a:lnSpc>
-              <a:buFont typeface="Arial" panose="020B0604020202020204" pitchFamily="34" charset="0"/>
-              <a:buChar char="•"/>
-            </a:pPr>
-            <a:r>
-              <a:rPr lang="en-US" sz="2400" b="1" dirty="0" err="1" smtClean="0">
-                <a:ea typeface="Roboto Cn" pitchFamily="2" charset="0"/>
-                <a:cs typeface="Arial" panose="020B0604020202020204" pitchFamily="34" charset="0"/>
-              </a:rPr>
-              <a:t>Milameline</a:t>
-            </a:r>
-            <a:r>
-              <a:rPr lang="en-US" sz="2400" b="1" dirty="0" smtClean="0">
-                <a:ea typeface="Roboto Cn" pitchFamily="2" charset="0"/>
-                <a:cs typeface="Arial" panose="020B0604020202020204" pitchFamily="34" charset="0"/>
-              </a:rPr>
-              <a:t> administered</a:t>
-            </a:r>
-          </a:p>
-          <a:p>
-            <a:pPr marL="742950" lvl="1" indent="-285750">
-              <a:lnSpc>
-                <a:spcPct val="200000"/>
-              </a:lnSpc>
-              <a:buFont typeface="Arial" panose="020B0604020202020204" pitchFamily="34" charset="0"/>
-              <a:buChar char="•"/>
-            </a:pPr>
-            <a:r>
-              <a:rPr lang="en-US" sz="2400" b="1" dirty="0" smtClean="0">
-                <a:ea typeface="Roboto Cn" pitchFamily="2" charset="0"/>
-                <a:cs typeface="Arial" panose="020B0604020202020204" pitchFamily="34" charset="0"/>
-              </a:rPr>
-              <a:t>25 min later: </a:t>
-            </a:r>
-            <a:r>
-              <a:rPr lang="en-US" sz="2400" b="1" dirty="0" err="1" smtClean="0">
-                <a:ea typeface="Roboto Cn" pitchFamily="2" charset="0"/>
-                <a:cs typeface="Arial" panose="020B0604020202020204" pitchFamily="34" charset="0"/>
-              </a:rPr>
-              <a:t>Ph</a:t>
-            </a:r>
-            <a:r>
-              <a:rPr lang="en-US" sz="2400" b="1" dirty="0" smtClean="0">
-                <a:ea typeface="Roboto Cn" pitchFamily="2" charset="0"/>
-                <a:cs typeface="Arial" panose="020B0604020202020204" pitchFamily="34" charset="0"/>
-              </a:rPr>
-              <a:t> </a:t>
-            </a:r>
-            <a:r>
-              <a:rPr lang="en-US" sz="2400" b="1" dirty="0" err="1" smtClean="0">
-                <a:ea typeface="Roboto Cn" pitchFamily="2" charset="0"/>
-                <a:cs typeface="Arial" panose="020B0604020202020204" pitchFamily="34" charset="0"/>
-              </a:rPr>
-              <a:t>rsfMRI</a:t>
-            </a:r>
-            <a:endParaRPr lang="en-US" sz="2400" b="1" dirty="0" smtClean="0">
-              <a:ea typeface="Roboto Cn" pitchFamily="2" charset="0"/>
-              <a:cs typeface="Arial" panose="020B0604020202020204" pitchFamily="34" charset="0"/>
-            </a:endParaRPr>
-          </a:p>
-        </p:txBody>
-      </p:sp>
-      <p:sp>
-        <p:nvSpPr>
-          <p:cNvPr id="9" name="文本框 29"/>
-          <p:cNvSpPr txBox="1"/>
-          <p:nvPr/>
-        </p:nvSpPr>
-        <p:spPr>
-          <a:xfrm>
-            <a:off x="662539" y="294935"/>
-            <a:ext cx="6998650" cy="769441"/>
-          </a:xfrm>
-          <a:prstGeom prst="rect">
-            <a:avLst/>
-          </a:prstGeom>
-          <a:noFill/>
-        </p:spPr>
-        <p:txBody>
-          <a:bodyPr wrap="square" rtlCol="0">
-            <a:spAutoFit/>
-          </a:bodyPr>
-          <a:lstStyle/>
-          <a:p>
-            <a:r>
-              <a:rPr lang="en-US" altLang="zh-CN" sz="4400" b="1" dirty="0" smtClean="0">
-                <a:solidFill>
-                  <a:srgbClr val="00ABB4"/>
-                </a:solidFill>
-                <a:latin typeface="微软雅黑" panose="020B0503020204020204" pitchFamily="34" charset="-122"/>
-                <a:ea typeface="微软雅黑" panose="020B0503020204020204" pitchFamily="34" charset="-122"/>
-              </a:rPr>
-              <a:t>Ph rsfMRI</a:t>
+              <a:rPr lang="en-US" altLang="zh-CN" sz="2000" dirty="0" smtClean="0">
+                <a:latin typeface="Meiryo" panose="020B0604030504040204" pitchFamily="34" charset="-128"/>
+                <a:ea typeface="Meiryo" panose="020B0604030504040204" pitchFamily="34" charset="-128"/>
+                <a:cs typeface="Meiryo" panose="020B0604030504040204" pitchFamily="34" charset="-128"/>
+              </a:rPr>
+              <a:t>FC</a:t>
             </a:r>
           </a:p>
         </p:txBody>
@@ -7254,7 +8352,7 @@
     </p:spTree>
     <p:extLst>
       <p:ext uri="{BB962C8B-B14F-4D97-AF65-F5344CB8AC3E}">
-        <p14:creationId xmlns:p14="http://schemas.microsoft.com/office/powerpoint/2010/main" val="3963029718"/>
+        <p14:creationId xmlns:p14="http://schemas.microsoft.com/office/powerpoint/2010/main" val="1045054304"/>
       </p:ext>
     </p:extLst>
   </p:cSld>
@@ -7288,340 +8386,93 @@
           <a:chExt cx="0" cy="0"/>
         </a:xfrm>
       </p:grpSpPr>
-      <p:grpSp>
-        <p:nvGrpSpPr>
-          <p:cNvPr id="6" name="组合 5"/>
-          <p:cNvGrpSpPr/>
+      <p:pic>
+        <p:nvPicPr>
+          <p:cNvPr id="2" name="图片 1"/>
+          <p:cNvPicPr>
+            <a:picLocks noChangeAspect="1"/>
+          </p:cNvPicPr>
           <p:nvPr/>
-        </p:nvGrpSpPr>
-        <p:grpSpPr>
-          <a:xfrm>
-            <a:off x="665018" y="472916"/>
-            <a:ext cx="3571409" cy="3547152"/>
-            <a:chOff x="2639158" y="738554"/>
-            <a:chExt cx="3259015" cy="3259015"/>
-          </a:xfrm>
-        </p:grpSpPr>
-        <p:sp>
-          <p:nvSpPr>
-            <p:cNvPr id="2" name="椭圆 1"/>
-            <p:cNvSpPr/>
-            <p:nvPr/>
-          </p:nvSpPr>
-          <p:spPr>
-            <a:xfrm>
-              <a:off x="2835519" y="934915"/>
-              <a:ext cx="2866292" cy="2866292"/>
-            </a:xfrm>
-            <a:prstGeom prst="ellipse">
-              <a:avLst/>
-            </a:prstGeom>
-            <a:solidFill>
-              <a:srgbClr val="00ABB4"/>
-            </a:solidFill>
-            <a:ln>
-              <a:noFill/>
-            </a:ln>
-          </p:spPr>
-          <p:style>
-            <a:lnRef idx="2">
-              <a:schemeClr val="accent1">
-                <a:shade val="50000"/>
-              </a:schemeClr>
-            </a:lnRef>
-            <a:fillRef idx="1">
-              <a:schemeClr val="accent1"/>
-            </a:fillRef>
-            <a:effectRef idx="0">
-              <a:schemeClr val="accent1"/>
-            </a:effectRef>
-            <a:fontRef idx="minor">
-              <a:schemeClr val="lt1"/>
-            </a:fontRef>
-          </p:style>
-          <p:txBody>
-            <a:bodyPr rtlCol="0" anchor="ctr"/>
-            <a:lstStyle/>
-            <a:p>
-              <a:pPr algn="ctr"/>
-              <a:endParaRPr lang="zh-CN" altLang="en-US"/>
-            </a:p>
-          </p:txBody>
-        </p:sp>
-        <p:sp>
-          <p:nvSpPr>
-            <p:cNvPr id="5" name="椭圆 4"/>
-            <p:cNvSpPr/>
-            <p:nvPr/>
-          </p:nvSpPr>
-          <p:spPr>
-            <a:xfrm>
-              <a:off x="2639158" y="738554"/>
-              <a:ext cx="3259015" cy="3259015"/>
-            </a:xfrm>
-            <a:prstGeom prst="ellipse">
-              <a:avLst/>
-            </a:prstGeom>
+        </p:nvPicPr>
+        <p:blipFill rotWithShape="1">
+          <a:blip r:embed="rId3" cstate="print">
+            <a:extLst>
+              <a:ext uri="{28A0092B-C50C-407E-A947-70E740481C1C}">
+                <a14:useLocalDpi xmlns:a14="http://schemas.microsoft.com/office/drawing/2010/main" val="0"/>
+              </a:ext>
+            </a:extLst>
+          </a:blip>
+          <a:srcRect t="19936" b="38073"/>
+          <a:stretch/>
+        </p:blipFill>
+        <p:spPr>
+          <a:xfrm>
+            <a:off x="0" y="-1"/>
+            <a:ext cx="12192000" cy="3390901"/>
+          </a:xfrm>
+          <a:prstGeom prst="rect">
+            <a:avLst/>
+          </a:prstGeom>
+        </p:spPr>
+      </p:pic>
+      <p:sp>
+        <p:nvSpPr>
+          <p:cNvPr id="8" name="矩形 7"/>
+          <p:cNvSpPr/>
+          <p:nvPr/>
+        </p:nvSpPr>
+        <p:spPr>
+          <a:xfrm>
+            <a:off x="0" y="0"/>
+            <a:ext cx="12192000" cy="3390900"/>
+          </a:xfrm>
+          <a:prstGeom prst="rect">
+            <a:avLst/>
+          </a:prstGeom>
+          <a:solidFill>
+            <a:schemeClr val="tx1">
+              <a:alpha val="64000"/>
+            </a:schemeClr>
+          </a:solidFill>
+          <a:ln>
             <a:noFill/>
-            <a:ln>
-              <a:solidFill>
-                <a:srgbClr val="00ABB4"/>
-              </a:solidFill>
-              <a:prstDash val="dash"/>
-            </a:ln>
-          </p:spPr>
-          <p:style>
-            <a:lnRef idx="2">
-              <a:schemeClr val="accent1">
-                <a:shade val="50000"/>
-              </a:schemeClr>
-            </a:lnRef>
-            <a:fillRef idx="1">
-              <a:schemeClr val="accent1"/>
-            </a:fillRef>
-            <a:effectRef idx="0">
-              <a:schemeClr val="accent1"/>
-            </a:effectRef>
-            <a:fontRef idx="minor">
-              <a:schemeClr val="lt1"/>
-            </a:fontRef>
-          </p:style>
-          <p:txBody>
-            <a:bodyPr rtlCol="0" anchor="ctr"/>
-            <a:lstStyle/>
-            <a:p>
-              <a:pPr algn="ctr"/>
-              <a:endParaRPr lang="zh-CN" altLang="en-US"/>
-            </a:p>
-          </p:txBody>
-        </p:sp>
-      </p:grpSp>
-      <p:grpSp>
-        <p:nvGrpSpPr>
-          <p:cNvPr id="7" name="组合 6"/>
-          <p:cNvGrpSpPr/>
-          <p:nvPr/>
-        </p:nvGrpSpPr>
-        <p:grpSpPr>
-          <a:xfrm>
-            <a:off x="3673658" y="1880887"/>
-            <a:ext cx="5099952" cy="4766442"/>
-            <a:chOff x="2639158" y="738554"/>
-            <a:chExt cx="3259015" cy="3259015"/>
-          </a:xfrm>
-        </p:grpSpPr>
-        <p:sp>
-          <p:nvSpPr>
-            <p:cNvPr id="8" name="椭圆 7"/>
-            <p:cNvSpPr/>
-            <p:nvPr/>
-          </p:nvSpPr>
-          <p:spPr>
-            <a:xfrm>
-              <a:off x="2835519" y="934915"/>
-              <a:ext cx="2866292" cy="2866292"/>
-            </a:xfrm>
-            <a:prstGeom prst="ellipse">
-              <a:avLst/>
-            </a:prstGeom>
-            <a:solidFill>
-              <a:srgbClr val="00ABB4"/>
-            </a:solidFill>
-            <a:ln>
-              <a:noFill/>
-            </a:ln>
-          </p:spPr>
-          <p:style>
-            <a:lnRef idx="2">
-              <a:schemeClr val="accent1">
-                <a:shade val="50000"/>
-              </a:schemeClr>
-            </a:lnRef>
-            <a:fillRef idx="1">
-              <a:schemeClr val="accent1"/>
-            </a:fillRef>
-            <a:effectRef idx="0">
-              <a:schemeClr val="accent1"/>
-            </a:effectRef>
-            <a:fontRef idx="minor">
-              <a:schemeClr val="lt1"/>
-            </a:fontRef>
-          </p:style>
-          <p:txBody>
-            <a:bodyPr rtlCol="0" anchor="ctr"/>
-            <a:lstStyle/>
-            <a:p>
-              <a:pPr algn="ctr"/>
-              <a:endParaRPr lang="zh-CN" altLang="en-US"/>
-            </a:p>
-          </p:txBody>
-        </p:sp>
-        <p:sp>
-          <p:nvSpPr>
-            <p:cNvPr id="9" name="椭圆 8"/>
-            <p:cNvSpPr/>
-            <p:nvPr/>
-          </p:nvSpPr>
-          <p:spPr>
-            <a:xfrm>
-              <a:off x="2639158" y="738554"/>
-              <a:ext cx="3259015" cy="3259015"/>
-            </a:xfrm>
-            <a:prstGeom prst="ellipse">
-              <a:avLst/>
-            </a:prstGeom>
-            <a:noFill/>
-            <a:ln>
-              <a:solidFill>
-                <a:srgbClr val="00ABB4"/>
-              </a:solidFill>
-              <a:prstDash val="dash"/>
-            </a:ln>
-          </p:spPr>
-          <p:style>
-            <a:lnRef idx="2">
-              <a:schemeClr val="accent1">
-                <a:shade val="50000"/>
-              </a:schemeClr>
-            </a:lnRef>
-            <a:fillRef idx="1">
-              <a:schemeClr val="accent1"/>
-            </a:fillRef>
-            <a:effectRef idx="0">
-              <a:schemeClr val="accent1"/>
-            </a:effectRef>
-            <a:fontRef idx="minor">
-              <a:schemeClr val="lt1"/>
-            </a:fontRef>
-          </p:style>
-          <p:txBody>
-            <a:bodyPr rtlCol="0" anchor="ctr"/>
-            <a:lstStyle/>
-            <a:p>
-              <a:pPr algn="ctr"/>
-              <a:endParaRPr lang="zh-CN" altLang="en-US"/>
-            </a:p>
-          </p:txBody>
-        </p:sp>
-      </p:grpSp>
-      <p:grpSp>
-        <p:nvGrpSpPr>
-          <p:cNvPr id="10" name="组合 9"/>
-          <p:cNvGrpSpPr/>
-          <p:nvPr/>
-        </p:nvGrpSpPr>
-        <p:grpSpPr>
-          <a:xfrm>
-            <a:off x="8268307" y="-1805522"/>
-            <a:ext cx="6054666" cy="6054666"/>
-            <a:chOff x="2639158" y="738554"/>
-            <a:chExt cx="3259015" cy="3259015"/>
-          </a:xfrm>
-        </p:grpSpPr>
-        <p:sp>
-          <p:nvSpPr>
-            <p:cNvPr id="11" name="椭圆 10"/>
-            <p:cNvSpPr/>
-            <p:nvPr/>
-          </p:nvSpPr>
-          <p:spPr>
-            <a:xfrm>
-              <a:off x="2835519" y="934915"/>
-              <a:ext cx="2866292" cy="2866292"/>
-            </a:xfrm>
-            <a:prstGeom prst="ellipse">
-              <a:avLst/>
-            </a:prstGeom>
-            <a:solidFill>
-              <a:srgbClr val="00ABB4"/>
-            </a:solidFill>
-            <a:ln>
-              <a:noFill/>
-            </a:ln>
-          </p:spPr>
-          <p:style>
-            <a:lnRef idx="2">
-              <a:schemeClr val="accent1">
-                <a:shade val="50000"/>
-              </a:schemeClr>
-            </a:lnRef>
-            <a:fillRef idx="1">
-              <a:schemeClr val="accent1"/>
-            </a:fillRef>
-            <a:effectRef idx="0">
-              <a:schemeClr val="accent1"/>
-            </a:effectRef>
-            <a:fontRef idx="minor">
-              <a:schemeClr val="lt1"/>
-            </a:fontRef>
-          </p:style>
-          <p:txBody>
-            <a:bodyPr rtlCol="0" anchor="ctr"/>
-            <a:lstStyle/>
-            <a:p>
-              <a:pPr algn="ctr"/>
-              <a:endParaRPr lang="zh-CN" altLang="en-US" sz="1600"/>
-            </a:p>
-          </p:txBody>
-        </p:sp>
-        <p:sp>
-          <p:nvSpPr>
-            <p:cNvPr id="12" name="椭圆 11"/>
-            <p:cNvSpPr/>
-            <p:nvPr/>
-          </p:nvSpPr>
-          <p:spPr>
-            <a:xfrm>
-              <a:off x="2639158" y="738554"/>
-              <a:ext cx="3259015" cy="3259015"/>
-            </a:xfrm>
-            <a:prstGeom prst="ellipse">
-              <a:avLst/>
-            </a:prstGeom>
-            <a:noFill/>
-            <a:ln>
-              <a:solidFill>
-                <a:srgbClr val="00ABB4"/>
-              </a:solidFill>
-              <a:prstDash val="dash"/>
-            </a:ln>
-          </p:spPr>
-          <p:style>
-            <a:lnRef idx="2">
-              <a:schemeClr val="accent1">
-                <a:shade val="50000"/>
-              </a:schemeClr>
-            </a:lnRef>
-            <a:fillRef idx="1">
-              <a:schemeClr val="accent1"/>
-            </a:fillRef>
-            <a:effectRef idx="0">
-              <a:schemeClr val="accent1"/>
-            </a:effectRef>
-            <a:fontRef idx="minor">
-              <a:schemeClr val="lt1"/>
-            </a:fontRef>
-          </p:style>
-          <p:txBody>
-            <a:bodyPr rtlCol="0" anchor="ctr"/>
-            <a:lstStyle/>
-            <a:p>
-              <a:pPr algn="ctr"/>
-              <a:endParaRPr lang="zh-CN" altLang="en-US" sz="1600"/>
-            </a:p>
-          </p:txBody>
-        </p:sp>
-      </p:grpSp>
-      <p:sp>
-        <p:nvSpPr>
-          <p:cNvPr id="18" name="文本框 17"/>
+          </a:ln>
+        </p:spPr>
+        <p:style>
+          <a:lnRef idx="2">
+            <a:schemeClr val="accent1">
+              <a:shade val="50000"/>
+            </a:schemeClr>
+          </a:lnRef>
+          <a:fillRef idx="1">
+            <a:schemeClr val="accent1"/>
+          </a:fillRef>
+          <a:effectRef idx="0">
+            <a:schemeClr val="accent1"/>
+          </a:effectRef>
+          <a:fontRef idx="minor">
+            <a:schemeClr val="lt1"/>
+          </a:fontRef>
+        </p:style>
+        <p:txBody>
+          <a:bodyPr rtlCol="0" anchor="ctr"/>
+          <a:lstStyle/>
+          <a:p>
+            <a:pPr algn="ctr"/>
+            <a:endParaRPr lang="zh-CN" altLang="en-US"/>
+          </a:p>
+        </p:txBody>
+      </p:sp>
+      <p:sp>
+        <p:nvSpPr>
+          <p:cNvPr id="4" name="文本框 3"/>
           <p:cNvSpPr txBox="1"/>
           <p:nvPr/>
         </p:nvSpPr>
         <p:spPr>
           <a:xfrm>
-            <a:off x="8268306" y="300889"/>
-            <a:ext cx="4060575" cy="2400657"/>
+            <a:off x="1278672" y="725954"/>
+            <a:ext cx="10591221" cy="2862322"/>
           </a:xfrm>
           <a:prstGeom prst="rect">
             <a:avLst/>
@@ -7634,67 +8485,56 @@
           </a:bodyPr>
           <a:lstStyle/>
           <a:p>
-            <a:pPr marL="342900" indent="-342900">
-              <a:lnSpc>
-                <a:spcPct val="150000"/>
-              </a:lnSpc>
-              <a:buFont typeface="Arial" panose="020B0604020202020204" pitchFamily="34" charset="0"/>
-              <a:buChar char="•"/>
-            </a:pPr>
-            <a:r>
-              <a:rPr lang="en-US" altLang="zh-CN" sz="2000" b="1" dirty="0" smtClean="0">
-                <a:latin typeface="Meiryo" panose="020B0604030504040204" pitchFamily="34" charset="-128"/>
-                <a:ea typeface="Meiryo" panose="020B0604030504040204" pitchFamily="34" charset="-128"/>
-                <a:cs typeface="Meiryo" panose="020B0604030504040204" pitchFamily="34" charset="-128"/>
-              </a:rPr>
-              <a:t>Scopolamine can induce memory effects.</a:t>
-            </a:r>
-          </a:p>
-          <a:p>
-            <a:pPr marL="342900" indent="-342900">
-              <a:lnSpc>
-                <a:spcPct val="150000"/>
-              </a:lnSpc>
-              <a:buFont typeface="Arial" panose="020B0604020202020204" pitchFamily="34" charset="0"/>
-              <a:buChar char="•"/>
-            </a:pPr>
-            <a:r>
-              <a:rPr lang="en-US" altLang="zh-CN" sz="2000" b="1" dirty="0" smtClean="0">
-                <a:latin typeface="Meiryo" panose="020B0604030504040204" pitchFamily="34" charset="-128"/>
-                <a:ea typeface="Meiryo" panose="020B0604030504040204" pitchFamily="34" charset="-128"/>
-                <a:cs typeface="Meiryo" panose="020B0604030504040204" pitchFamily="34" charset="-128"/>
-              </a:rPr>
-              <a:t>Scopolamine-caused memory effects could be reversed with </a:t>
-            </a:r>
-            <a:r>
-              <a:rPr lang="en-US" altLang="zh-CN" sz="2000" b="1" dirty="0" err="1" smtClean="0">
-                <a:latin typeface="Meiryo" panose="020B0604030504040204" pitchFamily="34" charset="-128"/>
-                <a:ea typeface="Meiryo" panose="020B0604030504040204" pitchFamily="34" charset="-128"/>
-                <a:cs typeface="Meiryo" panose="020B0604030504040204" pitchFamily="34" charset="-128"/>
-              </a:rPr>
-              <a:t>milameline</a:t>
-            </a:r>
-            <a:r>
-              <a:rPr lang="en-US" altLang="zh-CN" sz="2000" b="1" dirty="0" smtClean="0">
-                <a:latin typeface="Meiryo" panose="020B0604030504040204" pitchFamily="34" charset="-128"/>
-                <a:ea typeface="Meiryo" panose="020B0604030504040204" pitchFamily="34" charset="-128"/>
-                <a:cs typeface="Meiryo" panose="020B0604030504040204" pitchFamily="34" charset="-128"/>
-              </a:rPr>
-              <a:t>.  </a:t>
-            </a:r>
+            <a:pPr algn="r"/>
+            <a:r>
+              <a:rPr lang="en-US" altLang="zh-CN" sz="6000" b="1" dirty="0" smtClean="0">
+                <a:solidFill>
+                  <a:srgbClr val="00ABB4"/>
+                </a:solidFill>
+                <a:latin typeface="微软雅黑" panose="020B0503020204020204" pitchFamily="34" charset="-122"/>
+                <a:ea typeface="微软雅黑" panose="020B0503020204020204" pitchFamily="34" charset="-122"/>
+              </a:rPr>
+              <a:t>Disease-dependent </a:t>
+            </a:r>
+            <a:r>
+              <a:rPr lang="en-US" altLang="zh-CN" sz="6000" b="1" dirty="0">
+                <a:solidFill>
+                  <a:srgbClr val="00ABB4"/>
+                </a:solidFill>
+                <a:latin typeface="微软雅黑" panose="020B0503020204020204" pitchFamily="34" charset="-122"/>
+                <a:ea typeface="微软雅黑" panose="020B0503020204020204" pitchFamily="34" charset="-122"/>
+              </a:rPr>
+              <a:t>network changes </a:t>
+            </a:r>
+            <a:br>
+              <a:rPr lang="en-US" altLang="zh-CN" sz="6000" b="1" dirty="0">
+                <a:solidFill>
+                  <a:srgbClr val="00ABB4"/>
+                </a:solidFill>
+                <a:latin typeface="微软雅黑" panose="020B0503020204020204" pitchFamily="34" charset="-122"/>
+                <a:ea typeface="微软雅黑" panose="020B0503020204020204" pitchFamily="34" charset="-122"/>
+              </a:rPr>
+            </a:br>
+            <a:endParaRPr lang="zh-CN" altLang="en-US" sz="6000" b="1" dirty="0">
+              <a:solidFill>
+                <a:srgbClr val="00ABB4"/>
+              </a:solidFill>
+              <a:latin typeface="微软雅黑" panose="020B0503020204020204" pitchFamily="34" charset="-122"/>
+              <a:ea typeface="微软雅黑" panose="020B0503020204020204" pitchFamily="34" charset="-122"/>
+            </a:endParaRPr>
           </a:p>
         </p:txBody>
       </p:sp>
       <p:cxnSp>
         <p:nvCxnSpPr>
-          <p:cNvPr id="30" name="直接连接符 29"/>
+          <p:cNvPr id="18" name="直接连接符 17"/>
           <p:cNvCxnSpPr/>
           <p:nvPr/>
         </p:nvCxnSpPr>
         <p:spPr>
           <a:xfrm>
-            <a:off x="8443732" y="5745079"/>
-            <a:ext cx="3360517" cy="0"/>
+            <a:off x="4066747" y="3824441"/>
+            <a:ext cx="0" cy="2464837"/>
           </a:xfrm>
           <a:prstGeom prst="line">
             <a:avLst/>
@@ -7702,7 +8542,7 @@
           <a:ln>
             <a:solidFill>
               <a:schemeClr val="bg1">
-                <a:lumMod val="85000"/>
+                <a:lumMod val="50000"/>
               </a:schemeClr>
             </a:solidFill>
           </a:ln>
@@ -7724,14 +8564,14 @@
       </p:cxnSp>
       <p:sp>
         <p:nvSpPr>
-          <p:cNvPr id="32" name="文本框 31"/>
+          <p:cNvPr id="19" name="文本框 18"/>
           <p:cNvSpPr txBox="1"/>
           <p:nvPr/>
         </p:nvSpPr>
         <p:spPr>
           <a:xfrm>
-            <a:off x="4156578" y="1897649"/>
-            <a:ext cx="4769505" cy="4708981"/>
+            <a:off x="4047615" y="3771721"/>
+            <a:ext cx="4173383" cy="2554545"/>
           </a:xfrm>
           <a:prstGeom prst="rect">
             <a:avLst/>
@@ -7744,94 +8584,170 @@
           </a:bodyPr>
           <a:lstStyle/>
           <a:p>
-            <a:pPr marL="342900" indent="-342900">
+            <a:pPr marL="800100" lvl="1" indent="-342900">
               <a:lnSpc>
-                <a:spcPct val="150000"/>
+                <a:spcPct val="200000"/>
               </a:lnSpc>
               <a:buFont typeface="Arial" panose="020B0604020202020204" pitchFamily="34" charset="0"/>
               <a:buChar char="•"/>
             </a:pPr>
             <a:r>
-              <a:rPr lang="en-US" altLang="zh-CN" sz="2000" b="1" dirty="0" smtClean="0">
+              <a:rPr lang="en-US" altLang="zh-CN" sz="2000" dirty="0" smtClean="0">
                 <a:latin typeface="Meiryo" panose="020B0604030504040204" pitchFamily="34" charset="-128"/>
                 <a:ea typeface="Meiryo" panose="020B0604030504040204" pitchFamily="34" charset="-128"/>
                 <a:cs typeface="Meiryo" panose="020B0604030504040204" pitchFamily="34" charset="-128"/>
               </a:rPr>
-              <a:t>Scopolamine can induce FC intensity decrease.</a:t>
-            </a:r>
-          </a:p>
-          <a:p>
-            <a:pPr marL="342900" indent="-342900">
+              <a:t>Stroke</a:t>
+            </a:r>
+          </a:p>
+          <a:p>
+            <a:pPr marL="800100" lvl="1" indent="-342900">
               <a:lnSpc>
-                <a:spcPct val="150000"/>
+                <a:spcPct val="200000"/>
               </a:lnSpc>
               <a:buFont typeface="Arial" panose="020B0604020202020204" pitchFamily="34" charset="0"/>
               <a:buChar char="•"/>
             </a:pPr>
             <a:r>
-              <a:rPr lang="en-US" altLang="zh-CN" sz="2000" b="1" dirty="0" err="1" smtClean="0">
+              <a:rPr lang="en-US" altLang="zh-CN" sz="2000" dirty="0" smtClean="0">
                 <a:latin typeface="Meiryo" panose="020B0604030504040204" pitchFamily="34" charset="-128"/>
                 <a:ea typeface="Meiryo" panose="020B0604030504040204" pitchFamily="34" charset="-128"/>
                 <a:cs typeface="Meiryo" panose="020B0604030504040204" pitchFamily="34" charset="-128"/>
               </a:rPr>
-              <a:t>Milameline</a:t>
-            </a:r>
-            <a:r>
-              <a:rPr lang="en-US" altLang="zh-CN" sz="2000" b="1" dirty="0" smtClean="0">
-                <a:latin typeface="Meiryo" panose="020B0604030504040204" pitchFamily="34" charset="-128"/>
-                <a:ea typeface="Meiryo" panose="020B0604030504040204" pitchFamily="34" charset="-128"/>
-                <a:cs typeface="Meiryo" panose="020B0604030504040204" pitchFamily="34" charset="-128"/>
-              </a:rPr>
-              <a:t> can induce FC intensity increase.</a:t>
-            </a:r>
-          </a:p>
-          <a:p>
-            <a:pPr marL="342900" indent="-342900">
+              <a:t>AD</a:t>
+            </a:r>
+          </a:p>
+          <a:p>
+            <a:pPr marL="800100" lvl="1" indent="-342900">
               <a:lnSpc>
-                <a:spcPct val="150000"/>
+                <a:spcPct val="200000"/>
               </a:lnSpc>
               <a:buFont typeface="Arial" panose="020B0604020202020204" pitchFamily="34" charset="0"/>
               <a:buChar char="•"/>
             </a:pPr>
             <a:r>
-              <a:rPr lang="en-US" altLang="zh-CN" sz="2000" b="1" dirty="0" smtClean="0">
+              <a:rPr lang="en-US" altLang="zh-CN" sz="2000" dirty="0" smtClean="0">
                 <a:latin typeface="Meiryo" panose="020B0604030504040204" pitchFamily="34" charset="-128"/>
                 <a:ea typeface="Meiryo" panose="020B0604030504040204" pitchFamily="34" charset="-128"/>
                 <a:cs typeface="Meiryo" panose="020B0604030504040204" pitchFamily="34" charset="-128"/>
               </a:rPr>
-              <a:t>Decrease in FC intensity caused by scopolamine is not effected by peripheral factors.</a:t>
-            </a:r>
-          </a:p>
-          <a:p>
-            <a:pPr marL="342900" indent="-342900">
+              <a:t>ASD</a:t>
+            </a:r>
+            <a:r>
+              <a:rPr lang="en-US" altLang="zh-CN" sz="2000" dirty="0">
+                <a:latin typeface="Meiryo" panose="020B0604030504040204" pitchFamily="34" charset="-128"/>
+                <a:ea typeface="Meiryo" panose="020B0604030504040204" pitchFamily="34" charset="-128"/>
+                <a:cs typeface="Meiryo" panose="020B0604030504040204" pitchFamily="34" charset="-128"/>
+              </a:rPr>
+              <a:t/>
+            </a:r>
+            <a:br>
+              <a:rPr lang="en-US" altLang="zh-CN" sz="2000" dirty="0">
+                <a:latin typeface="Meiryo" panose="020B0604030504040204" pitchFamily="34" charset="-128"/>
+                <a:ea typeface="Meiryo" panose="020B0604030504040204" pitchFamily="34" charset="-128"/>
+                <a:cs typeface="Meiryo" panose="020B0604030504040204" pitchFamily="34" charset="-128"/>
+              </a:rPr>
+            </a:br>
+            <a:endParaRPr lang="en-US" altLang="zh-CN" sz="2000" dirty="0">
+              <a:latin typeface="Meiryo" panose="020B0604030504040204" pitchFamily="34" charset="-128"/>
+              <a:ea typeface="Meiryo" panose="020B0604030504040204" pitchFamily="34" charset="-128"/>
+              <a:cs typeface="Meiryo" panose="020B0604030504040204" pitchFamily="34" charset="-128"/>
+            </a:endParaRPr>
+          </a:p>
+        </p:txBody>
+      </p:sp>
+      <p:sp>
+        <p:nvSpPr>
+          <p:cNvPr id="17" name="文本框 16"/>
+          <p:cNvSpPr txBox="1"/>
+          <p:nvPr/>
+        </p:nvSpPr>
+        <p:spPr>
+          <a:xfrm>
+            <a:off x="767741" y="3751991"/>
+            <a:ext cx="3279874" cy="1862048"/>
+          </a:xfrm>
+          <a:prstGeom prst="rect">
+            <a:avLst/>
+          </a:prstGeom>
+          <a:noFill/>
+        </p:spPr>
+        <p:txBody>
+          <a:bodyPr wrap="square" rtlCol="0">
+            <a:spAutoFit/>
+          </a:bodyPr>
+          <a:lstStyle/>
+          <a:p>
+            <a:pPr marL="342900" lvl="1" indent="-342900">
               <a:lnSpc>
-                <a:spcPct val="150000"/>
+                <a:spcPct val="200000"/>
               </a:lnSpc>
               <a:buFont typeface="Arial" panose="020B0604020202020204" pitchFamily="34" charset="0"/>
               <a:buChar char="•"/>
             </a:pPr>
             <a:r>
-              <a:rPr lang="en-US" altLang="zh-CN" sz="2000" b="1" dirty="0" smtClean="0">
+              <a:rPr lang="en-US" altLang="zh-CN" sz="2000" dirty="0" smtClean="0">
                 <a:latin typeface="Meiryo" panose="020B0604030504040204" pitchFamily="34" charset="-128"/>
                 <a:ea typeface="Meiryo" panose="020B0604030504040204" pitchFamily="34" charset="-128"/>
                 <a:cs typeface="Meiryo" panose="020B0604030504040204" pitchFamily="34" charset="-128"/>
               </a:rPr>
-              <a:t>Decrease caused by scopolamine is dose-dependent.</a:t>
-            </a:r>
-            <a:endParaRPr lang="zh-CN" altLang="en-US" sz="2000" b="1" dirty="0"/>
-          </a:p>
-        </p:txBody>
-      </p:sp>
-      <p:sp>
-        <p:nvSpPr>
-          <p:cNvPr id="20" name="文本框 19"/>
+              <a:t>Brain, spinal cord and peripheral nerve injury</a:t>
+            </a:r>
+            <a:endParaRPr lang="en-US" altLang="zh-CN" sz="2000" dirty="0" smtClean="0">
+              <a:latin typeface="Meiryo" panose="020B0604030504040204" pitchFamily="34" charset="-128"/>
+              <a:ea typeface="Meiryo" panose="020B0604030504040204" pitchFamily="34" charset="-128"/>
+              <a:cs typeface="Meiryo" panose="020B0604030504040204" pitchFamily="34" charset="-128"/>
+            </a:endParaRPr>
+          </a:p>
+        </p:txBody>
+      </p:sp>
+      <p:cxnSp>
+        <p:nvCxnSpPr>
+          <p:cNvPr id="22" name="直接连接符 21"/>
+          <p:cNvCxnSpPr/>
+          <p:nvPr/>
+        </p:nvCxnSpPr>
+        <p:spPr>
+          <a:xfrm>
+            <a:off x="8220998" y="3820584"/>
+            <a:ext cx="0" cy="2464837"/>
+          </a:xfrm>
+          <a:prstGeom prst="line">
+            <a:avLst/>
+          </a:prstGeom>
+          <a:ln>
+            <a:solidFill>
+              <a:schemeClr val="bg1">
+                <a:lumMod val="50000"/>
+              </a:schemeClr>
+            </a:solidFill>
+          </a:ln>
+        </p:spPr>
+        <p:style>
+          <a:lnRef idx="1">
+            <a:schemeClr val="accent1"/>
+          </a:lnRef>
+          <a:fillRef idx="0">
+            <a:schemeClr val="accent1"/>
+          </a:fillRef>
+          <a:effectRef idx="0">
+            <a:schemeClr val="accent1"/>
+          </a:effectRef>
+          <a:fontRef idx="minor">
+            <a:schemeClr val="tx1"/>
+          </a:fontRef>
+        </p:style>
+      </p:cxnSp>
+      <p:sp>
+        <p:nvSpPr>
+          <p:cNvPr id="23" name="文本框 22"/>
           <p:cNvSpPr txBox="1"/>
           <p:nvPr/>
         </p:nvSpPr>
         <p:spPr>
           <a:xfrm>
-            <a:off x="613246" y="1544823"/>
-            <a:ext cx="4487932" cy="977191"/>
+            <a:off x="8240131" y="3751991"/>
+            <a:ext cx="4324753" cy="1323439"/>
           </a:xfrm>
           <a:prstGeom prst="rect">
             <a:avLst/>
@@ -7846,78 +8762,43 @@
           <a:p>
             <a:pPr marL="342900" indent="-342900">
               <a:lnSpc>
-                <a:spcPct val="150000"/>
+                <a:spcPct val="200000"/>
               </a:lnSpc>
               <a:buFont typeface="Arial" panose="020B0604020202020204" pitchFamily="34" charset="0"/>
               <a:buChar char="•"/>
             </a:pPr>
             <a:r>
-              <a:rPr lang="en-US" altLang="zh-CN" sz="2000" b="1" dirty="0" smtClean="0">
+              <a:rPr lang="en-US" altLang="zh-CN" sz="2000" dirty="0" smtClean="0">
                 <a:latin typeface="Meiryo" panose="020B0604030504040204" pitchFamily="34" charset="-128"/>
                 <a:ea typeface="Meiryo" panose="020B0604030504040204" pitchFamily="34" charset="-128"/>
                 <a:cs typeface="Meiryo" panose="020B0604030504040204" pitchFamily="34" charset="-128"/>
               </a:rPr>
-              <a:t>Identify scopolamine-affected regions</a:t>
-            </a:r>
-          </a:p>
-        </p:txBody>
-      </p:sp>
-      <p:sp>
-        <p:nvSpPr>
-          <p:cNvPr id="21" name="文本框 20"/>
-          <p:cNvSpPr txBox="1"/>
-          <p:nvPr/>
-        </p:nvSpPr>
-        <p:spPr>
-          <a:xfrm>
-            <a:off x="9101723" y="5118114"/>
-            <a:ext cx="2841868" cy="1015663"/>
-          </a:xfrm>
-          <a:prstGeom prst="rect">
-            <a:avLst/>
-          </a:prstGeom>
-          <a:noFill/>
-        </p:spPr>
-        <p:txBody>
-          <a:bodyPr wrap="none" rtlCol="0">
-            <a:spAutoFit/>
-          </a:bodyPr>
-          <a:lstStyle/>
-          <a:p>
-            <a:r>
-              <a:rPr lang="en-US" altLang="zh-CN" sz="6000" b="1" dirty="0">
-                <a:solidFill>
-                  <a:srgbClr val="00ABB4"/>
-                </a:solidFill>
-                <a:latin typeface="微软雅黑" panose="020B0503020204020204" pitchFamily="34" charset="-122"/>
-                <a:ea typeface="微软雅黑" panose="020B0503020204020204" pitchFamily="34" charset="-122"/>
-              </a:rPr>
-              <a:t> </a:t>
-            </a:r>
-            <a:r>
-              <a:rPr lang="en-US" altLang="zh-CN" sz="6000" b="1" dirty="0" smtClean="0">
-                <a:solidFill>
-                  <a:srgbClr val="00ABB4"/>
-                </a:solidFill>
-                <a:latin typeface="微软雅黑" panose="020B0503020204020204" pitchFamily="34" charset="-122"/>
-                <a:ea typeface="微软雅黑" panose="020B0503020204020204" pitchFamily="34" charset="-122"/>
-              </a:rPr>
-              <a:t>Topics</a:t>
-            </a:r>
-            <a:endParaRPr lang="zh-CN" altLang="en-US" sz="6000" dirty="0">
-              <a:solidFill>
-                <a:srgbClr val="00ABB4"/>
-              </a:solidFill>
-              <a:latin typeface="微软雅黑" panose="020B0503020204020204" pitchFamily="34" charset="-122"/>
-              <a:ea typeface="微软雅黑" panose="020B0503020204020204" pitchFamily="34" charset="-122"/>
-            </a:endParaRPr>
+              <a:t>Stress and depression</a:t>
+            </a:r>
+          </a:p>
+          <a:p>
+            <a:pPr marL="342900" indent="-342900">
+              <a:lnSpc>
+                <a:spcPct val="200000"/>
+              </a:lnSpc>
+              <a:buFont typeface="Arial" panose="020B0604020202020204" pitchFamily="34" charset="0"/>
+              <a:buChar char="•"/>
+            </a:pPr>
+            <a:r>
+              <a:rPr lang="en-US" altLang="zh-CN" sz="2000" dirty="0" smtClean="0">
+                <a:latin typeface="Meiryo" panose="020B0604030504040204" pitchFamily="34" charset="-128"/>
+                <a:ea typeface="Meiryo" panose="020B0604030504040204" pitchFamily="34" charset="-128"/>
+                <a:cs typeface="Meiryo" panose="020B0604030504040204" pitchFamily="34" charset="-128"/>
+              </a:rPr>
+              <a:t>Schizophrenia</a:t>
+            </a:r>
           </a:p>
         </p:txBody>
       </p:sp>
     </p:spTree>
     <p:extLst>
       <p:ext uri="{BB962C8B-B14F-4D97-AF65-F5344CB8AC3E}">
-        <p14:creationId xmlns:p14="http://schemas.microsoft.com/office/powerpoint/2010/main" val="412696420"/>
+        <p14:creationId xmlns:p14="http://schemas.microsoft.com/office/powerpoint/2010/main" val="2053028724"/>
       </p:ext>
     </p:extLst>
   </p:cSld>
@@ -7951,23 +8832,52 @@
           <a:chExt cx="0" cy="0"/>
         </a:xfrm>
       </p:grpSpPr>
-      <p:sp>
-        <p:nvSpPr>
-          <p:cNvPr id="29" name="矩形 28"/>
+      <p:pic>
+        <p:nvPicPr>
+          <p:cNvPr id="2" name="图片 1"/>
+          <p:cNvPicPr>
+            <a:picLocks noChangeAspect="1"/>
+          </p:cNvPicPr>
+          <p:nvPr/>
+        </p:nvPicPr>
+        <p:blipFill rotWithShape="1">
+          <a:blip r:embed="rId3" cstate="print">
+            <a:extLst>
+              <a:ext uri="{28A0092B-C50C-407E-A947-70E740481C1C}">
+                <a14:useLocalDpi xmlns:a14="http://schemas.microsoft.com/office/drawing/2010/main" val="0"/>
+              </a:ext>
+            </a:extLst>
+          </a:blip>
+          <a:srcRect t="19936" b="38073"/>
+          <a:stretch/>
+        </p:blipFill>
+        <p:spPr>
+          <a:xfrm>
+            <a:off x="0" y="-1"/>
+            <a:ext cx="12192000" cy="3390901"/>
+          </a:xfrm>
+          <a:prstGeom prst="rect">
+            <a:avLst/>
+          </a:prstGeom>
+        </p:spPr>
+      </p:pic>
+      <p:sp>
+        <p:nvSpPr>
+          <p:cNvPr id="8" name="矩形 7"/>
           <p:cNvSpPr/>
           <p:nvPr/>
         </p:nvSpPr>
         <p:spPr>
           <a:xfrm>
-            <a:off x="-1" y="-20383"/>
-            <a:ext cx="6260123" cy="6858000"/>
+            <a:off x="0" y="0"/>
+            <a:ext cx="12192000" cy="3390900"/>
           </a:xfrm>
           <a:prstGeom prst="rect">
             <a:avLst/>
           </a:prstGeom>
           <a:solidFill>
-            <a:schemeClr val="bg1">
-              <a:lumMod val="95000"/>
+            <a:schemeClr val="tx1">
+              <a:alpha val="64000"/>
             </a:schemeClr>
           </a:solidFill>
           <a:ln>
@@ -8001,14 +8911,14 @@
       </p:sp>
       <p:sp>
         <p:nvSpPr>
-          <p:cNvPr id="30" name="文本框 29"/>
+          <p:cNvPr id="4" name="文本框 3"/>
           <p:cNvSpPr txBox="1"/>
           <p:nvPr/>
         </p:nvSpPr>
         <p:spPr>
           <a:xfrm>
-            <a:off x="521932" y="385967"/>
-            <a:ext cx="3742307" cy="646331"/>
+            <a:off x="1278671" y="500248"/>
+            <a:ext cx="10591221" cy="2862322"/>
           </a:xfrm>
           <a:prstGeom prst="rect">
             <a:avLst/>
@@ -8016,23 +8926,43 @@
           <a:noFill/>
         </p:spPr>
         <p:txBody>
-          <a:bodyPr wrap="none" rtlCol="0">
+          <a:bodyPr wrap="square" rtlCol="0">
             <a:spAutoFit/>
           </a:bodyPr>
           <a:lstStyle/>
           <a:p>
             <a:pPr algn="r"/>
             <a:r>
-              <a:rPr lang="en-US" altLang="zh-CN" sz="3600" b="1" dirty="0" smtClean="0">
+              <a:rPr lang="en-US" altLang="zh-CN" sz="6000" b="1" dirty="0" smtClean="0">
                 <a:solidFill>
                   <a:srgbClr val="00ABB4"/>
                 </a:solidFill>
                 <a:latin typeface="微软雅黑" panose="020B0503020204020204" pitchFamily="34" charset="-122"/>
                 <a:ea typeface="微软雅黑" panose="020B0503020204020204" pitchFamily="34" charset="-122"/>
               </a:rPr>
-              <a:t>Supplementary</a:t>
-            </a:r>
-            <a:endParaRPr lang="en-US" altLang="zh-CN" sz="3600" b="1" dirty="0">
+              <a:t>Physiological considerations </a:t>
+            </a:r>
+            <a:r>
+              <a:rPr lang="en-US" altLang="zh-CN" sz="6000" b="1" dirty="0">
+                <a:solidFill>
+                  <a:srgbClr val="00ABB4"/>
+                </a:solidFill>
+                <a:latin typeface="微软雅黑" panose="020B0503020204020204" pitchFamily="34" charset="-122"/>
+                <a:ea typeface="微软雅黑" panose="020B0503020204020204" pitchFamily="34" charset="-122"/>
+              </a:rPr>
+              <a:t>during </a:t>
+            </a:r>
+            <a:r>
+              <a:rPr lang="en-US" altLang="zh-CN" sz="6000" b="1" dirty="0" smtClean="0">
+                <a:solidFill>
+                  <a:srgbClr val="00ABB4"/>
+                </a:solidFill>
+                <a:latin typeface="微软雅黑" panose="020B0503020204020204" pitchFamily="34" charset="-122"/>
+                <a:ea typeface="微软雅黑" panose="020B0503020204020204" pitchFamily="34" charset="-122"/>
+              </a:rPr>
+              <a:t>experiments</a:t>
+            </a:r>
+            <a:endParaRPr lang="zh-CN" altLang="en-US" sz="6000" b="1" dirty="0">
               <a:solidFill>
                 <a:srgbClr val="00ABB4"/>
               </a:solidFill>
@@ -8042,28 +8972,66 @@
           </a:p>
         </p:txBody>
       </p:sp>
-      <p:sp>
-        <p:nvSpPr>
-          <p:cNvPr id="31" name="Rectangle 96"/>
-          <p:cNvSpPr/>
+      <p:cxnSp>
+        <p:nvCxnSpPr>
+          <p:cNvPr id="18" name="直接连接符 17"/>
+          <p:cNvCxnSpPr/>
           <p:nvPr/>
-        </p:nvSpPr>
-        <p:spPr>
-          <a:xfrm>
-            <a:off x="412644" y="1258450"/>
-            <a:ext cx="5934288" cy="3785652"/>
+        </p:nvCxnSpPr>
+        <p:spPr>
+          <a:xfrm>
+            <a:off x="5849261" y="3834390"/>
+            <a:ext cx="0" cy="2464837"/>
+          </a:xfrm>
+          <a:prstGeom prst="line">
+            <a:avLst/>
+          </a:prstGeom>
+          <a:ln>
+            <a:solidFill>
+              <a:schemeClr val="bg1">
+                <a:lumMod val="50000"/>
+              </a:schemeClr>
+            </a:solidFill>
+          </a:ln>
+        </p:spPr>
+        <p:style>
+          <a:lnRef idx="1">
+            <a:schemeClr val="accent1"/>
+          </a:lnRef>
+          <a:fillRef idx="0">
+            <a:schemeClr val="accent1"/>
+          </a:fillRef>
+          <a:effectRef idx="0">
+            <a:schemeClr val="accent1"/>
+          </a:effectRef>
+          <a:fontRef idx="minor">
+            <a:schemeClr val="tx1"/>
+          </a:fontRef>
+        </p:style>
+      </p:cxnSp>
+      <p:sp>
+        <p:nvSpPr>
+          <p:cNvPr id="19" name="文本框 18"/>
+          <p:cNvSpPr txBox="1"/>
+          <p:nvPr/>
+        </p:nvSpPr>
+        <p:spPr>
+          <a:xfrm>
+            <a:off x="5830129" y="3781670"/>
+            <a:ext cx="4173383" cy="2554545"/>
           </a:xfrm>
           <a:prstGeom prst="rect">
             <a:avLst/>
           </a:prstGeom>
-        </p:spPr>
-        <p:txBody>
-          <a:bodyPr wrap="square">
+          <a:noFill/>
+        </p:spPr>
+        <p:txBody>
+          <a:bodyPr wrap="square" rtlCol="0">
             <a:spAutoFit/>
           </a:bodyPr>
           <a:lstStyle/>
           <a:p>
-            <a:pPr marL="285750" indent="-285750">
+            <a:pPr marL="800100" lvl="1" indent="-342900">
               <a:lnSpc>
                 <a:spcPct val="200000"/>
               </a:lnSpc>
@@ -8071,15 +9039,16 @@
               <a:buChar char="•"/>
             </a:pPr>
             <a:r>
-              <a:rPr lang="en-US" sz="2400" b="1" dirty="0" smtClean="0">
-                <a:ea typeface="Roboto Cn" pitchFamily="2" charset="0"/>
-                <a:cs typeface="Arial" panose="020B0604020202020204" pitchFamily="34" charset="0"/>
-              </a:rPr>
-              <a:t>Doses chosen </a:t>
-            </a:r>
-          </a:p>
-          <a:p>
-            <a:pPr marL="285750" indent="-285750">
+              <a:rPr lang="en-US" altLang="zh-CN" sz="2000" dirty="0" smtClean="0">
+                <a:latin typeface="Meiryo" panose="020B0604030504040204" pitchFamily="34" charset="-128"/>
+                <a:ea typeface="Meiryo" panose="020B0604030504040204" pitchFamily="34" charset="-128"/>
+                <a:cs typeface="Meiryo" panose="020B0604030504040204" pitchFamily="34" charset="-128"/>
+              </a:rPr>
+              <a:t>Baseline difference in:</a:t>
+            </a:r>
+          </a:p>
+          <a:p>
+            <a:pPr marL="1257300" lvl="2" indent="-342900">
               <a:lnSpc>
                 <a:spcPct val="200000"/>
               </a:lnSpc>
@@ -8087,43 +9056,16 @@
               <a:buChar char="•"/>
             </a:pPr>
             <a:r>
-              <a:rPr lang="en-US" altLang="zh-CN" sz="2400" b="1" dirty="0" smtClean="0">
-                <a:ea typeface="Roboto Cn" pitchFamily="2" charset="0"/>
-                <a:cs typeface="Arial" panose="020B0604020202020204" pitchFamily="34" charset="0"/>
-              </a:rPr>
-              <a:t>Intensity </a:t>
-            </a:r>
-            <a:r>
-              <a:rPr lang="en-US" altLang="zh-CN" sz="2400" b="1" dirty="0">
-                <a:ea typeface="Roboto Cn" pitchFamily="2" charset="0"/>
-                <a:cs typeface="Arial" panose="020B0604020202020204" pitchFamily="34" charset="0"/>
-              </a:rPr>
-              <a:t>changes </a:t>
-            </a:r>
-            <a:r>
-              <a:rPr lang="en-US" altLang="zh-CN" sz="2400" b="1" dirty="0" smtClean="0">
-                <a:ea typeface="Roboto Cn" pitchFamily="2" charset="0"/>
-                <a:cs typeface="Arial" panose="020B0604020202020204" pitchFamily="34" charset="0"/>
-              </a:rPr>
-              <a:t>observed partly </a:t>
-            </a:r>
-            <a:r>
-              <a:rPr lang="en-US" altLang="zh-CN" sz="2400" b="1" dirty="0">
-                <a:ea typeface="Roboto Cn" pitchFamily="2" charset="0"/>
-                <a:cs typeface="Arial" panose="020B0604020202020204" pitchFamily="34" charset="0"/>
-              </a:rPr>
-              <a:t>in the </a:t>
-            </a:r>
-            <a:r>
-              <a:rPr lang="en-US" altLang="zh-CN" sz="2400" b="1" dirty="0" smtClean="0">
-                <a:ea typeface="Roboto Cn" pitchFamily="2" charset="0"/>
-                <a:cs typeface="Arial" panose="020B0604020202020204" pitchFamily="34" charset="0"/>
-              </a:rPr>
-              <a:t>thalamus</a:t>
-            </a:r>
-          </a:p>
-          <a:p>
-            <a:pPr marL="285750" indent="-285750">
+              <a:rPr lang="en-US" altLang="zh-CN" sz="2000" dirty="0" smtClean="0">
+                <a:latin typeface="Meiryo" panose="020B0604030504040204" pitchFamily="34" charset="-128"/>
+                <a:ea typeface="Meiryo" panose="020B0604030504040204" pitchFamily="34" charset="-128"/>
+                <a:cs typeface="Meiryo" panose="020B0604030504040204" pitchFamily="34" charset="-128"/>
+              </a:rPr>
+              <a:t>CO2, O2</a:t>
+            </a:r>
+          </a:p>
+          <a:p>
+            <a:pPr marL="1257300" lvl="2" indent="-342900">
               <a:lnSpc>
                 <a:spcPct val="200000"/>
               </a:lnSpc>
@@ -8131,15 +9073,16 @@
               <a:buChar char="•"/>
             </a:pPr>
             <a:r>
-              <a:rPr lang="en-US" sz="2400" b="1" dirty="0" smtClean="0">
-                <a:ea typeface="Roboto Cn" pitchFamily="2" charset="0"/>
-                <a:cs typeface="Arial" panose="020B0604020202020204" pitchFamily="34" charset="0"/>
-              </a:rPr>
-              <a:t>Intensity differences ,not extensive</a:t>
-            </a:r>
-          </a:p>
-          <a:p>
-            <a:pPr marL="285750" indent="-285750">
+              <a:rPr lang="en-US" altLang="zh-CN" sz="2000" dirty="0" smtClean="0">
+                <a:latin typeface="Meiryo" panose="020B0604030504040204" pitchFamily="34" charset="-128"/>
+                <a:ea typeface="Meiryo" panose="020B0604030504040204" pitchFamily="34" charset="-128"/>
+                <a:cs typeface="Meiryo" panose="020B0604030504040204" pitchFamily="34" charset="-128"/>
+              </a:rPr>
+              <a:t>Blood pressure</a:t>
+            </a:r>
+          </a:p>
+          <a:p>
+            <a:pPr marL="1257300" lvl="2" indent="-342900">
               <a:lnSpc>
                 <a:spcPct val="200000"/>
               </a:lnSpc>
@@ -8147,37 +9090,44 @@
               <a:buChar char="•"/>
             </a:pPr>
             <a:r>
-              <a:rPr lang="en-US" sz="2400" b="1" dirty="0" smtClean="0">
-                <a:ea typeface="Roboto Cn" pitchFamily="2" charset="0"/>
-                <a:cs typeface="Arial" panose="020B0604020202020204" pitchFamily="34" charset="0"/>
-              </a:rPr>
-              <a:t>VTA/SN, no intensity difference</a:t>
-            </a:r>
-          </a:p>
-        </p:txBody>
-      </p:sp>
-      <p:sp>
-        <p:nvSpPr>
-          <p:cNvPr id="9" name="Rectangle 96"/>
-          <p:cNvSpPr/>
+              <a:rPr lang="en-US" altLang="zh-CN" sz="2000" dirty="0" smtClean="0">
+                <a:latin typeface="Meiryo" panose="020B0604030504040204" pitchFamily="34" charset="-128"/>
+                <a:ea typeface="Meiryo" panose="020B0604030504040204" pitchFamily="34" charset="-128"/>
+                <a:cs typeface="Meiryo" panose="020B0604030504040204" pitchFamily="34" charset="-128"/>
+              </a:rPr>
+              <a:t>CBF</a:t>
+            </a:r>
+            <a:endParaRPr lang="en-US" altLang="zh-CN" sz="2000" dirty="0">
+              <a:latin typeface="Meiryo" panose="020B0604030504040204" pitchFamily="34" charset="-128"/>
+              <a:ea typeface="Meiryo" panose="020B0604030504040204" pitchFamily="34" charset="-128"/>
+              <a:cs typeface="Meiryo" panose="020B0604030504040204" pitchFamily="34" charset="-128"/>
+            </a:endParaRPr>
+          </a:p>
+        </p:txBody>
+      </p:sp>
+      <p:sp>
+        <p:nvSpPr>
+          <p:cNvPr id="17" name="文本框 16"/>
+          <p:cNvSpPr txBox="1"/>
           <p:nvPr/>
         </p:nvSpPr>
         <p:spPr>
           <a:xfrm>
-            <a:off x="6346932" y="1258450"/>
-            <a:ext cx="5934288" cy="3785652"/>
+            <a:off x="2550255" y="3761940"/>
+            <a:ext cx="3279874" cy="1938992"/>
           </a:xfrm>
           <a:prstGeom prst="rect">
             <a:avLst/>
           </a:prstGeom>
-        </p:spPr>
-        <p:txBody>
-          <a:bodyPr wrap="square">
+          <a:noFill/>
+        </p:spPr>
+        <p:txBody>
+          <a:bodyPr wrap="square" rtlCol="0">
             <a:spAutoFit/>
           </a:bodyPr>
           <a:lstStyle/>
           <a:p>
-            <a:pPr marL="285750" indent="-285750">
+            <a:pPr marL="342900" lvl="1" indent="-342900">
               <a:lnSpc>
                 <a:spcPct val="200000"/>
               </a:lnSpc>
@@ -8185,26 +9135,16 @@
               <a:buChar char="•"/>
             </a:pPr>
             <a:r>
-              <a:rPr lang="en-US" altLang="zh-CN" sz="2400" b="1" dirty="0">
-                <a:ea typeface="Roboto Cn" pitchFamily="2" charset="0"/>
-                <a:cs typeface="Arial" panose="020B0604020202020204" pitchFamily="34" charset="0"/>
-              </a:rPr>
-              <a:t>Some different results in human and </a:t>
-            </a:r>
-            <a:r>
-              <a:rPr lang="en-US" altLang="zh-CN" sz="2400" b="1" dirty="0" smtClean="0">
-                <a:ea typeface="Roboto Cn" pitchFamily="2" charset="0"/>
-                <a:cs typeface="Arial" panose="020B0604020202020204" pitchFamily="34" charset="0"/>
-              </a:rPr>
-              <a:t>rodents</a:t>
-            </a:r>
-            <a:endParaRPr lang="en-US" sz="2400" b="1" dirty="0" smtClean="0">
-              <a:ea typeface="Roboto Cn" pitchFamily="2" charset="0"/>
-              <a:cs typeface="Arial" panose="020B0604020202020204" pitchFamily="34" charset="0"/>
-            </a:endParaRPr>
-          </a:p>
-          <a:p>
-            <a:pPr marL="285750" indent="-285750">
+              <a:rPr lang="en-US" altLang="zh-CN" sz="2000" dirty="0" smtClean="0">
+                <a:latin typeface="Meiryo" panose="020B0604030504040204" pitchFamily="34" charset="-128"/>
+                <a:ea typeface="Meiryo" panose="020B0604030504040204" pitchFamily="34" charset="-128"/>
+                <a:cs typeface="Meiryo" panose="020B0604030504040204" pitchFamily="34" charset="-128"/>
+              </a:rPr>
+              <a:t>Respiratory </a:t>
+            </a:r>
+          </a:p>
+          <a:p>
+            <a:pPr marL="342900" lvl="1" indent="-342900">
               <a:lnSpc>
                 <a:spcPct val="200000"/>
               </a:lnSpc>
@@ -8212,24 +9152,34 @@
               <a:buChar char="•"/>
             </a:pPr>
             <a:r>
-              <a:rPr lang="en-US" sz="2400" b="1" dirty="0" smtClean="0">
-                <a:ea typeface="Roboto Cn" pitchFamily="2" charset="0"/>
-                <a:cs typeface="Arial" panose="020B0604020202020204" pitchFamily="34" charset="0"/>
-              </a:rPr>
-              <a:t>Some region affected by low dose of scopolamine, vulnerable, target</a:t>
-            </a:r>
-          </a:p>
-          <a:p>
-            <a:pPr marL="285750" indent="-285750">
+              <a:rPr lang="en-US" altLang="zh-CN" sz="2000" dirty="0" smtClean="0">
+                <a:latin typeface="Meiryo" panose="020B0604030504040204" pitchFamily="34" charset="-128"/>
+                <a:ea typeface="Meiryo" panose="020B0604030504040204" pitchFamily="34" charset="-128"/>
+                <a:cs typeface="Meiryo" panose="020B0604030504040204" pitchFamily="34" charset="-128"/>
+              </a:rPr>
+              <a:t>Cardiac artifacts</a:t>
+            </a:r>
+          </a:p>
+          <a:p>
+            <a:pPr marL="342900" lvl="1" indent="-342900">
               <a:lnSpc>
                 <a:spcPct val="200000"/>
               </a:lnSpc>
               <a:buFont typeface="Arial" panose="020B0604020202020204" pitchFamily="34" charset="0"/>
               <a:buChar char="•"/>
             </a:pPr>
-            <a:endParaRPr lang="en-US" sz="2400" b="1" dirty="0" smtClean="0">
-              <a:ea typeface="Roboto Cn" pitchFamily="2" charset="0"/>
-              <a:cs typeface="Arial" panose="020B0604020202020204" pitchFamily="34" charset="0"/>
+            <a:r>
+              <a:rPr lang="en-US" altLang="zh-CN" sz="2000" dirty="0" smtClean="0">
+                <a:latin typeface="Meiryo" panose="020B0604030504040204" pitchFamily="34" charset="-128"/>
+                <a:ea typeface="Meiryo" panose="020B0604030504040204" pitchFamily="34" charset="-128"/>
+                <a:cs typeface="Meiryo" panose="020B0604030504040204" pitchFamily="34" charset="-128"/>
+              </a:rPr>
+              <a:t>Body temperature</a:t>
+            </a:r>
+            <a:endParaRPr lang="en-US" altLang="zh-CN" sz="2000" dirty="0" smtClean="0">
+              <a:latin typeface="Meiryo" panose="020B0604030504040204" pitchFamily="34" charset="-128"/>
+              <a:ea typeface="Meiryo" panose="020B0604030504040204" pitchFamily="34" charset="-128"/>
+              <a:cs typeface="Meiryo" panose="020B0604030504040204" pitchFamily="34" charset="-128"/>
             </a:endParaRPr>
           </a:p>
         </p:txBody>
@@ -8237,7 +9187,7 @@
     </p:spTree>
     <p:extLst>
       <p:ext uri="{BB962C8B-B14F-4D97-AF65-F5344CB8AC3E}">
-        <p14:creationId xmlns:p14="http://schemas.microsoft.com/office/powerpoint/2010/main" val="4114588496"/>
+        <p14:creationId xmlns:p14="http://schemas.microsoft.com/office/powerpoint/2010/main" val="2581989471"/>
       </p:ext>
     </p:extLst>
   </p:cSld>
@@ -8687,6 +9637,301 @@
 </file>
 
 <file path=ppt/slides/slide20.xml><?xml version="1.0" encoding="utf-8"?>
+<p:sld xmlns:a="http://schemas.openxmlformats.org/drawingml/2006/main" xmlns:r="http://schemas.openxmlformats.org/officeDocument/2006/relationships" xmlns:p="http://schemas.openxmlformats.org/presentationml/2006/main">
+  <p:cSld>
+    <p:spTree>
+      <p:nvGrpSpPr>
+        <p:cNvPr id="1" name=""/>
+        <p:cNvGrpSpPr/>
+        <p:nvPr/>
+      </p:nvGrpSpPr>
+      <p:grpSpPr>
+        <a:xfrm>
+          <a:off x="0" y="0"/>
+          <a:ext cx="0" cy="0"/>
+          <a:chOff x="0" y="0"/>
+          <a:chExt cx="0" cy="0"/>
+        </a:xfrm>
+      </p:grpSpPr>
+      <p:pic>
+        <p:nvPicPr>
+          <p:cNvPr id="2" name="图片 1"/>
+          <p:cNvPicPr>
+            <a:picLocks noChangeAspect="1"/>
+          </p:cNvPicPr>
+          <p:nvPr/>
+        </p:nvPicPr>
+        <p:blipFill rotWithShape="1">
+          <a:blip r:embed="rId3" cstate="print">
+            <a:extLst>
+              <a:ext uri="{28A0092B-C50C-407E-A947-70E740481C1C}">
+                <a14:useLocalDpi xmlns:a14="http://schemas.microsoft.com/office/drawing/2010/main" val="0"/>
+              </a:ext>
+            </a:extLst>
+          </a:blip>
+          <a:srcRect t="19936" b="38073"/>
+          <a:stretch/>
+        </p:blipFill>
+        <p:spPr>
+          <a:xfrm>
+            <a:off x="0" y="-1"/>
+            <a:ext cx="12192000" cy="3390901"/>
+          </a:xfrm>
+          <a:prstGeom prst="rect">
+            <a:avLst/>
+          </a:prstGeom>
+        </p:spPr>
+      </p:pic>
+      <p:sp>
+        <p:nvSpPr>
+          <p:cNvPr id="8" name="矩形 7"/>
+          <p:cNvSpPr/>
+          <p:nvPr/>
+        </p:nvSpPr>
+        <p:spPr>
+          <a:xfrm>
+            <a:off x="0" y="0"/>
+            <a:ext cx="12192000" cy="3390900"/>
+          </a:xfrm>
+          <a:prstGeom prst="rect">
+            <a:avLst/>
+          </a:prstGeom>
+          <a:solidFill>
+            <a:schemeClr val="tx1">
+              <a:alpha val="64000"/>
+            </a:schemeClr>
+          </a:solidFill>
+          <a:ln>
+            <a:noFill/>
+          </a:ln>
+        </p:spPr>
+        <p:style>
+          <a:lnRef idx="2">
+            <a:schemeClr val="accent1">
+              <a:shade val="50000"/>
+            </a:schemeClr>
+          </a:lnRef>
+          <a:fillRef idx="1">
+            <a:schemeClr val="accent1"/>
+          </a:fillRef>
+          <a:effectRef idx="0">
+            <a:schemeClr val="accent1"/>
+          </a:effectRef>
+          <a:fontRef idx="minor">
+            <a:schemeClr val="lt1"/>
+          </a:fontRef>
+        </p:style>
+        <p:txBody>
+          <a:bodyPr rtlCol="0" anchor="ctr"/>
+          <a:lstStyle/>
+          <a:p>
+            <a:pPr algn="ctr"/>
+            <a:endParaRPr lang="zh-CN" altLang="en-US"/>
+          </a:p>
+        </p:txBody>
+      </p:sp>
+      <p:sp>
+        <p:nvSpPr>
+          <p:cNvPr id="4" name="文本框 3"/>
+          <p:cNvSpPr txBox="1"/>
+          <p:nvPr/>
+        </p:nvSpPr>
+        <p:spPr>
+          <a:xfrm>
+            <a:off x="1278671" y="500248"/>
+            <a:ext cx="10591221" cy="1938992"/>
+          </a:xfrm>
+          <a:prstGeom prst="rect">
+            <a:avLst/>
+          </a:prstGeom>
+          <a:noFill/>
+        </p:spPr>
+        <p:txBody>
+          <a:bodyPr wrap="square" rtlCol="0">
+            <a:spAutoFit/>
+          </a:bodyPr>
+          <a:lstStyle/>
+          <a:p>
+            <a:pPr algn="r"/>
+            <a:r>
+              <a:rPr lang="en-US" altLang="zh-CN" sz="6000" b="1" dirty="0" smtClean="0">
+                <a:solidFill>
+                  <a:srgbClr val="00ABB4"/>
+                </a:solidFill>
+                <a:latin typeface="微软雅黑" panose="020B0503020204020204" pitchFamily="34" charset="-122"/>
+                <a:ea typeface="微软雅黑" panose="020B0503020204020204" pitchFamily="34" charset="-122"/>
+              </a:rPr>
+              <a:t>Technical </a:t>
+            </a:r>
+            <a:r>
+              <a:rPr lang="en-US" altLang="zh-CN" sz="6000" b="1" dirty="0">
+                <a:solidFill>
+                  <a:srgbClr val="00ABB4"/>
+                </a:solidFill>
+                <a:latin typeface="微软雅黑" panose="020B0503020204020204" pitchFamily="34" charset="-122"/>
+                <a:ea typeface="微软雅黑" panose="020B0503020204020204" pitchFamily="34" charset="-122"/>
+              </a:rPr>
+              <a:t>considerations in data </a:t>
+            </a:r>
+            <a:r>
+              <a:rPr lang="en-US" altLang="zh-CN" sz="6000" b="1" dirty="0" smtClean="0">
+                <a:solidFill>
+                  <a:srgbClr val="00ABB4"/>
+                </a:solidFill>
+                <a:latin typeface="微软雅黑" panose="020B0503020204020204" pitchFamily="34" charset="-122"/>
+                <a:ea typeface="微软雅黑" panose="020B0503020204020204" pitchFamily="34" charset="-122"/>
+              </a:rPr>
+              <a:t>processing</a:t>
+            </a:r>
+            <a:endParaRPr lang="zh-CN" altLang="en-US" sz="6000" b="1" dirty="0">
+              <a:solidFill>
+                <a:srgbClr val="00ABB4"/>
+              </a:solidFill>
+              <a:latin typeface="微软雅黑" panose="020B0503020204020204" pitchFamily="34" charset="-122"/>
+              <a:ea typeface="微软雅黑" panose="020B0503020204020204" pitchFamily="34" charset="-122"/>
+            </a:endParaRPr>
+          </a:p>
+        </p:txBody>
+      </p:sp>
+      <p:sp>
+        <p:nvSpPr>
+          <p:cNvPr id="17" name="文本框 16"/>
+          <p:cNvSpPr txBox="1"/>
+          <p:nvPr/>
+        </p:nvSpPr>
+        <p:spPr>
+          <a:xfrm>
+            <a:off x="3905561" y="3640405"/>
+            <a:ext cx="4380878" cy="3170099"/>
+          </a:xfrm>
+          <a:prstGeom prst="rect">
+            <a:avLst/>
+          </a:prstGeom>
+          <a:noFill/>
+        </p:spPr>
+        <p:txBody>
+          <a:bodyPr wrap="square" rtlCol="0">
+            <a:spAutoFit/>
+          </a:bodyPr>
+          <a:lstStyle/>
+          <a:p>
+            <a:pPr marL="342900" lvl="1" indent="-342900">
+              <a:lnSpc>
+                <a:spcPct val="200000"/>
+              </a:lnSpc>
+              <a:buFont typeface="Arial" panose="020B0604020202020204" pitchFamily="34" charset="0"/>
+              <a:buChar char="•"/>
+            </a:pPr>
+            <a:r>
+              <a:rPr lang="en-US" altLang="zh-CN" sz="2000" dirty="0">
+                <a:latin typeface="Meiryo" panose="020B0604030504040204" pitchFamily="34" charset="-128"/>
+                <a:ea typeface="Meiryo" panose="020B0604030504040204" pitchFamily="34" charset="-128"/>
+                <a:cs typeface="Meiryo" panose="020B0604030504040204" pitchFamily="34" charset="-128"/>
+              </a:rPr>
+              <a:t>Susceptibility artifacts </a:t>
+            </a:r>
+            <a:endParaRPr lang="en-US" altLang="zh-CN" sz="2000" dirty="0" smtClean="0">
+              <a:latin typeface="Meiryo" panose="020B0604030504040204" pitchFamily="34" charset="-128"/>
+              <a:ea typeface="Meiryo" panose="020B0604030504040204" pitchFamily="34" charset="-128"/>
+              <a:cs typeface="Meiryo" panose="020B0604030504040204" pitchFamily="34" charset="-128"/>
+            </a:endParaRPr>
+          </a:p>
+          <a:p>
+            <a:pPr marL="342900" lvl="1" indent="-342900">
+              <a:lnSpc>
+                <a:spcPct val="200000"/>
+              </a:lnSpc>
+              <a:buFont typeface="Arial" panose="020B0604020202020204" pitchFamily="34" charset="0"/>
+              <a:buChar char="•"/>
+            </a:pPr>
+            <a:r>
+              <a:rPr lang="en-US" altLang="zh-CN" sz="2000" dirty="0">
+                <a:latin typeface="Meiryo" panose="020B0604030504040204" pitchFamily="34" charset="-128"/>
+                <a:ea typeface="Meiryo" panose="020B0604030504040204" pitchFamily="34" charset="-128"/>
+                <a:cs typeface="Meiryo" panose="020B0604030504040204" pitchFamily="34" charset="-128"/>
+              </a:rPr>
+              <a:t>Motion artifacts </a:t>
+            </a:r>
+            <a:endParaRPr lang="en-US" altLang="zh-CN" sz="2000" dirty="0">
+              <a:latin typeface="Meiryo" panose="020B0604030504040204" pitchFamily="34" charset="-128"/>
+              <a:ea typeface="Meiryo" panose="020B0604030504040204" pitchFamily="34" charset="-128"/>
+              <a:cs typeface="Meiryo" panose="020B0604030504040204" pitchFamily="34" charset="-128"/>
+            </a:endParaRPr>
+          </a:p>
+          <a:p>
+            <a:pPr marL="342900" lvl="1" indent="-342900">
+              <a:lnSpc>
+                <a:spcPct val="200000"/>
+              </a:lnSpc>
+              <a:buFont typeface="Arial" panose="020B0604020202020204" pitchFamily="34" charset="0"/>
+              <a:buChar char="•"/>
+            </a:pPr>
+            <a:r>
+              <a:rPr lang="en-US" altLang="zh-CN" sz="2000" dirty="0">
+                <a:latin typeface="Meiryo" panose="020B0604030504040204" pitchFamily="34" charset="-128"/>
+                <a:ea typeface="Meiryo" panose="020B0604030504040204" pitchFamily="34" charset="-128"/>
+                <a:cs typeface="Meiryo" panose="020B0604030504040204" pitchFamily="34" charset="-128"/>
+              </a:rPr>
+              <a:t>Physiological artifacts </a:t>
+            </a:r>
+            <a:endParaRPr lang="en-US" altLang="zh-CN" sz="2000" dirty="0">
+              <a:latin typeface="Meiryo" panose="020B0604030504040204" pitchFamily="34" charset="-128"/>
+              <a:ea typeface="Meiryo" panose="020B0604030504040204" pitchFamily="34" charset="-128"/>
+              <a:cs typeface="Meiryo" panose="020B0604030504040204" pitchFamily="34" charset="-128"/>
+            </a:endParaRPr>
+          </a:p>
+          <a:p>
+            <a:pPr marL="342900" lvl="1" indent="-342900">
+              <a:lnSpc>
+                <a:spcPct val="200000"/>
+              </a:lnSpc>
+              <a:buFont typeface="Arial" panose="020B0604020202020204" pitchFamily="34" charset="0"/>
+              <a:buChar char="•"/>
+            </a:pPr>
+            <a:r>
+              <a:rPr lang="en-US" altLang="zh-CN" sz="2000" dirty="0">
+                <a:latin typeface="Meiryo" panose="020B0604030504040204" pitchFamily="34" charset="-128"/>
+                <a:ea typeface="Meiryo" panose="020B0604030504040204" pitchFamily="34" charset="-128"/>
+                <a:cs typeface="Meiryo" panose="020B0604030504040204" pitchFamily="34" charset="-128"/>
+              </a:rPr>
+              <a:t>Filter bandwidth </a:t>
+            </a:r>
+            <a:r>
+              <a:rPr lang="en-US" altLang="zh-CN" sz="2000" dirty="0"/>
+              <a:t/>
+            </a:r>
+            <a:br>
+              <a:rPr lang="en-US" altLang="zh-CN" sz="2000" dirty="0"/>
+            </a:br>
+            <a:endParaRPr lang="en-US" altLang="zh-CN" sz="2000" dirty="0">
+              <a:latin typeface="Meiryo" panose="020B0604030504040204" pitchFamily="34" charset="-128"/>
+              <a:ea typeface="Meiryo" panose="020B0604030504040204" pitchFamily="34" charset="-128"/>
+              <a:cs typeface="Meiryo" panose="020B0604030504040204" pitchFamily="34" charset="-128"/>
+            </a:endParaRPr>
+          </a:p>
+        </p:txBody>
+      </p:sp>
+    </p:spTree>
+    <p:extLst>
+      <p:ext uri="{BB962C8B-B14F-4D97-AF65-F5344CB8AC3E}">
+        <p14:creationId xmlns:p14="http://schemas.microsoft.com/office/powerpoint/2010/main" val="3457646407"/>
+      </p:ext>
+    </p:extLst>
+  </p:cSld>
+  <p:clrMapOvr>
+    <a:masterClrMapping/>
+  </p:clrMapOvr>
+  <p:timing>
+    <p:tnLst>
+      <p:par>
+        <p:cTn id="1" dur="indefinite" restart="never" nodeType="tmRoot"/>
+      </p:par>
+    </p:tnLst>
+  </p:timing>
+</p:sld>
+</file>
+
+<file path=ppt/slides/slide21.xml><?xml version="1.0" encoding="utf-8"?>
 <p:sld xmlns:a="http://schemas.openxmlformats.org/drawingml/2006/main" xmlns:r="http://schemas.openxmlformats.org/officeDocument/2006/relationships" xmlns:p="http://schemas.openxmlformats.org/presentationml/2006/main">
   <p:cSld>
     <p:spTree>
@@ -10249,7 +11494,7 @@
         </p:nvCxnSpPr>
         <p:spPr>
           <a:xfrm>
-            <a:off x="3794758" y="3824441"/>
+            <a:off x="5478775" y="3824441"/>
             <a:ext cx="0" cy="2464837"/>
           </a:xfrm>
           <a:prstGeom prst="line">
@@ -10286,7 +11531,7 @@
         </p:nvSpPr>
         <p:spPr>
           <a:xfrm>
-            <a:off x="3944383" y="3771721"/>
+            <a:off x="5628400" y="3771721"/>
             <a:ext cx="3852950" cy="2554545"/>
           </a:xfrm>
           <a:prstGeom prst="rect">
@@ -10376,7 +11621,7 @@
         </p:nvSpPr>
         <p:spPr>
           <a:xfrm>
-            <a:off x="495752" y="3751991"/>
+            <a:off x="2179769" y="3751991"/>
             <a:ext cx="3168287" cy="1938992"/>
           </a:xfrm>
           <a:prstGeom prst="rect">
@@ -10425,93 +11670,16 @@
           </a:p>
         </p:txBody>
       </p:sp>
-      <p:cxnSp>
-        <p:nvCxnSpPr>
-          <p:cNvPr id="22" name="直接连接符 21"/>
-          <p:cNvCxnSpPr/>
-          <p:nvPr/>
-        </p:nvCxnSpPr>
-        <p:spPr>
-          <a:xfrm>
-            <a:off x="7949009" y="3820584"/>
-            <a:ext cx="0" cy="2464837"/>
-          </a:xfrm>
-          <a:prstGeom prst="line">
-            <a:avLst/>
-          </a:prstGeom>
-          <a:ln>
-            <a:solidFill>
-              <a:schemeClr val="bg1">
-                <a:lumMod val="50000"/>
-              </a:schemeClr>
-            </a:solidFill>
-          </a:ln>
-        </p:spPr>
-        <p:style>
-          <a:lnRef idx="1">
-            <a:schemeClr val="accent1"/>
-          </a:lnRef>
-          <a:fillRef idx="0">
-            <a:schemeClr val="accent1"/>
-          </a:fillRef>
-          <a:effectRef idx="0">
-            <a:schemeClr val="accent1"/>
-          </a:effectRef>
-          <a:fontRef idx="minor">
-            <a:schemeClr val="tx1"/>
-          </a:fontRef>
-        </p:style>
-      </p:cxnSp>
-      <p:sp>
-        <p:nvSpPr>
-          <p:cNvPr id="23" name="文本框 22"/>
+      <p:sp>
+        <p:nvSpPr>
+          <p:cNvPr id="11" name="文本框 3"/>
           <p:cNvSpPr txBox="1"/>
           <p:nvPr/>
         </p:nvSpPr>
         <p:spPr>
           <a:xfrm>
-            <a:off x="8141996" y="3751991"/>
-            <a:ext cx="3926598" cy="1938992"/>
-          </a:xfrm>
-          <a:prstGeom prst="rect">
-            <a:avLst/>
-          </a:prstGeom>
-          <a:noFill/>
-        </p:spPr>
-        <p:txBody>
-          <a:bodyPr wrap="square" rtlCol="0">
-            <a:spAutoFit/>
-          </a:bodyPr>
-          <a:lstStyle/>
-          <a:p>
-            <a:pPr marL="342900" indent="-342900">
-              <a:lnSpc>
-                <a:spcPct val="200000"/>
-              </a:lnSpc>
-              <a:buFont typeface="Arial" panose="020B0604020202020204" pitchFamily="34" charset="0"/>
-              <a:buChar char="•"/>
-            </a:pPr>
-            <a:r>
-              <a:rPr lang="en-US" altLang="zh-CN" sz="2000" dirty="0" smtClean="0">
-                <a:latin typeface="Meiryo" panose="020B0604030504040204" pitchFamily="34" charset="-128"/>
-                <a:ea typeface="Meiryo" panose="020B0604030504040204" pitchFamily="34" charset="-128"/>
-                <a:cs typeface="Meiryo" panose="020B0604030504040204" pitchFamily="34" charset="-128"/>
-              </a:rPr>
-              <a:t>Neural, vascular and FC effects of different anesthesia </a:t>
-            </a:r>
-          </a:p>
-        </p:txBody>
-      </p:sp>
-      <p:sp>
-        <p:nvSpPr>
-          <p:cNvPr id="10" name="文本框 3"/>
-          <p:cNvSpPr txBox="1"/>
-          <p:nvPr/>
-        </p:nvSpPr>
-        <p:spPr>
-          <a:xfrm>
             <a:off x="1751576" y="713244"/>
-            <a:ext cx="10176135" cy="2677656"/>
+            <a:ext cx="10176135" cy="3600986"/>
           </a:xfrm>
           <a:prstGeom prst="rect">
             <a:avLst/>
@@ -10533,7 +11701,7 @@
                 <a:latin typeface="微软雅黑" panose="020B0503020204020204" pitchFamily="34" charset="-122"/>
                 <a:ea typeface="微软雅黑" panose="020B0503020204020204" pitchFamily="34" charset="-122"/>
               </a:rPr>
-              <a:t>Effects </a:t>
+              <a:t>Resting-state network </a:t>
             </a:r>
             <a:r>
               <a:rPr lang="en-US" altLang="zh-CN" sz="6000" b="1" dirty="0">
@@ -10543,7 +11711,26 @@
                 <a:latin typeface="微软雅黑" panose="020B0503020204020204" pitchFamily="34" charset="-122"/>
                 <a:ea typeface="微软雅黑" panose="020B0503020204020204" pitchFamily="34" charset="-122"/>
               </a:rPr>
-              <a:t>of anesthesia on functional networks </a:t>
+              <a:t>of the rodent brain </a:t>
+            </a:r>
+            <a:br>
+              <a:rPr lang="en-US" altLang="zh-CN" sz="6000" b="1" dirty="0">
+                <a:solidFill>
+                  <a:srgbClr val="00ABB4"/>
+                </a:solidFill>
+                <a:latin typeface="微软雅黑" panose="020B0503020204020204" pitchFamily="34" charset="-122"/>
+                <a:ea typeface="微软雅黑" panose="020B0503020204020204" pitchFamily="34" charset="-122"/>
+              </a:rPr>
+            </a:br>
+            <a:r>
+              <a:rPr lang="en-US" altLang="zh-CN" sz="6000" b="1" dirty="0" smtClean="0">
+                <a:solidFill>
+                  <a:srgbClr val="00ABB4"/>
+                </a:solidFill>
+                <a:latin typeface="微软雅黑" panose="020B0503020204020204" pitchFamily="34" charset="-122"/>
+                <a:ea typeface="微软雅黑" panose="020B0503020204020204" pitchFamily="34" charset="-122"/>
+              </a:rPr>
+              <a:t> </a:t>
             </a:r>
             <a:r>
               <a:rPr lang="en-US" altLang="zh-CN" sz="4800" dirty="0"/>
@@ -11041,227 +12228,6 @@
           </a:p>
         </p:txBody>
       </p:sp>
-      <p:cxnSp>
-        <p:nvCxnSpPr>
-          <p:cNvPr id="18" name="直接连接符 17"/>
-          <p:cNvCxnSpPr/>
-          <p:nvPr/>
-        </p:nvCxnSpPr>
-        <p:spPr>
-          <a:xfrm>
-            <a:off x="3794758" y="3824441"/>
-            <a:ext cx="0" cy="2464837"/>
-          </a:xfrm>
-          <a:prstGeom prst="line">
-            <a:avLst/>
-          </a:prstGeom>
-          <a:ln>
-            <a:solidFill>
-              <a:schemeClr val="bg1">
-                <a:lumMod val="50000"/>
-              </a:schemeClr>
-            </a:solidFill>
-          </a:ln>
-        </p:spPr>
-        <p:style>
-          <a:lnRef idx="1">
-            <a:schemeClr val="accent1"/>
-          </a:lnRef>
-          <a:fillRef idx="0">
-            <a:schemeClr val="accent1"/>
-          </a:fillRef>
-          <a:effectRef idx="0">
-            <a:schemeClr val="accent1"/>
-          </a:effectRef>
-          <a:fontRef idx="minor">
-            <a:schemeClr val="tx1"/>
-          </a:fontRef>
-        </p:style>
-      </p:cxnSp>
-      <p:sp>
-        <p:nvSpPr>
-          <p:cNvPr id="19" name="文本框 18"/>
-          <p:cNvSpPr txBox="1"/>
-          <p:nvPr/>
-        </p:nvSpPr>
-        <p:spPr>
-          <a:xfrm>
-            <a:off x="3944383" y="3771721"/>
-            <a:ext cx="3852950" cy="2554545"/>
-          </a:xfrm>
-          <a:prstGeom prst="rect">
-            <a:avLst/>
-          </a:prstGeom>
-          <a:noFill/>
-        </p:spPr>
-        <p:txBody>
-          <a:bodyPr wrap="square" rtlCol="0">
-            <a:spAutoFit/>
-          </a:bodyPr>
-          <a:lstStyle/>
-          <a:p>
-            <a:pPr marL="342900" indent="-342900">
-              <a:lnSpc>
-                <a:spcPct val="200000"/>
-              </a:lnSpc>
-              <a:buFont typeface="Arial" panose="020B0604020202020204" pitchFamily="34" charset="0"/>
-              <a:buChar char="•"/>
-            </a:pPr>
-            <a:r>
-              <a:rPr lang="en-US" altLang="zh-CN" sz="2000" dirty="0" smtClean="0">
-                <a:latin typeface="Meiryo" panose="020B0604030504040204" pitchFamily="34" charset="-128"/>
-                <a:ea typeface="Meiryo" panose="020B0604030504040204" pitchFamily="34" charset="-128"/>
-                <a:cs typeface="Meiryo" panose="020B0604030504040204" pitchFamily="34" charset="-128"/>
-              </a:rPr>
-              <a:t>Functional </a:t>
-            </a:r>
-            <a:r>
-              <a:rPr lang="en-US" altLang="zh-CN" sz="2000" dirty="0" err="1" smtClean="0">
-                <a:latin typeface="Meiryo" panose="020B0604030504040204" pitchFamily="34" charset="-128"/>
-                <a:ea typeface="Meiryo" panose="020B0604030504040204" pitchFamily="34" charset="-128"/>
-                <a:cs typeface="Meiryo" panose="020B0604030504040204" pitchFamily="34" charset="-128"/>
-              </a:rPr>
-              <a:t>parcellation</a:t>
-            </a:r>
-            <a:r>
-              <a:rPr lang="en-US" altLang="zh-CN" sz="2000" dirty="0" smtClean="0">
-                <a:latin typeface="Meiryo" panose="020B0604030504040204" pitchFamily="34" charset="-128"/>
-                <a:ea typeface="Meiryo" panose="020B0604030504040204" pitchFamily="34" charset="-128"/>
-                <a:cs typeface="Meiryo" panose="020B0604030504040204" pitchFamily="34" charset="-128"/>
-              </a:rPr>
-              <a:t> and modules</a:t>
-            </a:r>
-          </a:p>
-          <a:p>
-            <a:pPr marL="800100" lvl="1" indent="-342900">
-              <a:lnSpc>
-                <a:spcPct val="200000"/>
-              </a:lnSpc>
-              <a:buFont typeface="Arial" panose="020B0604020202020204" pitchFamily="34" charset="0"/>
-              <a:buChar char="•"/>
-            </a:pPr>
-            <a:r>
-              <a:rPr lang="en-US" altLang="zh-CN" sz="2000" dirty="0" smtClean="0">
-                <a:latin typeface="Meiryo" panose="020B0604030504040204" pitchFamily="34" charset="-128"/>
-                <a:ea typeface="Meiryo" panose="020B0604030504040204" pitchFamily="34" charset="-128"/>
-                <a:cs typeface="Meiryo" panose="020B0604030504040204" pitchFamily="34" charset="-128"/>
-              </a:rPr>
-              <a:t>ICA</a:t>
-            </a:r>
-          </a:p>
-          <a:p>
-            <a:pPr marL="800100" lvl="1" indent="-342900">
-              <a:lnSpc>
-                <a:spcPct val="200000"/>
-              </a:lnSpc>
-              <a:buFont typeface="Arial" panose="020B0604020202020204" pitchFamily="34" charset="0"/>
-              <a:buChar char="•"/>
-            </a:pPr>
-            <a:r>
-              <a:rPr lang="en-US" altLang="zh-CN" sz="2000" dirty="0">
-                <a:latin typeface="Meiryo" panose="020B0604030504040204" pitchFamily="34" charset="-128"/>
-                <a:ea typeface="Meiryo" panose="020B0604030504040204" pitchFamily="34" charset="-128"/>
-                <a:cs typeface="Meiryo" panose="020B0604030504040204" pitchFamily="34" charset="-128"/>
-              </a:rPr>
-              <a:t>voxel-wise correlation </a:t>
-            </a:r>
-          </a:p>
-        </p:txBody>
-      </p:sp>
-      <p:sp>
-        <p:nvSpPr>
-          <p:cNvPr id="17" name="文本框 16"/>
-          <p:cNvSpPr txBox="1"/>
-          <p:nvPr/>
-        </p:nvSpPr>
-        <p:spPr>
-          <a:xfrm>
-            <a:off x="495752" y="3751991"/>
-            <a:ext cx="3168287" cy="1938992"/>
-          </a:xfrm>
-          <a:prstGeom prst="rect">
-            <a:avLst/>
-          </a:prstGeom>
-          <a:noFill/>
-        </p:spPr>
-        <p:txBody>
-          <a:bodyPr wrap="square" rtlCol="0">
-            <a:spAutoFit/>
-          </a:bodyPr>
-          <a:lstStyle/>
-          <a:p>
-            <a:pPr marL="342900" lvl="1" indent="-342900">
-              <a:lnSpc>
-                <a:spcPct val="200000"/>
-              </a:lnSpc>
-              <a:buFont typeface="Arial" panose="020B0604020202020204" pitchFamily="34" charset="0"/>
-              <a:buChar char="•"/>
-            </a:pPr>
-            <a:r>
-              <a:rPr lang="en-US" altLang="zh-CN" sz="2000" dirty="0" smtClean="0">
-                <a:latin typeface="Meiryo" panose="020B0604030504040204" pitchFamily="34" charset="-128"/>
-                <a:ea typeface="Meiryo" panose="020B0604030504040204" pitchFamily="34" charset="-128"/>
-                <a:cs typeface="Meiryo" panose="020B0604030504040204" pitchFamily="34" charset="-128"/>
-              </a:rPr>
-              <a:t>Functions of RSN</a:t>
-            </a:r>
-          </a:p>
-          <a:p>
-            <a:pPr marL="342900" lvl="1" indent="-342900">
-              <a:lnSpc>
-                <a:spcPct val="200000"/>
-              </a:lnSpc>
-              <a:buFont typeface="Arial" panose="020B0604020202020204" pitchFamily="34" charset="0"/>
-              <a:buChar char="•"/>
-            </a:pPr>
-            <a:r>
-              <a:rPr lang="en-US" altLang="zh-CN" sz="2000" dirty="0" smtClean="0">
-                <a:latin typeface="Meiryo" panose="020B0604030504040204" pitchFamily="34" charset="-128"/>
-                <a:ea typeface="Meiryo" panose="020B0604030504040204" pitchFamily="34" charset="-128"/>
-                <a:cs typeface="Meiryo" panose="020B0604030504040204" pitchFamily="34" charset="-128"/>
-              </a:rPr>
-              <a:t>Changing in &amp; after task</a:t>
-            </a:r>
-          </a:p>
-        </p:txBody>
-      </p:sp>
-      <p:cxnSp>
-        <p:nvCxnSpPr>
-          <p:cNvPr id="22" name="直接连接符 21"/>
-          <p:cNvCxnSpPr/>
-          <p:nvPr/>
-        </p:nvCxnSpPr>
-        <p:spPr>
-          <a:xfrm>
-            <a:off x="7949009" y="3820584"/>
-            <a:ext cx="0" cy="2464837"/>
-          </a:xfrm>
-          <a:prstGeom prst="line">
-            <a:avLst/>
-          </a:prstGeom>
-          <a:ln>
-            <a:solidFill>
-              <a:schemeClr val="bg1">
-                <a:lumMod val="50000"/>
-              </a:schemeClr>
-            </a:solidFill>
-          </a:ln>
-        </p:spPr>
-        <p:style>
-          <a:lnRef idx="1">
-            <a:schemeClr val="accent1"/>
-          </a:lnRef>
-          <a:fillRef idx="0">
-            <a:schemeClr val="accent1"/>
-          </a:fillRef>
-          <a:effectRef idx="0">
-            <a:schemeClr val="accent1"/>
-          </a:effectRef>
-          <a:fontRef idx="minor">
-            <a:schemeClr val="tx1"/>
-          </a:fontRef>
-        </p:style>
-      </p:cxnSp>
       <p:sp>
         <p:nvSpPr>
           <p:cNvPr id="23" name="文本框 22"/>
@@ -11270,8 +12236,8 @@
         </p:nvSpPr>
         <p:spPr>
           <a:xfrm>
-            <a:off x="7968142" y="3751991"/>
-            <a:ext cx="4324753" cy="2554545"/>
+            <a:off x="2824223" y="3711478"/>
+            <a:ext cx="7448309" cy="1938992"/>
           </a:xfrm>
           <a:prstGeom prst="rect">
             <a:avLst/>
@@ -11670,7 +12636,7 @@
   <a:extraClrSchemeLst/>
   <a:extLst>
     <a:ext uri="{05A4C25C-085E-4340-85A3-A5531E510DB2}">
-      <thm15:themeFamily xmlns="" xmlns:thm15="http://schemas.microsoft.com/office/thememl/2012/main" name="Office Theme" id="{62F939B6-93AF-4DB8-9C6B-D6C7DFDC589F}" vid="{4A3C46E8-61CC-4603-A589-7422A47A8E4A}"/>
+      <thm15:themeFamily xmlns:thm15="http://schemas.microsoft.com/office/thememl/2012/main" xmlns="" name="Office Theme" id="{62F939B6-93AF-4DB8-9C6B-D6C7DFDC589F}" vid="{4A3C46E8-61CC-4603-A589-7422A47A8E4A}"/>
     </a:ext>
   </a:extLst>
 </a:theme>
@@ -11931,7 +12897,7 @@
   <a:extraClrSchemeLst/>
   <a:extLst>
     <a:ext uri="{05A4C25C-085E-4340-85A3-A5531E510DB2}">
-      <thm15:themeFamily xmlns="" xmlns:thm15="http://schemas.microsoft.com/office/thememl/2012/main" name="Office Theme" id="{62F939B6-93AF-4DB8-9C6B-D6C7DFDC589F}" vid="{4A3C46E8-61CC-4603-A589-7422A47A8E4A}"/>
+      <thm15:themeFamily xmlns:thm15="http://schemas.microsoft.com/office/thememl/2012/main" xmlns="" name="Office Theme" id="{62F939B6-93AF-4DB8-9C6B-D6C7DFDC589F}" vid="{4A3C46E8-61CC-4603-A589-7422A47A8E4A}"/>
     </a:ext>
   </a:extLst>
 </a:theme>
